--- a/Lending_Club_CaseStudy_Syed_Jereme.pptx
+++ b/Lending_Club_CaseStudy_Syed_Jereme.pptx
@@ -14,17 +14,24 @@
     <p:sldId id="262" r:id="rId8"/>
     <p:sldId id="263" r:id="rId9"/>
     <p:sldId id="268" r:id="rId10"/>
-    <p:sldId id="269" r:id="rId11"/>
-    <p:sldId id="270" r:id="rId12"/>
-    <p:sldId id="264" r:id="rId13"/>
-    <p:sldId id="265" r:id="rId14"/>
-    <p:sldId id="271" r:id="rId15"/>
-    <p:sldId id="272" r:id="rId16"/>
-    <p:sldId id="273" r:id="rId17"/>
-    <p:sldId id="274" r:id="rId18"/>
-    <p:sldId id="275" r:id="rId19"/>
-    <p:sldId id="276" r:id="rId20"/>
-    <p:sldId id="266" r:id="rId21"/>
+    <p:sldId id="264" r:id="rId11"/>
+    <p:sldId id="265" r:id="rId12"/>
+    <p:sldId id="271" r:id="rId13"/>
+    <p:sldId id="272" r:id="rId14"/>
+    <p:sldId id="274" r:id="rId15"/>
+    <p:sldId id="275" r:id="rId16"/>
+    <p:sldId id="278" r:id="rId17"/>
+    <p:sldId id="276" r:id="rId18"/>
+    <p:sldId id="277" r:id="rId19"/>
+    <p:sldId id="279" r:id="rId20"/>
+    <p:sldId id="280" r:id="rId21"/>
+    <p:sldId id="281" r:id="rId22"/>
+    <p:sldId id="283" r:id="rId23"/>
+    <p:sldId id="284" r:id="rId24"/>
+    <p:sldId id="285" r:id="rId25"/>
+    <p:sldId id="286" r:id="rId26"/>
+    <p:sldId id="287" r:id="rId27"/>
+    <p:sldId id="266" r:id="rId28"/>
   </p:sldIdLst>
   <p:sldSz cx="12192000" cy="6858000"/>
   <p:notesSz cx="6858000" cy="9144000"/>
@@ -123,6 +130,11 @@
       </a:defRPr>
     </a:lvl9pPr>
   </p:defaultTextStyle>
+  <p:extLst>
+    <p:ext uri="{EFAFB233-063F-42B5-8137-9DF3F51BA10A}">
+      <p15:sldGuideLst xmlns:p15="http://schemas.microsoft.com/office/powerpoint/2012/main"/>
+    </p:ext>
+  </p:extLst>
 </p:presentation>
 </file>
 
@@ -3472,182 +3484,6 @@
           <a:p>
             <a:r>
               <a:rPr lang="en-US" dirty="0"/>
-              <a:t>Distribution of Interest Rate</a:t>
-            </a:r>
-            <a:endParaRPr lang="en-IN" dirty="0"/>
-          </a:p>
-        </p:txBody>
-      </p:sp>
-      <p:pic>
-        <p:nvPicPr>
-          <p:cNvPr id="7" name="Content Placeholder 6">
-            <a:extLst>
-              <a:ext uri="{FF2B5EF4-FFF2-40B4-BE49-F238E27FC236}">
-                <a16:creationId xmlns:a16="http://schemas.microsoft.com/office/drawing/2014/main" id="{4E4B18F9-6AA6-7E84-1FBC-2621736CF4EE}"/>
-              </a:ext>
-            </a:extLst>
-          </p:cNvPr>
-          <p:cNvPicPr>
-            <a:picLocks noGrp="1" noChangeAspect="1"/>
-          </p:cNvPicPr>
-          <p:nvPr>
-            <p:ph idx="1"/>
-          </p:nvPr>
-        </p:nvPicPr>
-        <p:blipFill>
-          <a:blip r:embed="rId2"/>
-          <a:stretch>
-            <a:fillRect/>
-          </a:stretch>
-        </p:blipFill>
-        <p:spPr>
-          <a:xfrm>
-            <a:off x="2795127" y="2472318"/>
-            <a:ext cx="6601746" cy="3057952"/>
-          </a:xfrm>
-        </p:spPr>
-      </p:pic>
-    </p:spTree>
-    <p:extLst>
-      <p:ext uri="{BB962C8B-B14F-4D97-AF65-F5344CB8AC3E}">
-        <p14:creationId xmlns:p14="http://schemas.microsoft.com/office/powerpoint/2010/main" val="4250926174"/>
-      </p:ext>
-    </p:extLst>
-  </p:cSld>
-  <p:clrMapOvr>
-    <a:masterClrMapping/>
-  </p:clrMapOvr>
-</p:sld>
-</file>
-
-<file path=ppt/slides/slide11.xml><?xml version="1.0" encoding="utf-8"?>
-<p:sld xmlns:a="http://schemas.openxmlformats.org/drawingml/2006/main" xmlns:r="http://schemas.openxmlformats.org/officeDocument/2006/relationships" xmlns:p="http://schemas.openxmlformats.org/presentationml/2006/main">
-  <p:cSld>
-    <p:spTree>
-      <p:nvGrpSpPr>
-        <p:cNvPr id="1" name=""/>
-        <p:cNvGrpSpPr/>
-        <p:nvPr/>
-      </p:nvGrpSpPr>
-      <p:grpSpPr>
-        <a:xfrm>
-          <a:off x="0" y="0"/>
-          <a:ext cx="0" cy="0"/>
-          <a:chOff x="0" y="0"/>
-          <a:chExt cx="0" cy="0"/>
-        </a:xfrm>
-      </p:grpSpPr>
-      <p:sp>
-        <p:nvSpPr>
-          <p:cNvPr id="2" name="Title 1">
-            <a:extLst>
-              <a:ext uri="{FF2B5EF4-FFF2-40B4-BE49-F238E27FC236}">
-                <a16:creationId xmlns:a16="http://schemas.microsoft.com/office/drawing/2014/main" id="{3FBEDED4-628C-36AD-5EF5-2206E52E0D87}"/>
-              </a:ext>
-            </a:extLst>
-          </p:cNvPr>
-          <p:cNvSpPr>
-            <a:spLocks noGrp="1"/>
-          </p:cNvSpPr>
-          <p:nvPr>
-            <p:ph type="title"/>
-          </p:nvPr>
-        </p:nvSpPr>
-        <p:spPr/>
-        <p:txBody>
-          <a:bodyPr/>
-          <a:lstStyle/>
-          <a:p>
-            <a:r>
-              <a:rPr lang="en-US" dirty="0"/>
-              <a:t>Distribution of Annual Income of the Borrower</a:t>
-            </a:r>
-            <a:endParaRPr lang="en-IN" dirty="0"/>
-          </a:p>
-        </p:txBody>
-      </p:sp>
-      <p:pic>
-        <p:nvPicPr>
-          <p:cNvPr id="9" name="Content Placeholder 8">
-            <a:extLst>
-              <a:ext uri="{FF2B5EF4-FFF2-40B4-BE49-F238E27FC236}">
-                <a16:creationId xmlns:a16="http://schemas.microsoft.com/office/drawing/2014/main" id="{62E63039-C46D-9F88-E00E-163DE3751657}"/>
-              </a:ext>
-            </a:extLst>
-          </p:cNvPr>
-          <p:cNvPicPr>
-            <a:picLocks noGrp="1" noChangeAspect="1"/>
-          </p:cNvPicPr>
-          <p:nvPr>
-            <p:ph idx="1"/>
-          </p:nvPr>
-        </p:nvPicPr>
-        <p:blipFill>
-          <a:blip r:embed="rId2"/>
-          <a:stretch>
-            <a:fillRect/>
-          </a:stretch>
-        </p:blipFill>
-        <p:spPr>
-          <a:xfrm>
-            <a:off x="2695100" y="2524713"/>
-            <a:ext cx="6801799" cy="2953162"/>
-          </a:xfrm>
-        </p:spPr>
-      </p:pic>
-    </p:spTree>
-    <p:extLst>
-      <p:ext uri="{BB962C8B-B14F-4D97-AF65-F5344CB8AC3E}">
-        <p14:creationId xmlns:p14="http://schemas.microsoft.com/office/powerpoint/2010/main" val="3736789768"/>
-      </p:ext>
-    </p:extLst>
-  </p:cSld>
-  <p:clrMapOvr>
-    <a:masterClrMapping/>
-  </p:clrMapOvr>
-</p:sld>
-</file>
-
-<file path=ppt/slides/slide12.xml><?xml version="1.0" encoding="utf-8"?>
-<p:sld xmlns:a="http://schemas.openxmlformats.org/drawingml/2006/main" xmlns:r="http://schemas.openxmlformats.org/officeDocument/2006/relationships" xmlns:p="http://schemas.openxmlformats.org/presentationml/2006/main">
-  <p:cSld>
-    <p:spTree>
-      <p:nvGrpSpPr>
-        <p:cNvPr id="1" name=""/>
-        <p:cNvGrpSpPr/>
-        <p:nvPr/>
-      </p:nvGrpSpPr>
-      <p:grpSpPr>
-        <a:xfrm>
-          <a:off x="0" y="0"/>
-          <a:ext cx="0" cy="0"/>
-          <a:chOff x="0" y="0"/>
-          <a:chExt cx="0" cy="0"/>
-        </a:xfrm>
-      </p:grpSpPr>
-      <p:sp>
-        <p:nvSpPr>
-          <p:cNvPr id="2" name="Title 1">
-            <a:extLst>
-              <a:ext uri="{FF2B5EF4-FFF2-40B4-BE49-F238E27FC236}">
-                <a16:creationId xmlns:a16="http://schemas.microsoft.com/office/drawing/2014/main" id="{3FBEDED4-628C-36AD-5EF5-2206E52E0D87}"/>
-              </a:ext>
-            </a:extLst>
-          </p:cNvPr>
-          <p:cNvSpPr>
-            <a:spLocks noGrp="1"/>
-          </p:cNvSpPr>
-          <p:nvPr>
-            <p:ph type="title"/>
-          </p:nvPr>
-        </p:nvSpPr>
-        <p:spPr/>
-        <p:txBody>
-          <a:bodyPr/>
-          <a:lstStyle/>
-          <a:p>
-            <a:r>
-              <a:rPr lang="en-US" dirty="0"/>
               <a:t>Trend of Annual Income</a:t>
             </a:r>
             <a:endParaRPr lang="en-IN" dirty="0"/>
@@ -3683,6 +3519,42 @@
           </a:xfrm>
         </p:spPr>
       </p:pic>
+      <p:sp>
+        <p:nvSpPr>
+          <p:cNvPr id="3" name="TextBox 2">
+            <a:extLst>
+              <a:ext uri="{FF2B5EF4-FFF2-40B4-BE49-F238E27FC236}">
+                <a16:creationId xmlns:a16="http://schemas.microsoft.com/office/drawing/2014/main" id="{FBBF24C3-E362-51DF-C4ED-138DF6ABB3D4}"/>
+              </a:ext>
+            </a:extLst>
+          </p:cNvPr>
+          <p:cNvSpPr txBox="1"/>
+          <p:nvPr/>
+        </p:nvSpPr>
+        <p:spPr>
+          <a:xfrm>
+            <a:off x="2423160" y="5769864"/>
+            <a:ext cx="7744968" cy="369332"/>
+          </a:xfrm>
+          <a:prstGeom prst="rect">
+            <a:avLst/>
+          </a:prstGeom>
+          <a:noFill/>
+        </p:spPr>
+        <p:txBody>
+          <a:bodyPr wrap="square" rtlCol="0">
+            <a:spAutoFit/>
+          </a:bodyPr>
+          <a:lstStyle/>
+          <a:p>
+            <a:r>
+              <a:rPr lang="en-US" dirty="0"/>
+              <a:t>Approximately 80% of customers who availed loan had income less than 100k</a:t>
+            </a:r>
+            <a:endParaRPr lang="en-IN" dirty="0"/>
+          </a:p>
+        </p:txBody>
+      </p:sp>
     </p:spTree>
     <p:extLst>
       <p:ext uri="{BB962C8B-B14F-4D97-AF65-F5344CB8AC3E}">
@@ -3696,7 +3568,7 @@
 </p:sld>
 </file>
 
-<file path=ppt/slides/slide13.xml><?xml version="1.0" encoding="utf-8"?>
+<file path=ppt/slides/slide11.xml><?xml version="1.0" encoding="utf-8"?>
 <p:sld xmlns:a="http://schemas.openxmlformats.org/drawingml/2006/main" xmlns:r="http://schemas.openxmlformats.org/officeDocument/2006/relationships" xmlns:p="http://schemas.openxmlformats.org/presentationml/2006/main">
   <p:cSld>
     <p:spTree>
@@ -3784,6 +3656,254 @@
 </p:sld>
 </file>
 
+<file path=ppt/slides/slide12.xml><?xml version="1.0" encoding="utf-8"?>
+<p:sld xmlns:a="http://schemas.openxmlformats.org/drawingml/2006/main" xmlns:r="http://schemas.openxmlformats.org/officeDocument/2006/relationships" xmlns:p="http://schemas.openxmlformats.org/presentationml/2006/main">
+  <p:cSld>
+    <p:spTree>
+      <p:nvGrpSpPr>
+        <p:cNvPr id="1" name=""/>
+        <p:cNvGrpSpPr/>
+        <p:nvPr/>
+      </p:nvGrpSpPr>
+      <p:grpSpPr>
+        <a:xfrm>
+          <a:off x="0" y="0"/>
+          <a:ext cx="0" cy="0"/>
+          <a:chOff x="0" y="0"/>
+          <a:chExt cx="0" cy="0"/>
+        </a:xfrm>
+      </p:grpSpPr>
+      <p:sp>
+        <p:nvSpPr>
+          <p:cNvPr id="2" name="Title 1">
+            <a:extLst>
+              <a:ext uri="{FF2B5EF4-FFF2-40B4-BE49-F238E27FC236}">
+                <a16:creationId xmlns:a16="http://schemas.microsoft.com/office/drawing/2014/main" id="{3FBEDED4-628C-36AD-5EF5-2206E52E0D87}"/>
+              </a:ext>
+            </a:extLst>
+          </p:cNvPr>
+          <p:cNvSpPr>
+            <a:spLocks noGrp="1"/>
+          </p:cNvSpPr>
+          <p:nvPr>
+            <p:ph type="title"/>
+          </p:nvPr>
+        </p:nvSpPr>
+        <p:spPr/>
+        <p:txBody>
+          <a:bodyPr/>
+          <a:lstStyle/>
+          <a:p>
+            <a:r>
+              <a:rPr lang="en-US" dirty="0"/>
+              <a:t>Loan status </a:t>
+            </a:r>
+            <a:endParaRPr lang="en-IN" dirty="0"/>
+          </a:p>
+        </p:txBody>
+      </p:sp>
+      <p:pic>
+        <p:nvPicPr>
+          <p:cNvPr id="7" name="Content Placeholder 6">
+            <a:extLst>
+              <a:ext uri="{FF2B5EF4-FFF2-40B4-BE49-F238E27FC236}">
+                <a16:creationId xmlns:a16="http://schemas.microsoft.com/office/drawing/2014/main" id="{4F4AA2B0-D70D-4FA0-E48C-09F51C6E7BDE}"/>
+              </a:ext>
+            </a:extLst>
+          </p:cNvPr>
+          <p:cNvPicPr>
+            <a:picLocks noGrp="1" noChangeAspect="1"/>
+          </p:cNvPicPr>
+          <p:nvPr>
+            <p:ph idx="1"/>
+          </p:nvPr>
+        </p:nvPicPr>
+        <p:blipFill>
+          <a:blip r:embed="rId2"/>
+          <a:stretch>
+            <a:fillRect/>
+          </a:stretch>
+        </p:blipFill>
+        <p:spPr>
+          <a:xfrm>
+            <a:off x="2337863" y="2115081"/>
+            <a:ext cx="7516274" cy="3772426"/>
+          </a:xfrm>
+        </p:spPr>
+      </p:pic>
+      <p:sp>
+        <p:nvSpPr>
+          <p:cNvPr id="3" name="TextBox 2">
+            <a:extLst>
+              <a:ext uri="{FF2B5EF4-FFF2-40B4-BE49-F238E27FC236}">
+                <a16:creationId xmlns:a16="http://schemas.microsoft.com/office/drawing/2014/main" id="{BF31BD90-2768-513C-55CA-3DF887A8551C}"/>
+              </a:ext>
+            </a:extLst>
+          </p:cNvPr>
+          <p:cNvSpPr txBox="1"/>
+          <p:nvPr/>
+        </p:nvSpPr>
+        <p:spPr>
+          <a:xfrm>
+            <a:off x="2761488" y="5887507"/>
+            <a:ext cx="6519672" cy="369332"/>
+          </a:xfrm>
+          <a:prstGeom prst="rect">
+            <a:avLst/>
+          </a:prstGeom>
+          <a:noFill/>
+        </p:spPr>
+        <p:txBody>
+          <a:bodyPr wrap="square" rtlCol="0">
+            <a:spAutoFit/>
+          </a:bodyPr>
+          <a:lstStyle/>
+          <a:p>
+            <a:r>
+              <a:rPr lang="en-US" dirty="0"/>
+              <a:t>Approximately 13% of total customers defaulted their loans</a:t>
+            </a:r>
+            <a:endParaRPr lang="en-IN" dirty="0"/>
+          </a:p>
+        </p:txBody>
+      </p:sp>
+    </p:spTree>
+    <p:extLst>
+      <p:ext uri="{BB962C8B-B14F-4D97-AF65-F5344CB8AC3E}">
+        <p14:creationId xmlns:p14="http://schemas.microsoft.com/office/powerpoint/2010/main" val="3779252809"/>
+      </p:ext>
+    </p:extLst>
+  </p:cSld>
+  <p:clrMapOvr>
+    <a:masterClrMapping/>
+  </p:clrMapOvr>
+</p:sld>
+</file>
+
+<file path=ppt/slides/slide13.xml><?xml version="1.0" encoding="utf-8"?>
+<p:sld xmlns:a="http://schemas.openxmlformats.org/drawingml/2006/main" xmlns:r="http://schemas.openxmlformats.org/officeDocument/2006/relationships" xmlns:p="http://schemas.openxmlformats.org/presentationml/2006/main">
+  <p:cSld>
+    <p:spTree>
+      <p:nvGrpSpPr>
+        <p:cNvPr id="1" name=""/>
+        <p:cNvGrpSpPr/>
+        <p:nvPr/>
+      </p:nvGrpSpPr>
+      <p:grpSpPr>
+        <a:xfrm>
+          <a:off x="0" y="0"/>
+          <a:ext cx="0" cy="0"/>
+          <a:chOff x="0" y="0"/>
+          <a:chExt cx="0" cy="0"/>
+        </a:xfrm>
+      </p:grpSpPr>
+      <p:sp>
+        <p:nvSpPr>
+          <p:cNvPr id="2" name="Title 1">
+            <a:extLst>
+              <a:ext uri="{FF2B5EF4-FFF2-40B4-BE49-F238E27FC236}">
+                <a16:creationId xmlns:a16="http://schemas.microsoft.com/office/drawing/2014/main" id="{3FBEDED4-628C-36AD-5EF5-2206E52E0D87}"/>
+              </a:ext>
+            </a:extLst>
+          </p:cNvPr>
+          <p:cNvSpPr>
+            <a:spLocks noGrp="1"/>
+          </p:cNvSpPr>
+          <p:nvPr>
+            <p:ph type="title"/>
+          </p:nvPr>
+        </p:nvSpPr>
+        <p:spPr/>
+        <p:txBody>
+          <a:bodyPr/>
+          <a:lstStyle/>
+          <a:p>
+            <a:r>
+              <a:rPr lang="en-US" dirty="0"/>
+              <a:t>Term of loan </a:t>
+            </a:r>
+            <a:endParaRPr lang="en-IN" dirty="0"/>
+          </a:p>
+        </p:txBody>
+      </p:sp>
+      <p:pic>
+        <p:nvPicPr>
+          <p:cNvPr id="9" name="Content Placeholder 8">
+            <a:extLst>
+              <a:ext uri="{FF2B5EF4-FFF2-40B4-BE49-F238E27FC236}">
+                <a16:creationId xmlns:a16="http://schemas.microsoft.com/office/drawing/2014/main" id="{0F4C80F6-15BE-B732-92D2-6DA0762637BD}"/>
+              </a:ext>
+            </a:extLst>
+          </p:cNvPr>
+          <p:cNvPicPr>
+            <a:picLocks noGrp="1" noChangeAspect="1"/>
+          </p:cNvPicPr>
+          <p:nvPr>
+            <p:ph idx="1"/>
+          </p:nvPr>
+        </p:nvPicPr>
+        <p:blipFill>
+          <a:blip r:embed="rId2"/>
+          <a:stretch>
+            <a:fillRect/>
+          </a:stretch>
+        </p:blipFill>
+        <p:spPr>
+          <a:xfrm>
+            <a:off x="3159072" y="1825625"/>
+            <a:ext cx="5873856" cy="4351338"/>
+          </a:xfrm>
+        </p:spPr>
+      </p:pic>
+      <p:sp>
+        <p:nvSpPr>
+          <p:cNvPr id="4" name="TextBox 3">
+            <a:extLst>
+              <a:ext uri="{FF2B5EF4-FFF2-40B4-BE49-F238E27FC236}">
+                <a16:creationId xmlns:a16="http://schemas.microsoft.com/office/drawing/2014/main" id="{C0A69533-8515-A2B7-DFB5-C9EBEB7B205D}"/>
+              </a:ext>
+            </a:extLst>
+          </p:cNvPr>
+          <p:cNvSpPr txBox="1"/>
+          <p:nvPr/>
+        </p:nvSpPr>
+        <p:spPr>
+          <a:xfrm>
+            <a:off x="2962656" y="6176963"/>
+            <a:ext cx="6528816" cy="369332"/>
+          </a:xfrm>
+          <a:prstGeom prst="rect">
+            <a:avLst/>
+          </a:prstGeom>
+          <a:noFill/>
+        </p:spPr>
+        <p:txBody>
+          <a:bodyPr wrap="square" rtlCol="0">
+            <a:spAutoFit/>
+          </a:bodyPr>
+          <a:lstStyle/>
+          <a:p>
+            <a:r>
+              <a:rPr lang="en-US" dirty="0"/>
+              <a:t>People who took loan for higher term tend to default more</a:t>
+            </a:r>
+            <a:endParaRPr lang="en-IN" dirty="0"/>
+          </a:p>
+        </p:txBody>
+      </p:sp>
+    </p:spTree>
+    <p:extLst>
+      <p:ext uri="{BB962C8B-B14F-4D97-AF65-F5344CB8AC3E}">
+        <p14:creationId xmlns:p14="http://schemas.microsoft.com/office/powerpoint/2010/main" val="3069319993"/>
+      </p:ext>
+    </p:extLst>
+  </p:cSld>
+  <p:clrMapOvr>
+    <a:masterClrMapping/>
+  </p:clrMapOvr>
+</p:sld>
+</file>
+
 <file path=ppt/slides/slide14.xml><?xml version="1.0" encoding="utf-8"?>
 <p:sld xmlns:a="http://schemas.openxmlformats.org/drawingml/2006/main" xmlns:r="http://schemas.openxmlformats.org/officeDocument/2006/relationships" xmlns:p="http://schemas.openxmlformats.org/presentationml/2006/main">
   <p:cSld>
@@ -3823,19 +3943,18 @@
           <a:lstStyle/>
           <a:p>
             <a:r>
-              <a:rPr lang="en-US" dirty="0"/>
-              <a:t>Loan status </a:t>
-            </a:r>
-            <a:endParaRPr lang="en-IN" dirty="0"/>
+              <a:rPr lang="en-IN" dirty="0"/>
+              <a:t>Distribution of interest rate</a:t>
+            </a:r>
           </a:p>
         </p:txBody>
       </p:sp>
       <p:pic>
         <p:nvPicPr>
-          <p:cNvPr id="7" name="Content Placeholder 6">
-            <a:extLst>
-              <a:ext uri="{FF2B5EF4-FFF2-40B4-BE49-F238E27FC236}">
-                <a16:creationId xmlns:a16="http://schemas.microsoft.com/office/drawing/2014/main" id="{4F4AA2B0-D70D-4FA0-E48C-09F51C6E7BDE}"/>
+          <p:cNvPr id="6" name="Content Placeholder 5">
+            <a:extLst>
+              <a:ext uri="{FF2B5EF4-FFF2-40B4-BE49-F238E27FC236}">
+                <a16:creationId xmlns:a16="http://schemas.microsoft.com/office/drawing/2014/main" id="{3098629D-A41A-6446-1E10-0ED17C9E26B5}"/>
               </a:ext>
             </a:extLst>
           </p:cNvPr>
@@ -3854,15 +3973,51 @@
         </p:blipFill>
         <p:spPr>
           <a:xfrm>
-            <a:off x="2337863" y="2115081"/>
-            <a:ext cx="7516274" cy="3772426"/>
+            <a:off x="1922077" y="1825625"/>
+            <a:ext cx="8347845" cy="4351338"/>
           </a:xfrm>
         </p:spPr>
       </p:pic>
+      <p:sp>
+        <p:nvSpPr>
+          <p:cNvPr id="3" name="TextBox 2">
+            <a:extLst>
+              <a:ext uri="{FF2B5EF4-FFF2-40B4-BE49-F238E27FC236}">
+                <a16:creationId xmlns:a16="http://schemas.microsoft.com/office/drawing/2014/main" id="{D6753A03-CD90-B0A7-7141-4A6EF1E4EEAC}"/>
+              </a:ext>
+            </a:extLst>
+          </p:cNvPr>
+          <p:cNvSpPr txBox="1"/>
+          <p:nvPr/>
+        </p:nvSpPr>
+        <p:spPr>
+          <a:xfrm>
+            <a:off x="2551176" y="6176963"/>
+            <a:ext cx="7187184" cy="646331"/>
+          </a:xfrm>
+          <a:prstGeom prst="rect">
+            <a:avLst/>
+          </a:prstGeom>
+          <a:noFill/>
+        </p:spPr>
+        <p:txBody>
+          <a:bodyPr wrap="square" rtlCol="0">
+            <a:spAutoFit/>
+          </a:bodyPr>
+          <a:lstStyle/>
+          <a:p>
+            <a:r>
+              <a:rPr lang="en-US" dirty="0"/>
+              <a:t>Most of the customers got interest rate between 10-14% and a considerable amount of customers also got around 8%</a:t>
+            </a:r>
+            <a:endParaRPr lang="en-IN" dirty="0"/>
+          </a:p>
+        </p:txBody>
+      </p:sp>
     </p:spTree>
     <p:extLst>
       <p:ext uri="{BB962C8B-B14F-4D97-AF65-F5344CB8AC3E}">
-        <p14:creationId xmlns:p14="http://schemas.microsoft.com/office/powerpoint/2010/main" val="3779252809"/>
+        <p14:creationId xmlns:p14="http://schemas.microsoft.com/office/powerpoint/2010/main" val="636008500"/>
       </p:ext>
     </p:extLst>
   </p:cSld>
@@ -3911,19 +4066,18 @@
           <a:lstStyle/>
           <a:p>
             <a:r>
-              <a:rPr lang="en-US" dirty="0"/>
-              <a:t>Term of loan </a:t>
-            </a:r>
-            <a:endParaRPr lang="en-IN" dirty="0"/>
+              <a:rPr lang="en-IN" dirty="0"/>
+              <a:t>Distribution of Grade</a:t>
+            </a:r>
           </a:p>
         </p:txBody>
       </p:sp>
       <p:pic>
         <p:nvPicPr>
-          <p:cNvPr id="9" name="Content Placeholder 8">
-            <a:extLst>
-              <a:ext uri="{FF2B5EF4-FFF2-40B4-BE49-F238E27FC236}">
-                <a16:creationId xmlns:a16="http://schemas.microsoft.com/office/drawing/2014/main" id="{0F4C80F6-15BE-B732-92D2-6DA0762637BD}"/>
+          <p:cNvPr id="7" name="Content Placeholder 6">
+            <a:extLst>
+              <a:ext uri="{FF2B5EF4-FFF2-40B4-BE49-F238E27FC236}">
+                <a16:creationId xmlns:a16="http://schemas.microsoft.com/office/drawing/2014/main" id="{A28A022A-72E7-BD27-E387-F59B2204DF66}"/>
               </a:ext>
             </a:extLst>
           </p:cNvPr>
@@ -3942,15 +4096,51 @@
         </p:blipFill>
         <p:spPr>
           <a:xfrm>
-            <a:off x="3159072" y="1825625"/>
-            <a:ext cx="5873856" cy="4351338"/>
+            <a:off x="1180414" y="2315133"/>
+            <a:ext cx="9831172" cy="3372321"/>
           </a:xfrm>
         </p:spPr>
       </p:pic>
+      <p:sp>
+        <p:nvSpPr>
+          <p:cNvPr id="3" name="TextBox 2">
+            <a:extLst>
+              <a:ext uri="{FF2B5EF4-FFF2-40B4-BE49-F238E27FC236}">
+                <a16:creationId xmlns:a16="http://schemas.microsoft.com/office/drawing/2014/main" id="{5D0AD9CD-8739-D159-8198-1BCE7AB23556}"/>
+              </a:ext>
+            </a:extLst>
+          </p:cNvPr>
+          <p:cNvSpPr txBox="1"/>
+          <p:nvPr/>
+        </p:nvSpPr>
+        <p:spPr>
+          <a:xfrm>
+            <a:off x="1554480" y="6117336"/>
+            <a:ext cx="7260336" cy="369332"/>
+          </a:xfrm>
+          <a:prstGeom prst="rect">
+            <a:avLst/>
+          </a:prstGeom>
+          <a:noFill/>
+        </p:spPr>
+        <p:txBody>
+          <a:bodyPr wrap="square" rtlCol="0">
+            <a:spAutoFit/>
+          </a:bodyPr>
+          <a:lstStyle/>
+          <a:p>
+            <a:r>
+              <a:rPr lang="en-US" dirty="0"/>
+              <a:t>People in Grade ‘A’ default very less compared to other grades</a:t>
+            </a:r>
+            <a:endParaRPr lang="en-IN" dirty="0"/>
+          </a:p>
+        </p:txBody>
+      </p:sp>
     </p:spTree>
     <p:extLst>
       <p:ext uri="{BB962C8B-B14F-4D97-AF65-F5344CB8AC3E}">
-        <p14:creationId xmlns:p14="http://schemas.microsoft.com/office/powerpoint/2010/main" val="3069319993"/>
+        <p14:creationId xmlns:p14="http://schemas.microsoft.com/office/powerpoint/2010/main" val="1829482606"/>
       </p:ext>
     </p:extLst>
   </p:cSld>
@@ -4000,7 +4190,7 @@
           <a:p>
             <a:r>
               <a:rPr lang="en-US" dirty="0"/>
-              <a:t>Term of loan </a:t>
+              <a:t>Distribution of Loan Status For Issue Year</a:t>
             </a:r>
             <a:endParaRPr lang="en-IN" dirty="0"/>
           </a:p>
@@ -4011,7 +4201,7 @@
           <p:cNvPr id="9" name="Content Placeholder 8">
             <a:extLst>
               <a:ext uri="{FF2B5EF4-FFF2-40B4-BE49-F238E27FC236}">
-                <a16:creationId xmlns:a16="http://schemas.microsoft.com/office/drawing/2014/main" id="{0F4C80F6-15BE-B732-92D2-6DA0762637BD}"/>
+                <a16:creationId xmlns:a16="http://schemas.microsoft.com/office/drawing/2014/main" id="{F0D6F0B0-718D-EB4C-722D-DFBD4453086F}"/>
               </a:ext>
             </a:extLst>
           </p:cNvPr>
@@ -4030,15 +4220,15 @@
         </p:blipFill>
         <p:spPr>
           <a:xfrm>
-            <a:off x="3159072" y="1825625"/>
-            <a:ext cx="5873856" cy="4351338"/>
+            <a:off x="1627439" y="1825625"/>
+            <a:ext cx="8937122" cy="4351338"/>
           </a:xfrm>
         </p:spPr>
       </p:pic>
     </p:spTree>
     <p:extLst>
       <p:ext uri="{BB962C8B-B14F-4D97-AF65-F5344CB8AC3E}">
-        <p14:creationId xmlns:p14="http://schemas.microsoft.com/office/powerpoint/2010/main" val="43586548"/>
+        <p14:creationId xmlns:p14="http://schemas.microsoft.com/office/powerpoint/2010/main" val="1561127392"/>
       </p:ext>
     </p:extLst>
   </p:cSld>
@@ -4087,8 +4277,16 @@
           <a:lstStyle/>
           <a:p>
             <a:r>
+              <a:rPr lang="en-US" dirty="0"/>
+              <a:t>D</a:t>
+            </a:r>
+            <a:r>
+              <a:rPr lang="en-IN" dirty="0" err="1"/>
+              <a:t>istribution</a:t>
+            </a:r>
+            <a:r>
               <a:rPr lang="en-IN" dirty="0"/>
-              <a:t>Distribution of interest rate</a:t>
+              <a:t> of defaulted loans across year of lending</a:t>
             </a:r>
           </a:p>
         </p:txBody>
@@ -4098,7 +4296,7 @@
           <p:cNvPr id="6" name="Content Placeholder 5">
             <a:extLst>
               <a:ext uri="{FF2B5EF4-FFF2-40B4-BE49-F238E27FC236}">
-                <a16:creationId xmlns:a16="http://schemas.microsoft.com/office/drawing/2014/main" id="{3098629D-A41A-6446-1E10-0ED17C9E26B5}"/>
+                <a16:creationId xmlns:a16="http://schemas.microsoft.com/office/drawing/2014/main" id="{DEB4B524-28ED-14B4-6F0F-6F133B1A9FE4}"/>
               </a:ext>
             </a:extLst>
           </p:cNvPr>
@@ -4117,15 +4315,51 @@
         </p:blipFill>
         <p:spPr>
           <a:xfrm>
-            <a:off x="1922077" y="1825625"/>
-            <a:ext cx="8347845" cy="4351338"/>
+            <a:off x="3883662" y="1825625"/>
+            <a:ext cx="4424675" cy="4351338"/>
           </a:xfrm>
         </p:spPr>
       </p:pic>
+      <p:sp>
+        <p:nvSpPr>
+          <p:cNvPr id="4" name="TextBox 3">
+            <a:extLst>
+              <a:ext uri="{FF2B5EF4-FFF2-40B4-BE49-F238E27FC236}">
+                <a16:creationId xmlns:a16="http://schemas.microsoft.com/office/drawing/2014/main" id="{57E00490-DEF0-55BC-023E-6A2660991E1C}"/>
+              </a:ext>
+            </a:extLst>
+          </p:cNvPr>
+          <p:cNvSpPr txBox="1"/>
+          <p:nvPr/>
+        </p:nvSpPr>
+        <p:spPr>
+          <a:xfrm>
+            <a:off x="3346704" y="6176963"/>
+            <a:ext cx="5568696" cy="646331"/>
+          </a:xfrm>
+          <a:prstGeom prst="rect">
+            <a:avLst/>
+          </a:prstGeom>
+          <a:noFill/>
+        </p:spPr>
+        <p:txBody>
+          <a:bodyPr wrap="square" rtlCol="0">
+            <a:spAutoFit/>
+          </a:bodyPr>
+          <a:lstStyle/>
+          <a:p>
+            <a:r>
+              <a:rPr lang="en-US" dirty="0"/>
+              <a:t>Year 2011 had a huge surge of loans resulting in huge amount of defaults</a:t>
+            </a:r>
+            <a:endParaRPr lang="en-IN" dirty="0"/>
+          </a:p>
+        </p:txBody>
+      </p:sp>
     </p:spTree>
     <p:extLst>
       <p:ext uri="{BB962C8B-B14F-4D97-AF65-F5344CB8AC3E}">
-        <p14:creationId xmlns:p14="http://schemas.microsoft.com/office/powerpoint/2010/main" val="636008500"/>
+        <p14:creationId xmlns:p14="http://schemas.microsoft.com/office/powerpoint/2010/main" val="3651506872"/>
       </p:ext>
     </p:extLst>
   </p:cSld>
@@ -4174,9 +4408,10 @@
           <a:lstStyle/>
           <a:p>
             <a:r>
-              <a:rPr lang="en-IN" dirty="0"/>
-              <a:t>Distribution of Grade</a:t>
-            </a:r>
+              <a:rPr lang="en-US" dirty="0"/>
+              <a:t>Distribution of Annual Income For Loan Status</a:t>
+            </a:r>
+            <a:endParaRPr lang="en-IN" dirty="0"/>
           </a:p>
         </p:txBody>
       </p:sp>
@@ -4185,7 +4420,7 @@
           <p:cNvPr id="7" name="Content Placeholder 6">
             <a:extLst>
               <a:ext uri="{FF2B5EF4-FFF2-40B4-BE49-F238E27FC236}">
-                <a16:creationId xmlns:a16="http://schemas.microsoft.com/office/drawing/2014/main" id="{A28A022A-72E7-BD27-E387-F59B2204DF66}"/>
+                <a16:creationId xmlns:a16="http://schemas.microsoft.com/office/drawing/2014/main" id="{58A7C6A1-D4B1-836B-C783-E26877A3383F}"/>
               </a:ext>
             </a:extLst>
           </p:cNvPr>
@@ -4204,15 +4439,15 @@
         </p:blipFill>
         <p:spPr>
           <a:xfrm>
-            <a:off x="1180414" y="2315133"/>
-            <a:ext cx="9831172" cy="3372321"/>
+            <a:off x="1944991" y="1825625"/>
+            <a:ext cx="8302017" cy="4351338"/>
           </a:xfrm>
         </p:spPr>
       </p:pic>
     </p:spTree>
     <p:extLst>
       <p:ext uri="{BB962C8B-B14F-4D97-AF65-F5344CB8AC3E}">
-        <p14:creationId xmlns:p14="http://schemas.microsoft.com/office/powerpoint/2010/main" val="1829482606"/>
+        <p14:creationId xmlns:p14="http://schemas.microsoft.com/office/powerpoint/2010/main" val="866645290"/>
       </p:ext>
     </p:extLst>
   </p:cSld>
@@ -4262,16 +4497,9 @@
           <a:p>
             <a:r>
               <a:rPr lang="en-US" dirty="0"/>
-              <a:t>D</a:t>
-            </a:r>
-            <a:r>
-              <a:rPr lang="en-IN" dirty="0" err="1"/>
-              <a:t>istribution</a:t>
-            </a:r>
-            <a:r>
-              <a:rPr lang="en-IN" dirty="0"/>
-              <a:t> of loans across year of lending</a:t>
-            </a:r>
+              <a:t>Distribution of Employment Length For Loan Status</a:t>
+            </a:r>
+            <a:endParaRPr lang="en-IN" dirty="0"/>
           </a:p>
         </p:txBody>
       </p:sp>
@@ -4280,7 +4508,7 @@
           <p:cNvPr id="6" name="Content Placeholder 5">
             <a:extLst>
               <a:ext uri="{FF2B5EF4-FFF2-40B4-BE49-F238E27FC236}">
-                <a16:creationId xmlns:a16="http://schemas.microsoft.com/office/drawing/2014/main" id="{DEB4B524-28ED-14B4-6F0F-6F133B1A9FE4}"/>
+                <a16:creationId xmlns:a16="http://schemas.microsoft.com/office/drawing/2014/main" id="{7C9FADE9-1172-E1AA-F400-9E65C46BC73B}"/>
               </a:ext>
             </a:extLst>
           </p:cNvPr>
@@ -4299,15 +4527,15 @@
         </p:blipFill>
         <p:spPr>
           <a:xfrm>
-            <a:off x="3883662" y="1825625"/>
-            <a:ext cx="4424675" cy="4351338"/>
+            <a:off x="1614493" y="1825625"/>
+            <a:ext cx="8963013" cy="4351338"/>
           </a:xfrm>
         </p:spPr>
       </p:pic>
     </p:spTree>
     <p:extLst>
       <p:ext uri="{BB962C8B-B14F-4D97-AF65-F5344CB8AC3E}">
-        <p14:creationId xmlns:p14="http://schemas.microsoft.com/office/powerpoint/2010/main" val="3651506872"/>
+        <p14:creationId xmlns:p14="http://schemas.microsoft.com/office/powerpoint/2010/main" val="186569829"/>
       </p:ext>
     </p:extLst>
   </p:cSld>
@@ -4454,6 +4682,730 @@
           <a:p>
             <a:r>
               <a:rPr lang="en-US" dirty="0"/>
+              <a:t>Distribution of Interest Rate For Loan Status</a:t>
+            </a:r>
+            <a:endParaRPr lang="en-IN" dirty="0"/>
+          </a:p>
+        </p:txBody>
+      </p:sp>
+      <p:pic>
+        <p:nvPicPr>
+          <p:cNvPr id="7" name="Content Placeholder 6">
+            <a:extLst>
+              <a:ext uri="{FF2B5EF4-FFF2-40B4-BE49-F238E27FC236}">
+                <a16:creationId xmlns:a16="http://schemas.microsoft.com/office/drawing/2014/main" id="{8BB6101E-F692-619F-573B-D9B392D1FB6A}"/>
+              </a:ext>
+            </a:extLst>
+          </p:cNvPr>
+          <p:cNvPicPr>
+            <a:picLocks noGrp="1" noChangeAspect="1"/>
+          </p:cNvPicPr>
+          <p:nvPr>
+            <p:ph idx="1"/>
+          </p:nvPr>
+        </p:nvPicPr>
+        <p:blipFill>
+          <a:blip r:embed="rId2"/>
+          <a:stretch>
+            <a:fillRect/>
+          </a:stretch>
+        </p:blipFill>
+        <p:spPr>
+          <a:xfrm>
+            <a:off x="1728178" y="1829291"/>
+            <a:ext cx="8735644" cy="4344006"/>
+          </a:xfrm>
+        </p:spPr>
+      </p:pic>
+    </p:spTree>
+    <p:extLst>
+      <p:ext uri="{BB962C8B-B14F-4D97-AF65-F5344CB8AC3E}">
+        <p14:creationId xmlns:p14="http://schemas.microsoft.com/office/powerpoint/2010/main" val="2110195841"/>
+      </p:ext>
+    </p:extLst>
+  </p:cSld>
+  <p:clrMapOvr>
+    <a:masterClrMapping/>
+  </p:clrMapOvr>
+</p:sld>
+</file>
+
+<file path=ppt/slides/slide21.xml><?xml version="1.0" encoding="utf-8"?>
+<p:sld xmlns:a="http://schemas.openxmlformats.org/drawingml/2006/main" xmlns:r="http://schemas.openxmlformats.org/officeDocument/2006/relationships" xmlns:p="http://schemas.openxmlformats.org/presentationml/2006/main">
+  <p:cSld>
+    <p:spTree>
+      <p:nvGrpSpPr>
+        <p:cNvPr id="1" name=""/>
+        <p:cNvGrpSpPr/>
+        <p:nvPr/>
+      </p:nvGrpSpPr>
+      <p:grpSpPr>
+        <a:xfrm>
+          <a:off x="0" y="0"/>
+          <a:ext cx="0" cy="0"/>
+          <a:chOff x="0" y="0"/>
+          <a:chExt cx="0" cy="0"/>
+        </a:xfrm>
+      </p:grpSpPr>
+      <p:sp>
+        <p:nvSpPr>
+          <p:cNvPr id="2" name="Title 1">
+            <a:extLst>
+              <a:ext uri="{FF2B5EF4-FFF2-40B4-BE49-F238E27FC236}">
+                <a16:creationId xmlns:a16="http://schemas.microsoft.com/office/drawing/2014/main" id="{3FBEDED4-628C-36AD-5EF5-2206E52E0D87}"/>
+              </a:ext>
+            </a:extLst>
+          </p:cNvPr>
+          <p:cNvSpPr>
+            <a:spLocks noGrp="1"/>
+          </p:cNvSpPr>
+          <p:nvPr>
+            <p:ph type="title"/>
+          </p:nvPr>
+        </p:nvSpPr>
+        <p:spPr/>
+        <p:txBody>
+          <a:bodyPr/>
+          <a:lstStyle/>
+          <a:p>
+            <a:r>
+              <a:rPr lang="en-US" dirty="0"/>
+              <a:t>Comparison of Interest Rate Based On Grade</a:t>
+            </a:r>
+            <a:endParaRPr lang="en-IN" dirty="0"/>
+          </a:p>
+        </p:txBody>
+      </p:sp>
+      <p:pic>
+        <p:nvPicPr>
+          <p:cNvPr id="6" name="Content Placeholder 5">
+            <a:extLst>
+              <a:ext uri="{FF2B5EF4-FFF2-40B4-BE49-F238E27FC236}">
+                <a16:creationId xmlns:a16="http://schemas.microsoft.com/office/drawing/2014/main" id="{19FF2A09-6A8E-790F-D3D3-3E5A9B79B939}"/>
+              </a:ext>
+            </a:extLst>
+          </p:cNvPr>
+          <p:cNvPicPr>
+            <a:picLocks noGrp="1" noChangeAspect="1"/>
+          </p:cNvPicPr>
+          <p:nvPr>
+            <p:ph idx="1"/>
+          </p:nvPr>
+        </p:nvPicPr>
+        <p:blipFill>
+          <a:blip r:embed="rId2"/>
+          <a:stretch>
+            <a:fillRect/>
+          </a:stretch>
+        </p:blipFill>
+        <p:spPr>
+          <a:xfrm>
+            <a:off x="1966959" y="1825625"/>
+            <a:ext cx="8258082" cy="4351338"/>
+          </a:xfrm>
+        </p:spPr>
+      </p:pic>
+      <p:sp>
+        <p:nvSpPr>
+          <p:cNvPr id="9" name="TextBox 8">
+            <a:extLst>
+              <a:ext uri="{FF2B5EF4-FFF2-40B4-BE49-F238E27FC236}">
+                <a16:creationId xmlns:a16="http://schemas.microsoft.com/office/drawing/2014/main" id="{2BD04823-C381-A470-2C83-404B11532CF2}"/>
+              </a:ext>
+            </a:extLst>
+          </p:cNvPr>
+          <p:cNvSpPr txBox="1"/>
+          <p:nvPr/>
+        </p:nvSpPr>
+        <p:spPr>
+          <a:xfrm>
+            <a:off x="2478024" y="6263640"/>
+            <a:ext cx="6336792" cy="646331"/>
+          </a:xfrm>
+          <a:prstGeom prst="rect">
+            <a:avLst/>
+          </a:prstGeom>
+          <a:noFill/>
+        </p:spPr>
+        <p:txBody>
+          <a:bodyPr wrap="square" rtlCol="0">
+            <a:spAutoFit/>
+          </a:bodyPr>
+          <a:lstStyle/>
+          <a:p>
+            <a:r>
+              <a:rPr lang="en-US" dirty="0"/>
+              <a:t>Higher the grade lower the rate of interest. People with good grades get lower interest rates.</a:t>
+            </a:r>
+            <a:endParaRPr lang="en-IN" dirty="0"/>
+          </a:p>
+        </p:txBody>
+      </p:sp>
+    </p:spTree>
+    <p:extLst>
+      <p:ext uri="{BB962C8B-B14F-4D97-AF65-F5344CB8AC3E}">
+        <p14:creationId xmlns:p14="http://schemas.microsoft.com/office/powerpoint/2010/main" val="1760643490"/>
+      </p:ext>
+    </p:extLst>
+  </p:cSld>
+  <p:clrMapOvr>
+    <a:masterClrMapping/>
+  </p:clrMapOvr>
+</p:sld>
+</file>
+
+<file path=ppt/slides/slide22.xml><?xml version="1.0" encoding="utf-8"?>
+<p:sld xmlns:a="http://schemas.openxmlformats.org/drawingml/2006/main" xmlns:r="http://schemas.openxmlformats.org/officeDocument/2006/relationships" xmlns:p="http://schemas.openxmlformats.org/presentationml/2006/main">
+  <p:cSld>
+    <p:spTree>
+      <p:nvGrpSpPr>
+        <p:cNvPr id="1" name=""/>
+        <p:cNvGrpSpPr/>
+        <p:nvPr/>
+      </p:nvGrpSpPr>
+      <p:grpSpPr>
+        <a:xfrm>
+          <a:off x="0" y="0"/>
+          <a:ext cx="0" cy="0"/>
+          <a:chOff x="0" y="0"/>
+          <a:chExt cx="0" cy="0"/>
+        </a:xfrm>
+      </p:grpSpPr>
+      <p:sp>
+        <p:nvSpPr>
+          <p:cNvPr id="2" name="Title 1">
+            <a:extLst>
+              <a:ext uri="{FF2B5EF4-FFF2-40B4-BE49-F238E27FC236}">
+                <a16:creationId xmlns:a16="http://schemas.microsoft.com/office/drawing/2014/main" id="{3FBEDED4-628C-36AD-5EF5-2206E52E0D87}"/>
+              </a:ext>
+            </a:extLst>
+          </p:cNvPr>
+          <p:cNvSpPr>
+            <a:spLocks noGrp="1"/>
+          </p:cNvSpPr>
+          <p:nvPr>
+            <p:ph type="title"/>
+          </p:nvPr>
+        </p:nvSpPr>
+        <p:spPr/>
+        <p:txBody>
+          <a:bodyPr/>
+          <a:lstStyle/>
+          <a:p>
+            <a:r>
+              <a:rPr lang="en-US" dirty="0"/>
+              <a:t>Public Record Bankruptcies Vs Annual Income</a:t>
+            </a:r>
+            <a:endParaRPr lang="en-IN" dirty="0"/>
+          </a:p>
+        </p:txBody>
+      </p:sp>
+      <p:pic>
+        <p:nvPicPr>
+          <p:cNvPr id="7" name="Content Placeholder 6">
+            <a:extLst>
+              <a:ext uri="{FF2B5EF4-FFF2-40B4-BE49-F238E27FC236}">
+                <a16:creationId xmlns:a16="http://schemas.microsoft.com/office/drawing/2014/main" id="{45C4F9D8-FFF6-0EB1-CD75-38E27F8EF686}"/>
+              </a:ext>
+            </a:extLst>
+          </p:cNvPr>
+          <p:cNvPicPr>
+            <a:picLocks noGrp="1" noChangeAspect="1"/>
+          </p:cNvPicPr>
+          <p:nvPr>
+            <p:ph idx="1"/>
+          </p:nvPr>
+        </p:nvPicPr>
+        <p:blipFill>
+          <a:blip r:embed="rId2"/>
+          <a:stretch>
+            <a:fillRect/>
+          </a:stretch>
+        </p:blipFill>
+        <p:spPr>
+          <a:xfrm>
+            <a:off x="3224117" y="1825625"/>
+            <a:ext cx="5743765" cy="4351338"/>
+          </a:xfrm>
+        </p:spPr>
+      </p:pic>
+      <p:sp>
+        <p:nvSpPr>
+          <p:cNvPr id="3" name="TextBox 2">
+            <a:extLst>
+              <a:ext uri="{FF2B5EF4-FFF2-40B4-BE49-F238E27FC236}">
+                <a16:creationId xmlns:a16="http://schemas.microsoft.com/office/drawing/2014/main" id="{7B877C42-84F6-07D3-0B44-67FF9D0F61F0}"/>
+              </a:ext>
+            </a:extLst>
+          </p:cNvPr>
+          <p:cNvSpPr txBox="1"/>
+          <p:nvPr/>
+        </p:nvSpPr>
+        <p:spPr>
+          <a:xfrm>
+            <a:off x="2386584" y="6176963"/>
+            <a:ext cx="6793992" cy="646331"/>
+          </a:xfrm>
+          <a:prstGeom prst="rect">
+            <a:avLst/>
+          </a:prstGeom>
+          <a:noFill/>
+        </p:spPr>
+        <p:txBody>
+          <a:bodyPr wrap="square" rtlCol="0">
+            <a:spAutoFit/>
+          </a:bodyPr>
+          <a:lstStyle/>
+          <a:p>
+            <a:r>
+              <a:rPr lang="en-US" dirty="0"/>
+              <a:t>Customers who have public record of Bankruptcies tend to default more</a:t>
+            </a:r>
+            <a:endParaRPr lang="en-IN" dirty="0"/>
+          </a:p>
+        </p:txBody>
+      </p:sp>
+    </p:spTree>
+    <p:extLst>
+      <p:ext uri="{BB962C8B-B14F-4D97-AF65-F5344CB8AC3E}">
+        <p14:creationId xmlns:p14="http://schemas.microsoft.com/office/powerpoint/2010/main" val="621424234"/>
+      </p:ext>
+    </p:extLst>
+  </p:cSld>
+  <p:clrMapOvr>
+    <a:masterClrMapping/>
+  </p:clrMapOvr>
+</p:sld>
+</file>
+
+<file path=ppt/slides/slide23.xml><?xml version="1.0" encoding="utf-8"?>
+<p:sld xmlns:a="http://schemas.openxmlformats.org/drawingml/2006/main" xmlns:r="http://schemas.openxmlformats.org/officeDocument/2006/relationships" xmlns:p="http://schemas.openxmlformats.org/presentationml/2006/main">
+  <p:cSld>
+    <p:spTree>
+      <p:nvGrpSpPr>
+        <p:cNvPr id="1" name=""/>
+        <p:cNvGrpSpPr/>
+        <p:nvPr/>
+      </p:nvGrpSpPr>
+      <p:grpSpPr>
+        <a:xfrm>
+          <a:off x="0" y="0"/>
+          <a:ext cx="0" cy="0"/>
+          <a:chOff x="0" y="0"/>
+          <a:chExt cx="0" cy="0"/>
+        </a:xfrm>
+      </p:grpSpPr>
+      <p:sp>
+        <p:nvSpPr>
+          <p:cNvPr id="2" name="Title 1">
+            <a:extLst>
+              <a:ext uri="{FF2B5EF4-FFF2-40B4-BE49-F238E27FC236}">
+                <a16:creationId xmlns:a16="http://schemas.microsoft.com/office/drawing/2014/main" id="{3FBEDED4-628C-36AD-5EF5-2206E52E0D87}"/>
+              </a:ext>
+            </a:extLst>
+          </p:cNvPr>
+          <p:cNvSpPr>
+            <a:spLocks noGrp="1"/>
+          </p:cNvSpPr>
+          <p:nvPr>
+            <p:ph type="title"/>
+          </p:nvPr>
+        </p:nvSpPr>
+        <p:spPr/>
+        <p:txBody>
+          <a:bodyPr/>
+          <a:lstStyle/>
+          <a:p>
+            <a:r>
+              <a:rPr lang="en-US" dirty="0"/>
+              <a:t>Defaulters by Home Ownership</a:t>
+            </a:r>
+            <a:endParaRPr lang="en-IN" dirty="0"/>
+          </a:p>
+        </p:txBody>
+      </p:sp>
+      <p:pic>
+        <p:nvPicPr>
+          <p:cNvPr id="6" name="Content Placeholder 5">
+            <a:extLst>
+              <a:ext uri="{FF2B5EF4-FFF2-40B4-BE49-F238E27FC236}">
+                <a16:creationId xmlns:a16="http://schemas.microsoft.com/office/drawing/2014/main" id="{C75F00A6-E3A9-FD94-591E-30F15B8F2469}"/>
+              </a:ext>
+            </a:extLst>
+          </p:cNvPr>
+          <p:cNvPicPr>
+            <a:picLocks noGrp="1" noChangeAspect="1"/>
+          </p:cNvPicPr>
+          <p:nvPr>
+            <p:ph idx="1"/>
+          </p:nvPr>
+        </p:nvPicPr>
+        <p:blipFill>
+          <a:blip r:embed="rId2"/>
+          <a:stretch>
+            <a:fillRect/>
+          </a:stretch>
+        </p:blipFill>
+        <p:spPr>
+          <a:xfrm>
+            <a:off x="1661493" y="2162712"/>
+            <a:ext cx="8869013" cy="3677163"/>
+          </a:xfrm>
+        </p:spPr>
+      </p:pic>
+    </p:spTree>
+    <p:extLst>
+      <p:ext uri="{BB962C8B-B14F-4D97-AF65-F5344CB8AC3E}">
+        <p14:creationId xmlns:p14="http://schemas.microsoft.com/office/powerpoint/2010/main" val="1571800840"/>
+      </p:ext>
+    </p:extLst>
+  </p:cSld>
+  <p:clrMapOvr>
+    <a:masterClrMapping/>
+  </p:clrMapOvr>
+</p:sld>
+</file>
+
+<file path=ppt/slides/slide24.xml><?xml version="1.0" encoding="utf-8"?>
+<p:sld xmlns:a="http://schemas.openxmlformats.org/drawingml/2006/main" xmlns:r="http://schemas.openxmlformats.org/officeDocument/2006/relationships" xmlns:p="http://schemas.openxmlformats.org/presentationml/2006/main">
+  <p:cSld>
+    <p:spTree>
+      <p:nvGrpSpPr>
+        <p:cNvPr id="1" name=""/>
+        <p:cNvGrpSpPr/>
+        <p:nvPr/>
+      </p:nvGrpSpPr>
+      <p:grpSpPr>
+        <a:xfrm>
+          <a:off x="0" y="0"/>
+          <a:ext cx="0" cy="0"/>
+          <a:chOff x="0" y="0"/>
+          <a:chExt cx="0" cy="0"/>
+        </a:xfrm>
+      </p:grpSpPr>
+      <p:sp>
+        <p:nvSpPr>
+          <p:cNvPr id="2" name="Title 1">
+            <a:extLst>
+              <a:ext uri="{FF2B5EF4-FFF2-40B4-BE49-F238E27FC236}">
+                <a16:creationId xmlns:a16="http://schemas.microsoft.com/office/drawing/2014/main" id="{3FBEDED4-628C-36AD-5EF5-2206E52E0D87}"/>
+              </a:ext>
+            </a:extLst>
+          </p:cNvPr>
+          <p:cNvSpPr>
+            <a:spLocks noGrp="1"/>
+          </p:cNvSpPr>
+          <p:nvPr>
+            <p:ph type="title"/>
+          </p:nvPr>
+        </p:nvSpPr>
+        <p:spPr/>
+        <p:txBody>
+          <a:bodyPr/>
+          <a:lstStyle/>
+          <a:p>
+            <a:r>
+              <a:rPr lang="en-US" dirty="0"/>
+              <a:t>Distribution of DTI For Loan Status</a:t>
+            </a:r>
+            <a:endParaRPr lang="en-IN" dirty="0"/>
+          </a:p>
+        </p:txBody>
+      </p:sp>
+      <p:pic>
+        <p:nvPicPr>
+          <p:cNvPr id="7" name="Content Placeholder 6">
+            <a:extLst>
+              <a:ext uri="{FF2B5EF4-FFF2-40B4-BE49-F238E27FC236}">
+                <a16:creationId xmlns:a16="http://schemas.microsoft.com/office/drawing/2014/main" id="{DCDBD1E5-00B9-983A-5BFA-BEA7EB2F285F}"/>
+              </a:ext>
+            </a:extLst>
+          </p:cNvPr>
+          <p:cNvPicPr>
+            <a:picLocks noGrp="1" noChangeAspect="1"/>
+          </p:cNvPicPr>
+          <p:nvPr>
+            <p:ph idx="1"/>
+          </p:nvPr>
+        </p:nvPicPr>
+        <p:blipFill>
+          <a:blip r:embed="rId2"/>
+          <a:stretch>
+            <a:fillRect/>
+          </a:stretch>
+        </p:blipFill>
+        <p:spPr>
+          <a:xfrm>
+            <a:off x="1697873" y="1825625"/>
+            <a:ext cx="8796253" cy="4351338"/>
+          </a:xfrm>
+        </p:spPr>
+      </p:pic>
+    </p:spTree>
+    <p:extLst>
+      <p:ext uri="{BB962C8B-B14F-4D97-AF65-F5344CB8AC3E}">
+        <p14:creationId xmlns:p14="http://schemas.microsoft.com/office/powerpoint/2010/main" val="1978118439"/>
+      </p:ext>
+    </p:extLst>
+  </p:cSld>
+  <p:clrMapOvr>
+    <a:masterClrMapping/>
+  </p:clrMapOvr>
+</p:sld>
+</file>
+
+<file path=ppt/slides/slide25.xml><?xml version="1.0" encoding="utf-8"?>
+<p:sld xmlns:a="http://schemas.openxmlformats.org/drawingml/2006/main" xmlns:r="http://schemas.openxmlformats.org/officeDocument/2006/relationships" xmlns:p="http://schemas.openxmlformats.org/presentationml/2006/main">
+  <p:cSld>
+    <p:spTree>
+      <p:nvGrpSpPr>
+        <p:cNvPr id="1" name=""/>
+        <p:cNvGrpSpPr/>
+        <p:nvPr/>
+      </p:nvGrpSpPr>
+      <p:grpSpPr>
+        <a:xfrm>
+          <a:off x="0" y="0"/>
+          <a:ext cx="0" cy="0"/>
+          <a:chOff x="0" y="0"/>
+          <a:chExt cx="0" cy="0"/>
+        </a:xfrm>
+      </p:grpSpPr>
+      <p:sp>
+        <p:nvSpPr>
+          <p:cNvPr id="2" name="Title 1">
+            <a:extLst>
+              <a:ext uri="{FF2B5EF4-FFF2-40B4-BE49-F238E27FC236}">
+                <a16:creationId xmlns:a16="http://schemas.microsoft.com/office/drawing/2014/main" id="{3FBEDED4-628C-36AD-5EF5-2206E52E0D87}"/>
+              </a:ext>
+            </a:extLst>
+          </p:cNvPr>
+          <p:cNvSpPr>
+            <a:spLocks noGrp="1"/>
+          </p:cNvSpPr>
+          <p:nvPr>
+            <p:ph type="title"/>
+          </p:nvPr>
+        </p:nvSpPr>
+        <p:spPr/>
+        <p:txBody>
+          <a:bodyPr/>
+          <a:lstStyle/>
+          <a:p>
+            <a:r>
+              <a:rPr lang="en-US" dirty="0"/>
+              <a:t>Distribution of Term For Grade</a:t>
+            </a:r>
+            <a:endParaRPr lang="en-IN" dirty="0"/>
+          </a:p>
+        </p:txBody>
+      </p:sp>
+      <p:pic>
+        <p:nvPicPr>
+          <p:cNvPr id="6" name="Content Placeholder 5">
+            <a:extLst>
+              <a:ext uri="{FF2B5EF4-FFF2-40B4-BE49-F238E27FC236}">
+                <a16:creationId xmlns:a16="http://schemas.microsoft.com/office/drawing/2014/main" id="{10D29134-9FDF-9A25-7C5E-EC7A73B42F3F}"/>
+              </a:ext>
+            </a:extLst>
+          </p:cNvPr>
+          <p:cNvPicPr>
+            <a:picLocks noGrp="1" noChangeAspect="1"/>
+          </p:cNvPicPr>
+          <p:nvPr>
+            <p:ph idx="1"/>
+          </p:nvPr>
+        </p:nvPicPr>
+        <p:blipFill>
+          <a:blip r:embed="rId2"/>
+          <a:stretch>
+            <a:fillRect/>
+          </a:stretch>
+        </p:blipFill>
+        <p:spPr>
+          <a:xfrm>
+            <a:off x="1737704" y="1829291"/>
+            <a:ext cx="8716591" cy="4344006"/>
+          </a:xfrm>
+        </p:spPr>
+      </p:pic>
+      <p:sp>
+        <p:nvSpPr>
+          <p:cNvPr id="9" name="TextBox 8">
+            <a:extLst>
+              <a:ext uri="{FF2B5EF4-FFF2-40B4-BE49-F238E27FC236}">
+                <a16:creationId xmlns:a16="http://schemas.microsoft.com/office/drawing/2014/main" id="{FCE37641-5065-9C52-7B05-E7D5A89BE76D}"/>
+              </a:ext>
+            </a:extLst>
+          </p:cNvPr>
+          <p:cNvSpPr txBox="1"/>
+          <p:nvPr/>
+        </p:nvSpPr>
+        <p:spPr>
+          <a:xfrm>
+            <a:off x="3438144" y="6327648"/>
+            <a:ext cx="5330952" cy="369332"/>
+          </a:xfrm>
+          <a:prstGeom prst="rect">
+            <a:avLst/>
+          </a:prstGeom>
+          <a:noFill/>
+        </p:spPr>
+        <p:txBody>
+          <a:bodyPr wrap="square" rtlCol="0">
+            <a:spAutoFit/>
+          </a:bodyPr>
+          <a:lstStyle/>
+          <a:p>
+            <a:r>
+              <a:rPr lang="en-US" dirty="0"/>
+              <a:t>People with grade ‘A’ took loan for short term</a:t>
+            </a:r>
+            <a:endParaRPr lang="en-IN" dirty="0"/>
+          </a:p>
+        </p:txBody>
+      </p:sp>
+    </p:spTree>
+    <p:extLst>
+      <p:ext uri="{BB962C8B-B14F-4D97-AF65-F5344CB8AC3E}">
+        <p14:creationId xmlns:p14="http://schemas.microsoft.com/office/powerpoint/2010/main" val="1882460518"/>
+      </p:ext>
+    </p:extLst>
+  </p:cSld>
+  <p:clrMapOvr>
+    <a:masterClrMapping/>
+  </p:clrMapOvr>
+</p:sld>
+</file>
+
+<file path=ppt/slides/slide26.xml><?xml version="1.0" encoding="utf-8"?>
+<p:sld xmlns:a="http://schemas.openxmlformats.org/drawingml/2006/main" xmlns:r="http://schemas.openxmlformats.org/officeDocument/2006/relationships" xmlns:p="http://schemas.openxmlformats.org/presentationml/2006/main">
+  <p:cSld>
+    <p:spTree>
+      <p:nvGrpSpPr>
+        <p:cNvPr id="1" name=""/>
+        <p:cNvGrpSpPr/>
+        <p:nvPr/>
+      </p:nvGrpSpPr>
+      <p:grpSpPr>
+        <a:xfrm>
+          <a:off x="0" y="0"/>
+          <a:ext cx="0" cy="0"/>
+          <a:chOff x="0" y="0"/>
+          <a:chExt cx="0" cy="0"/>
+        </a:xfrm>
+      </p:grpSpPr>
+      <p:sp>
+        <p:nvSpPr>
+          <p:cNvPr id="2" name="Title 1">
+            <a:extLst>
+              <a:ext uri="{FF2B5EF4-FFF2-40B4-BE49-F238E27FC236}">
+                <a16:creationId xmlns:a16="http://schemas.microsoft.com/office/drawing/2014/main" id="{3FBEDED4-628C-36AD-5EF5-2206E52E0D87}"/>
+              </a:ext>
+            </a:extLst>
+          </p:cNvPr>
+          <p:cNvSpPr>
+            <a:spLocks noGrp="1"/>
+          </p:cNvSpPr>
+          <p:nvPr>
+            <p:ph type="title"/>
+          </p:nvPr>
+        </p:nvSpPr>
+        <p:spPr/>
+        <p:txBody>
+          <a:bodyPr/>
+          <a:lstStyle/>
+          <a:p>
+            <a:r>
+              <a:rPr lang="en-US" dirty="0"/>
+              <a:t>Comparison of DTI Based On Grade For Loan Status</a:t>
+            </a:r>
+            <a:endParaRPr lang="en-IN" dirty="0"/>
+          </a:p>
+        </p:txBody>
+      </p:sp>
+      <p:pic>
+        <p:nvPicPr>
+          <p:cNvPr id="7" name="Content Placeholder 6">
+            <a:extLst>
+              <a:ext uri="{FF2B5EF4-FFF2-40B4-BE49-F238E27FC236}">
+                <a16:creationId xmlns:a16="http://schemas.microsoft.com/office/drawing/2014/main" id="{25E710ED-46E4-506F-A8D5-8DF342ADE195}"/>
+              </a:ext>
+            </a:extLst>
+          </p:cNvPr>
+          <p:cNvPicPr>
+            <a:picLocks noGrp="1" noChangeAspect="1"/>
+          </p:cNvPicPr>
+          <p:nvPr>
+            <p:ph idx="1"/>
+          </p:nvPr>
+        </p:nvPicPr>
+        <p:blipFill>
+          <a:blip r:embed="rId2"/>
+          <a:stretch>
+            <a:fillRect/>
+          </a:stretch>
+        </p:blipFill>
+        <p:spPr>
+          <a:xfrm>
+            <a:off x="1905123" y="1825625"/>
+            <a:ext cx="8381753" cy="4351338"/>
+          </a:xfrm>
+        </p:spPr>
+      </p:pic>
+    </p:spTree>
+    <p:extLst>
+      <p:ext uri="{BB962C8B-B14F-4D97-AF65-F5344CB8AC3E}">
+        <p14:creationId xmlns:p14="http://schemas.microsoft.com/office/powerpoint/2010/main" val="3624697492"/>
+      </p:ext>
+    </p:extLst>
+  </p:cSld>
+  <p:clrMapOvr>
+    <a:masterClrMapping/>
+  </p:clrMapOvr>
+</p:sld>
+</file>
+
+<file path=ppt/slides/slide27.xml><?xml version="1.0" encoding="utf-8"?>
+<p:sld xmlns:a="http://schemas.openxmlformats.org/drawingml/2006/main" xmlns:r="http://schemas.openxmlformats.org/officeDocument/2006/relationships" xmlns:p="http://schemas.openxmlformats.org/presentationml/2006/main">
+  <p:cSld>
+    <p:spTree>
+      <p:nvGrpSpPr>
+        <p:cNvPr id="1" name=""/>
+        <p:cNvGrpSpPr/>
+        <p:nvPr/>
+      </p:nvGrpSpPr>
+      <p:grpSpPr>
+        <a:xfrm>
+          <a:off x="0" y="0"/>
+          <a:ext cx="0" cy="0"/>
+          <a:chOff x="0" y="0"/>
+          <a:chExt cx="0" cy="0"/>
+        </a:xfrm>
+      </p:grpSpPr>
+      <p:sp>
+        <p:nvSpPr>
+          <p:cNvPr id="2" name="Title 1">
+            <a:extLst>
+              <a:ext uri="{FF2B5EF4-FFF2-40B4-BE49-F238E27FC236}">
+                <a16:creationId xmlns:a16="http://schemas.microsoft.com/office/drawing/2014/main" id="{3FBEDED4-628C-36AD-5EF5-2206E52E0D87}"/>
+              </a:ext>
+            </a:extLst>
+          </p:cNvPr>
+          <p:cNvSpPr>
+            <a:spLocks noGrp="1"/>
+          </p:cNvSpPr>
+          <p:nvPr>
+            <p:ph type="title"/>
+          </p:nvPr>
+        </p:nvSpPr>
+        <p:spPr/>
+        <p:txBody>
+          <a:bodyPr/>
+          <a:lstStyle/>
+          <a:p>
+            <a:r>
+              <a:rPr lang="en-US" dirty="0"/>
               <a:t>Conclusion</a:t>
             </a:r>
             <a:endParaRPr lang="en-IN" dirty="0"/>
@@ -4480,6 +5432,61 @@
         <p:txBody>
           <a:bodyPr/>
           <a:lstStyle/>
+          <a:p>
+            <a:r>
+              <a:rPr lang="en-US" dirty="0"/>
+              <a:t>Higher the grade lower the interest rate</a:t>
+            </a:r>
+          </a:p>
+          <a:p>
+            <a:r>
+              <a:rPr lang="en-US" dirty="0"/>
+              <a:t>2011 there is a unusual surge of loan applications and defaulters were also more</a:t>
+            </a:r>
+          </a:p>
+          <a:p>
+            <a:r>
+              <a:rPr lang="en-US" dirty="0"/>
+              <a:t>Approximately 13% of total customers defaulted</a:t>
+            </a:r>
+          </a:p>
+          <a:p>
+            <a:r>
+              <a:rPr lang="en-US" dirty="0"/>
+              <a:t>Approximately 80% of the loan applicants had income 100k or less</a:t>
+            </a:r>
+          </a:p>
+          <a:p>
+            <a:r>
+              <a:rPr lang="en-US" dirty="0"/>
+              <a:t>Customers who have public record of Bankruptcies tend to default more</a:t>
+            </a:r>
+          </a:p>
+          <a:p>
+            <a:r>
+              <a:rPr lang="en-US" dirty="0"/>
+              <a:t>People in Grade ‘A’ default very less compared to other grades, they also prefer short term loans</a:t>
+            </a:r>
+            <a:endParaRPr lang="en-IN" dirty="0"/>
+          </a:p>
+          <a:p>
+            <a:pPr marL="0" indent="0">
+              <a:buNone/>
+            </a:pPr>
+            <a:endParaRPr lang="en-IN" dirty="0"/>
+          </a:p>
+          <a:p>
+            <a:endParaRPr lang="en-US" dirty="0"/>
+          </a:p>
+          <a:p>
+            <a:endParaRPr lang="en-US" dirty="0"/>
+          </a:p>
+          <a:p>
+            <a:endParaRPr lang="en-US" dirty="0"/>
+          </a:p>
+          <a:p>
+            <a:endParaRPr lang="en-US" dirty="0"/>
+          </a:p>
           <a:p>
             <a:endParaRPr lang="en-IN" dirty="0"/>
           </a:p>
@@ -5256,6 +6263,42 @@
           </a:xfrm>
         </p:spPr>
       </p:pic>
+      <p:sp>
+        <p:nvSpPr>
+          <p:cNvPr id="3" name="TextBox 2">
+            <a:extLst>
+              <a:ext uri="{FF2B5EF4-FFF2-40B4-BE49-F238E27FC236}">
+                <a16:creationId xmlns:a16="http://schemas.microsoft.com/office/drawing/2014/main" id="{D4830167-AC28-F8EF-ECBE-DB9412055CAA}"/>
+              </a:ext>
+            </a:extLst>
+          </p:cNvPr>
+          <p:cNvSpPr txBox="1"/>
+          <p:nvPr/>
+        </p:nvSpPr>
+        <p:spPr>
+          <a:xfrm>
+            <a:off x="2112264" y="5577840"/>
+            <a:ext cx="7168896" cy="369332"/>
+          </a:xfrm>
+          <a:prstGeom prst="rect">
+            <a:avLst/>
+          </a:prstGeom>
+          <a:noFill/>
+        </p:spPr>
+        <p:txBody>
+          <a:bodyPr wrap="square" rtlCol="0">
+            <a:spAutoFit/>
+          </a:bodyPr>
+          <a:lstStyle/>
+          <a:p>
+            <a:r>
+              <a:rPr lang="en-US" dirty="0"/>
+              <a:t>Most of the customers got loan amount sanctioned between 5k-15k</a:t>
+            </a:r>
+            <a:endParaRPr lang="en-IN" dirty="0"/>
+          </a:p>
+        </p:txBody>
+      </p:sp>
     </p:spTree>
     <p:extLst>
       <p:ext uri="{BB962C8B-B14F-4D97-AF65-F5344CB8AC3E}">
@@ -5344,6 +6387,42 @@
           </a:xfrm>
         </p:spPr>
       </p:pic>
+      <p:sp>
+        <p:nvSpPr>
+          <p:cNvPr id="3" name="TextBox 2">
+            <a:extLst>
+              <a:ext uri="{FF2B5EF4-FFF2-40B4-BE49-F238E27FC236}">
+                <a16:creationId xmlns:a16="http://schemas.microsoft.com/office/drawing/2014/main" id="{282A81E7-4504-DECD-F524-23B27E4FDA39}"/>
+              </a:ext>
+            </a:extLst>
+          </p:cNvPr>
+          <p:cNvSpPr txBox="1"/>
+          <p:nvPr/>
+        </p:nvSpPr>
+        <p:spPr>
+          <a:xfrm>
+            <a:off x="2795127" y="5530270"/>
+            <a:ext cx="5544201" cy="369332"/>
+          </a:xfrm>
+          <a:prstGeom prst="rect">
+            <a:avLst/>
+          </a:prstGeom>
+          <a:noFill/>
+        </p:spPr>
+        <p:txBody>
+          <a:bodyPr wrap="square" rtlCol="0">
+            <a:spAutoFit/>
+          </a:bodyPr>
+          <a:lstStyle/>
+          <a:p>
+            <a:r>
+              <a:rPr lang="en-US" dirty="0"/>
+              <a:t>Most of the loans have interest rate between 9%-15%</a:t>
+            </a:r>
+            <a:endParaRPr lang="en-IN" dirty="0"/>
+          </a:p>
+        </p:txBody>
+      </p:sp>
     </p:spTree>
     <p:extLst>
       <p:ext uri="{BB962C8B-B14F-4D97-AF65-F5344CB8AC3E}">

--- a/Lending_Club_CaseStudy_Syed_Jereme.pptx
+++ b/Lending_Club_CaseStudy_Syed_Jereme.pptx
@@ -31,7 +31,11 @@
     <p:sldId id="285" r:id="rId25"/>
     <p:sldId id="286" r:id="rId26"/>
     <p:sldId id="287" r:id="rId27"/>
-    <p:sldId id="266" r:id="rId28"/>
+    <p:sldId id="288" r:id="rId28"/>
+    <p:sldId id="266" r:id="rId29"/>
+    <p:sldId id="289" r:id="rId30"/>
+    <p:sldId id="290" r:id="rId31"/>
+    <p:sldId id="291" r:id="rId32"/>
   </p:sldIdLst>
   <p:sldSz cx="12192000" cy="6858000"/>
   <p:notesSz cx="6858000" cy="9144000"/>
@@ -287,7 +291,7 @@
           <a:p>
             <a:fld id="{5203CC2E-2B8D-48C3-89CB-238FE9A99AF9}" type="datetimeFigureOut">
               <a:rPr lang="en-IN" smtClean="0"/>
-              <a:t>20-08-2024</a:t>
+              <a:t>21-08-2024</a:t>
             </a:fld>
             <a:endParaRPr lang="en-IN"/>
           </a:p>
@@ -487,7 +491,7 @@
           <a:p>
             <a:fld id="{5203CC2E-2B8D-48C3-89CB-238FE9A99AF9}" type="datetimeFigureOut">
               <a:rPr lang="en-IN" smtClean="0"/>
-              <a:t>20-08-2024</a:t>
+              <a:t>21-08-2024</a:t>
             </a:fld>
             <a:endParaRPr lang="en-IN"/>
           </a:p>
@@ -697,7 +701,7 @@
           <a:p>
             <a:fld id="{5203CC2E-2B8D-48C3-89CB-238FE9A99AF9}" type="datetimeFigureOut">
               <a:rPr lang="en-IN" smtClean="0"/>
-              <a:t>20-08-2024</a:t>
+              <a:t>21-08-2024</a:t>
             </a:fld>
             <a:endParaRPr lang="en-IN"/>
           </a:p>
@@ -897,7 +901,7 @@
           <a:p>
             <a:fld id="{5203CC2E-2B8D-48C3-89CB-238FE9A99AF9}" type="datetimeFigureOut">
               <a:rPr lang="en-IN" smtClean="0"/>
-              <a:t>20-08-2024</a:t>
+              <a:t>21-08-2024</a:t>
             </a:fld>
             <a:endParaRPr lang="en-IN"/>
           </a:p>
@@ -1173,7 +1177,7 @@
           <a:p>
             <a:fld id="{5203CC2E-2B8D-48C3-89CB-238FE9A99AF9}" type="datetimeFigureOut">
               <a:rPr lang="en-IN" smtClean="0"/>
-              <a:t>20-08-2024</a:t>
+              <a:t>21-08-2024</a:t>
             </a:fld>
             <a:endParaRPr lang="en-IN"/>
           </a:p>
@@ -1441,7 +1445,7 @@
           <a:p>
             <a:fld id="{5203CC2E-2B8D-48C3-89CB-238FE9A99AF9}" type="datetimeFigureOut">
               <a:rPr lang="en-IN" smtClean="0"/>
-              <a:t>20-08-2024</a:t>
+              <a:t>21-08-2024</a:t>
             </a:fld>
             <a:endParaRPr lang="en-IN"/>
           </a:p>
@@ -1856,7 +1860,7 @@
           <a:p>
             <a:fld id="{5203CC2E-2B8D-48C3-89CB-238FE9A99AF9}" type="datetimeFigureOut">
               <a:rPr lang="en-IN" smtClean="0"/>
-              <a:t>20-08-2024</a:t>
+              <a:t>21-08-2024</a:t>
             </a:fld>
             <a:endParaRPr lang="en-IN"/>
           </a:p>
@@ -1998,7 +2002,7 @@
           <a:p>
             <a:fld id="{5203CC2E-2B8D-48C3-89CB-238FE9A99AF9}" type="datetimeFigureOut">
               <a:rPr lang="en-IN" smtClean="0"/>
-              <a:t>20-08-2024</a:t>
+              <a:t>21-08-2024</a:t>
             </a:fld>
             <a:endParaRPr lang="en-IN"/>
           </a:p>
@@ -2111,7 +2115,7 @@
           <a:p>
             <a:fld id="{5203CC2E-2B8D-48C3-89CB-238FE9A99AF9}" type="datetimeFigureOut">
               <a:rPr lang="en-IN" smtClean="0"/>
-              <a:t>20-08-2024</a:t>
+              <a:t>21-08-2024</a:t>
             </a:fld>
             <a:endParaRPr lang="en-IN"/>
           </a:p>
@@ -2424,7 +2428,7 @@
           <a:p>
             <a:fld id="{5203CC2E-2B8D-48C3-89CB-238FE9A99AF9}" type="datetimeFigureOut">
               <a:rPr lang="en-IN" smtClean="0"/>
-              <a:t>20-08-2024</a:t>
+              <a:t>21-08-2024</a:t>
             </a:fld>
             <a:endParaRPr lang="en-IN"/>
           </a:p>
@@ -2713,7 +2717,7 @@
           <a:p>
             <a:fld id="{5203CC2E-2B8D-48C3-89CB-238FE9A99AF9}" type="datetimeFigureOut">
               <a:rPr lang="en-IN" smtClean="0"/>
-              <a:t>20-08-2024</a:t>
+              <a:t>21-08-2024</a:t>
             </a:fld>
             <a:endParaRPr lang="en-IN"/>
           </a:p>
@@ -2956,7 +2960,7 @@
           <a:p>
             <a:fld id="{5203CC2E-2B8D-48C3-89CB-238FE9A99AF9}" type="datetimeFigureOut">
               <a:rPr lang="en-IN" smtClean="0"/>
-              <a:t>20-08-2024</a:t>
+              <a:t>21-08-2024</a:t>
             </a:fld>
             <a:endParaRPr lang="en-IN"/>
           </a:p>
@@ -5406,6 +5410,94 @@
           <a:p>
             <a:r>
               <a:rPr lang="en-US" dirty="0"/>
+              <a:t>Correlation Heatmap Including Categorical Variables</a:t>
+            </a:r>
+            <a:endParaRPr lang="en-IN" dirty="0"/>
+          </a:p>
+        </p:txBody>
+      </p:sp>
+      <p:pic>
+        <p:nvPicPr>
+          <p:cNvPr id="6" name="Content Placeholder 5">
+            <a:extLst>
+              <a:ext uri="{FF2B5EF4-FFF2-40B4-BE49-F238E27FC236}">
+                <a16:creationId xmlns:a16="http://schemas.microsoft.com/office/drawing/2014/main" id="{3FCC1638-2141-4409-DDA9-EDBAED5B0A2A}"/>
+              </a:ext>
+            </a:extLst>
+          </p:cNvPr>
+          <p:cNvPicPr>
+            <a:picLocks noGrp="1" noChangeAspect="1"/>
+          </p:cNvPicPr>
+          <p:nvPr>
+            <p:ph idx="1"/>
+          </p:nvPr>
+        </p:nvPicPr>
+        <p:blipFill>
+          <a:blip r:embed="rId2"/>
+          <a:stretch>
+            <a:fillRect/>
+          </a:stretch>
+        </p:blipFill>
+        <p:spPr>
+          <a:xfrm>
+            <a:off x="3233606" y="1825625"/>
+            <a:ext cx="5724787" cy="4351338"/>
+          </a:xfrm>
+        </p:spPr>
+      </p:pic>
+    </p:spTree>
+    <p:extLst>
+      <p:ext uri="{BB962C8B-B14F-4D97-AF65-F5344CB8AC3E}">
+        <p14:creationId xmlns:p14="http://schemas.microsoft.com/office/powerpoint/2010/main" val="335379130"/>
+      </p:ext>
+    </p:extLst>
+  </p:cSld>
+  <p:clrMapOvr>
+    <a:masterClrMapping/>
+  </p:clrMapOvr>
+</p:sld>
+</file>
+
+<file path=ppt/slides/slide28.xml><?xml version="1.0" encoding="utf-8"?>
+<p:sld xmlns:a="http://schemas.openxmlformats.org/drawingml/2006/main" xmlns:r="http://schemas.openxmlformats.org/officeDocument/2006/relationships" xmlns:p="http://schemas.openxmlformats.org/presentationml/2006/main">
+  <p:cSld>
+    <p:spTree>
+      <p:nvGrpSpPr>
+        <p:cNvPr id="1" name=""/>
+        <p:cNvGrpSpPr/>
+        <p:nvPr/>
+      </p:nvGrpSpPr>
+      <p:grpSpPr>
+        <a:xfrm>
+          <a:off x="0" y="0"/>
+          <a:ext cx="0" cy="0"/>
+          <a:chOff x="0" y="0"/>
+          <a:chExt cx="0" cy="0"/>
+        </a:xfrm>
+      </p:grpSpPr>
+      <p:sp>
+        <p:nvSpPr>
+          <p:cNvPr id="2" name="Title 1">
+            <a:extLst>
+              <a:ext uri="{FF2B5EF4-FFF2-40B4-BE49-F238E27FC236}">
+                <a16:creationId xmlns:a16="http://schemas.microsoft.com/office/drawing/2014/main" id="{3FBEDED4-628C-36AD-5EF5-2206E52E0D87}"/>
+              </a:ext>
+            </a:extLst>
+          </p:cNvPr>
+          <p:cNvSpPr>
+            <a:spLocks noGrp="1"/>
+          </p:cNvSpPr>
+          <p:nvPr>
+            <p:ph type="title"/>
+          </p:nvPr>
+        </p:nvSpPr>
+        <p:spPr/>
+        <p:txBody>
+          <a:bodyPr/>
+          <a:lstStyle/>
+          <a:p>
+            <a:r>
+              <a:rPr lang="en-US" dirty="0"/>
               <a:t>Conclusion</a:t>
             </a:r>
             <a:endParaRPr lang="en-IN" dirty="0"/>
@@ -5428,46 +5520,107 @@
             <p:ph idx="1"/>
           </p:nvPr>
         </p:nvSpPr>
-        <p:spPr/>
-        <p:txBody>
-          <a:bodyPr/>
-          <a:lstStyle/>
-          <a:p>
-            <a:r>
-              <a:rPr lang="en-US" dirty="0"/>
-              <a:t>Higher the grade lower the interest rate</a:t>
-            </a:r>
-          </a:p>
-          <a:p>
-            <a:r>
-              <a:rPr lang="en-US" dirty="0"/>
-              <a:t>2011 there is a unusual surge of loan applications and defaulters were also more</a:t>
-            </a:r>
-          </a:p>
-          <a:p>
-            <a:r>
-              <a:rPr lang="en-US" dirty="0"/>
-              <a:t>Approximately 13% of total customers defaulted</a:t>
-            </a:r>
-          </a:p>
-          <a:p>
-            <a:r>
-              <a:rPr lang="en-US" dirty="0"/>
-              <a:t>Approximately 80% of the loan applicants had income 100k or less</a:t>
-            </a:r>
-          </a:p>
-          <a:p>
-            <a:r>
-              <a:rPr lang="en-US" dirty="0"/>
-              <a:t>Customers who have public record of Bankruptcies tend to default more</a:t>
-            </a:r>
-          </a:p>
-          <a:p>
-            <a:r>
-              <a:rPr lang="en-US" dirty="0"/>
-              <a:t>People in Grade ‘A’ default very less compared to other grades, they also prefer short term loans</a:t>
-            </a:r>
-            <a:endParaRPr lang="en-IN" dirty="0"/>
+        <p:spPr>
+          <a:xfrm>
+            <a:off x="838200" y="1690688"/>
+            <a:ext cx="10515600" cy="4486275"/>
+          </a:xfrm>
+        </p:spPr>
+        <p:txBody>
+          <a:bodyPr>
+            <a:normAutofit/>
+          </a:bodyPr>
+          <a:lstStyle/>
+          <a:p>
+            <a:pPr algn="l"/>
+            <a:r>
+              <a:rPr lang="en-US" b="1" i="0" dirty="0">
+                <a:effectLst/>
+                <a:highlight>
+                  <a:srgbClr val="FFFFFF"/>
+                </a:highlight>
+                <a:latin typeface="system-ui"/>
+              </a:rPr>
+              <a:t>Univariate Analysis</a:t>
+            </a:r>
+          </a:p>
+          <a:p>
+            <a:pPr lvl="1"/>
+            <a:r>
+              <a:rPr lang="en-US" b="0" i="0" dirty="0">
+                <a:effectLst/>
+                <a:highlight>
+                  <a:srgbClr val="FFFFFF"/>
+                </a:highlight>
+                <a:latin typeface="system-ui"/>
+              </a:rPr>
+              <a:t>Defaulter's loans are lower in numbers compared to Non-Defaulters (Fully Paid)</a:t>
+            </a:r>
+          </a:p>
+          <a:p>
+            <a:pPr lvl="1"/>
+            <a:r>
+              <a:rPr lang="en-US" b="0" i="0" dirty="0">
+                <a:effectLst/>
+                <a:highlight>
+                  <a:srgbClr val="FFFFFF"/>
+                </a:highlight>
+                <a:latin typeface="system-ui"/>
+              </a:rPr>
+              <a:t>Loan amount has a range of loans from 500 to 35k with a mean of 9.8k</a:t>
+            </a:r>
+          </a:p>
+          <a:p>
+            <a:pPr lvl="1"/>
+            <a:r>
+              <a:rPr lang="en-US" b="0" i="0" dirty="0">
+                <a:effectLst/>
+                <a:highlight>
+                  <a:srgbClr val="FFFFFF"/>
+                </a:highlight>
+                <a:latin typeface="system-ui"/>
+              </a:rPr>
+              <a:t>The loans in 60 months term mostly consist of grade B, C and D loans whereas the loans in 36 months term majorly consist of grade A and B loans</a:t>
+            </a:r>
+          </a:p>
+          <a:p>
+            <a:pPr lvl="1"/>
+            <a:r>
+              <a:rPr lang="en-US" b="0" i="0" dirty="0">
+                <a:effectLst/>
+                <a:highlight>
+                  <a:srgbClr val="FFFFFF"/>
+                </a:highlight>
+                <a:latin typeface="system-ui"/>
+              </a:rPr>
+              <a:t>More than half of the loan taken has term of 36 months compared to 60 months</a:t>
+            </a:r>
+          </a:p>
+          <a:p>
+            <a:pPr lvl="1"/>
+            <a:r>
+              <a:rPr lang="en-US" b="0" i="0" dirty="0">
+                <a:effectLst/>
+                <a:highlight>
+                  <a:srgbClr val="FFFFFF"/>
+                </a:highlight>
+                <a:latin typeface="system-ui"/>
+              </a:rPr>
+              <a:t>Interest rate is more crowded between 5-10 and 10-15 along with a drop near 10%</a:t>
+            </a:r>
+          </a:p>
+          <a:p>
+            <a:pPr lvl="1"/>
+            <a:r>
+              <a:rPr lang="en-US" b="0" i="0" dirty="0">
+                <a:effectLst/>
+                <a:highlight>
+                  <a:srgbClr val="FFFFFF"/>
+                </a:highlight>
+                <a:latin typeface="system-ui"/>
+              </a:rPr>
+              <a:t>Lot of loans are in Grade A and Grade B, meaning loans are approved more for higher grades</a:t>
+            </a:r>
           </a:p>
           <a:p>
             <a:pPr marL="0" indent="0">
@@ -5496,6 +5649,252 @@
     <p:extLst>
       <p:ext uri="{BB962C8B-B14F-4D97-AF65-F5344CB8AC3E}">
         <p14:creationId xmlns:p14="http://schemas.microsoft.com/office/powerpoint/2010/main" val="2205630649"/>
+      </p:ext>
+    </p:extLst>
+  </p:cSld>
+  <p:clrMapOvr>
+    <a:masterClrMapping/>
+  </p:clrMapOvr>
+</p:sld>
+</file>
+
+<file path=ppt/slides/slide29.xml><?xml version="1.0" encoding="utf-8"?>
+<p:sld xmlns:a="http://schemas.openxmlformats.org/drawingml/2006/main" xmlns:r="http://schemas.openxmlformats.org/officeDocument/2006/relationships" xmlns:p="http://schemas.openxmlformats.org/presentationml/2006/main">
+  <p:cSld>
+    <p:spTree>
+      <p:nvGrpSpPr>
+        <p:cNvPr id="1" name=""/>
+        <p:cNvGrpSpPr/>
+        <p:nvPr/>
+      </p:nvGrpSpPr>
+      <p:grpSpPr>
+        <a:xfrm>
+          <a:off x="0" y="0"/>
+          <a:ext cx="0" cy="0"/>
+          <a:chOff x="0" y="0"/>
+          <a:chExt cx="0" cy="0"/>
+        </a:xfrm>
+      </p:grpSpPr>
+      <p:sp>
+        <p:nvSpPr>
+          <p:cNvPr id="2" name="Title 1">
+            <a:extLst>
+              <a:ext uri="{FF2B5EF4-FFF2-40B4-BE49-F238E27FC236}">
+                <a16:creationId xmlns:a16="http://schemas.microsoft.com/office/drawing/2014/main" id="{3FBEDED4-628C-36AD-5EF5-2206E52E0D87}"/>
+              </a:ext>
+            </a:extLst>
+          </p:cNvPr>
+          <p:cNvSpPr>
+            <a:spLocks noGrp="1"/>
+          </p:cNvSpPr>
+          <p:nvPr>
+            <p:ph type="title"/>
+          </p:nvPr>
+        </p:nvSpPr>
+        <p:spPr/>
+        <p:txBody>
+          <a:bodyPr/>
+          <a:lstStyle/>
+          <a:p>
+            <a:r>
+              <a:rPr lang="en-US" dirty="0"/>
+              <a:t>Conclusion</a:t>
+            </a:r>
+            <a:endParaRPr lang="en-IN" dirty="0"/>
+          </a:p>
+        </p:txBody>
+      </p:sp>
+      <p:sp>
+        <p:nvSpPr>
+          <p:cNvPr id="3" name="Content Placeholder 2">
+            <a:extLst>
+              <a:ext uri="{FF2B5EF4-FFF2-40B4-BE49-F238E27FC236}">
+                <a16:creationId xmlns:a16="http://schemas.microsoft.com/office/drawing/2014/main" id="{7B8F7E1E-0CC1-61CF-563A-584AFC254CFD}"/>
+              </a:ext>
+            </a:extLst>
+          </p:cNvPr>
+          <p:cNvSpPr>
+            <a:spLocks noGrp="1"/>
+          </p:cNvSpPr>
+          <p:nvPr>
+            <p:ph idx="1"/>
+          </p:nvPr>
+        </p:nvSpPr>
+        <p:spPr/>
+        <p:txBody>
+          <a:bodyPr>
+            <a:normAutofit fontScale="85000" lnSpcReduction="20000"/>
+          </a:bodyPr>
+          <a:lstStyle/>
+          <a:p>
+            <a:pPr algn="l"/>
+            <a:r>
+              <a:rPr lang="en-US" b="1" i="0" dirty="0">
+                <a:effectLst/>
+                <a:highlight>
+                  <a:srgbClr val="FFFFFF"/>
+                </a:highlight>
+                <a:latin typeface="system-ui"/>
+              </a:rPr>
+              <a:t>Segmented Univariate Analysis</a:t>
+            </a:r>
+          </a:p>
+          <a:p>
+            <a:pPr lvl="1"/>
+            <a:r>
+              <a:rPr lang="en-US" b="0" i="0" dirty="0">
+                <a:effectLst/>
+                <a:highlight>
+                  <a:srgbClr val="FFFFFF"/>
+                </a:highlight>
+                <a:latin typeface="system-ui"/>
+              </a:rPr>
+              <a:t>High number of loans are issued in 12th months and year 2011</a:t>
+            </a:r>
+          </a:p>
+          <a:p>
+            <a:pPr lvl="1"/>
+            <a:r>
+              <a:rPr lang="en-US" b="0" i="0" dirty="0">
+                <a:effectLst/>
+                <a:highlight>
+                  <a:srgbClr val="FFFFFF"/>
+                </a:highlight>
+                <a:latin typeface="system-ui"/>
+              </a:rPr>
+              <a:t>Borrowers below 50k have high almost half of the defaulters, this can be a risk factor</a:t>
+            </a:r>
+          </a:p>
+          <a:p>
+            <a:pPr lvl="1"/>
+            <a:r>
+              <a:rPr lang="en-US" b="0" i="0" dirty="0">
+                <a:effectLst/>
+                <a:highlight>
+                  <a:srgbClr val="FFFFFF"/>
+                </a:highlight>
+                <a:latin typeface="system-ui"/>
+              </a:rPr>
+              <a:t>Volume of loans has vastly increased with each year, also indicates approvals have increased</a:t>
+            </a:r>
+          </a:p>
+          <a:p>
+            <a:pPr lvl="1"/>
+            <a:r>
+              <a:rPr lang="en-US" b="0" i="0" dirty="0">
+                <a:effectLst/>
+                <a:highlight>
+                  <a:srgbClr val="FFFFFF"/>
+                </a:highlight>
+                <a:latin typeface="system-ui"/>
+              </a:rPr>
+              <a:t>Borrowers with 10+ years have taken more loans and high number of fully paid, defaulters are also comparatively more</a:t>
+            </a:r>
+          </a:p>
+          <a:p>
+            <a:pPr lvl="1"/>
+            <a:r>
+              <a:rPr lang="en-US" b="0" i="0" dirty="0">
+                <a:effectLst/>
+                <a:highlight>
+                  <a:srgbClr val="FFFFFF"/>
+                </a:highlight>
+                <a:latin typeface="system-ui"/>
+              </a:rPr>
+              <a:t>The interest rate has increased till 16% and then dropped from 17% for defaulters. For Fully paid, there is drop near 10%</a:t>
+            </a:r>
+          </a:p>
+          <a:p>
+            <a:pPr lvl="1"/>
+            <a:r>
+              <a:rPr lang="en-US" b="0" i="0" dirty="0">
+                <a:effectLst/>
+                <a:highlight>
+                  <a:srgbClr val="FFFFFF"/>
+                </a:highlight>
+                <a:latin typeface="system-ui"/>
+              </a:rPr>
+              <a:t>Defaulters with RENT and MORTGAGE Home Owners are most likely to default than wit OWN homes</a:t>
+            </a:r>
+          </a:p>
+          <a:p>
+            <a:pPr lvl="1"/>
+            <a:r>
+              <a:rPr lang="en-US" b="0" i="0" dirty="0">
+                <a:effectLst/>
+                <a:highlight>
+                  <a:srgbClr val="FFFFFF"/>
+                </a:highlight>
+                <a:latin typeface="system-ui"/>
+              </a:rPr>
+              <a:t>The Loan Status varies with DTI ratio; we can see that the loans in DTI of 10-15% have higher number of defaulted loan, higher the DTI more chance of defaulting.</a:t>
+            </a:r>
+          </a:p>
+          <a:p>
+            <a:pPr lvl="1"/>
+            <a:r>
+              <a:rPr lang="en-US" b="0" i="0" dirty="0">
+                <a:effectLst/>
+                <a:highlight>
+                  <a:srgbClr val="FFFFFF"/>
+                </a:highlight>
+                <a:latin typeface="system-ui"/>
+              </a:rPr>
+              <a:t>A high percentage of loans are taken for the purpose of debt consolidation followed by credit card</a:t>
+            </a:r>
+          </a:p>
+          <a:p>
+            <a:pPr lvl="1"/>
+            <a:r>
+              <a:rPr lang="en-US" b="0" i="0" dirty="0">
+                <a:effectLst/>
+                <a:highlight>
+                  <a:srgbClr val="FFFFFF"/>
+                </a:highlight>
+                <a:latin typeface="system-ui"/>
+              </a:rPr>
+              <a:t>Compared to Sub grades of A, more numbers of defaulters are in Sub Grade of B &amp; C, this us a risk factor</a:t>
+            </a:r>
+          </a:p>
+          <a:p>
+            <a:pPr marL="0" indent="0">
+              <a:buNone/>
+            </a:pPr>
+            <a:endParaRPr lang="en-US" b="0" i="0" dirty="0">
+              <a:effectLst/>
+              <a:highlight>
+                <a:srgbClr val="FFFFFF"/>
+              </a:highlight>
+              <a:latin typeface="system-ui"/>
+            </a:endParaRPr>
+          </a:p>
+          <a:p>
+            <a:pPr marL="0" indent="0">
+              <a:buNone/>
+            </a:pPr>
+            <a:endParaRPr lang="en-IN" dirty="0"/>
+          </a:p>
+          <a:p>
+            <a:endParaRPr lang="en-US" dirty="0"/>
+          </a:p>
+          <a:p>
+            <a:endParaRPr lang="en-US" dirty="0"/>
+          </a:p>
+          <a:p>
+            <a:endParaRPr lang="en-US" dirty="0"/>
+          </a:p>
+          <a:p>
+            <a:endParaRPr lang="en-US" dirty="0"/>
+          </a:p>
+          <a:p>
+            <a:endParaRPr lang="en-IN" dirty="0"/>
+          </a:p>
+        </p:txBody>
+      </p:sp>
+    </p:spTree>
+    <p:extLst>
+      <p:ext uri="{BB962C8B-B14F-4D97-AF65-F5344CB8AC3E}">
+        <p14:creationId xmlns:p14="http://schemas.microsoft.com/office/powerpoint/2010/main" val="2996578205"/>
       </p:ext>
     </p:extLst>
   </p:cSld>
@@ -5603,6 +6002,346 @@
     <p:extLst>
       <p:ext uri="{BB962C8B-B14F-4D97-AF65-F5344CB8AC3E}">
         <p14:creationId xmlns:p14="http://schemas.microsoft.com/office/powerpoint/2010/main" val="438366998"/>
+      </p:ext>
+    </p:extLst>
+  </p:cSld>
+  <p:clrMapOvr>
+    <a:masterClrMapping/>
+  </p:clrMapOvr>
+</p:sld>
+</file>
+
+<file path=ppt/slides/slide30.xml><?xml version="1.0" encoding="utf-8"?>
+<p:sld xmlns:a="http://schemas.openxmlformats.org/drawingml/2006/main" xmlns:r="http://schemas.openxmlformats.org/officeDocument/2006/relationships" xmlns:p="http://schemas.openxmlformats.org/presentationml/2006/main">
+  <p:cSld>
+    <p:spTree>
+      <p:nvGrpSpPr>
+        <p:cNvPr id="1" name=""/>
+        <p:cNvGrpSpPr/>
+        <p:nvPr/>
+      </p:nvGrpSpPr>
+      <p:grpSpPr>
+        <a:xfrm>
+          <a:off x="0" y="0"/>
+          <a:ext cx="0" cy="0"/>
+          <a:chOff x="0" y="0"/>
+          <a:chExt cx="0" cy="0"/>
+        </a:xfrm>
+      </p:grpSpPr>
+      <p:sp>
+        <p:nvSpPr>
+          <p:cNvPr id="2" name="Title 1">
+            <a:extLst>
+              <a:ext uri="{FF2B5EF4-FFF2-40B4-BE49-F238E27FC236}">
+                <a16:creationId xmlns:a16="http://schemas.microsoft.com/office/drawing/2014/main" id="{3FBEDED4-628C-36AD-5EF5-2206E52E0D87}"/>
+              </a:ext>
+            </a:extLst>
+          </p:cNvPr>
+          <p:cNvSpPr>
+            <a:spLocks noGrp="1"/>
+          </p:cNvSpPr>
+          <p:nvPr>
+            <p:ph type="title"/>
+          </p:nvPr>
+        </p:nvSpPr>
+        <p:spPr/>
+        <p:txBody>
+          <a:bodyPr/>
+          <a:lstStyle/>
+          <a:p>
+            <a:r>
+              <a:rPr lang="en-US" dirty="0"/>
+              <a:t>Conclusion</a:t>
+            </a:r>
+            <a:endParaRPr lang="en-IN" dirty="0"/>
+          </a:p>
+        </p:txBody>
+      </p:sp>
+      <p:sp>
+        <p:nvSpPr>
+          <p:cNvPr id="3" name="Content Placeholder 2">
+            <a:extLst>
+              <a:ext uri="{FF2B5EF4-FFF2-40B4-BE49-F238E27FC236}">
+                <a16:creationId xmlns:a16="http://schemas.microsoft.com/office/drawing/2014/main" id="{7B8F7E1E-0CC1-61CF-563A-584AFC254CFD}"/>
+              </a:ext>
+            </a:extLst>
+          </p:cNvPr>
+          <p:cNvSpPr>
+            <a:spLocks noGrp="1"/>
+          </p:cNvSpPr>
+          <p:nvPr>
+            <p:ph idx="1"/>
+          </p:nvPr>
+        </p:nvSpPr>
+        <p:spPr/>
+        <p:txBody>
+          <a:bodyPr>
+            <a:normAutofit/>
+          </a:bodyPr>
+          <a:lstStyle/>
+          <a:p>
+            <a:pPr algn="l"/>
+            <a:r>
+              <a:rPr lang="en-US" b="1" i="0" dirty="0">
+                <a:effectLst/>
+                <a:highlight>
+                  <a:srgbClr val="FFFFFF"/>
+                </a:highlight>
+                <a:latin typeface="system-ui"/>
+              </a:rPr>
+              <a:t>Bivariate Analysis</a:t>
+            </a:r>
+          </a:p>
+          <a:p>
+            <a:pPr lvl="1"/>
+            <a:r>
+              <a:rPr lang="en-US" b="0" i="0" dirty="0">
+                <a:effectLst/>
+                <a:highlight>
+                  <a:srgbClr val="FFFFFF"/>
+                </a:highlight>
+                <a:latin typeface="system-ui"/>
+              </a:rPr>
+              <a:t>The rate of interest is inversely proportional to Grades meaning higher the grade, lower is the interest rate. Grade is a risk factor.</a:t>
+            </a:r>
+          </a:p>
+          <a:p>
+            <a:pPr lvl="1"/>
+            <a:r>
+              <a:rPr lang="en-US" b="0" i="0" dirty="0">
+                <a:effectLst/>
+                <a:highlight>
+                  <a:srgbClr val="FFFFFF"/>
+                </a:highlight>
+                <a:latin typeface="system-ui"/>
+              </a:rPr>
+              <a:t>Most of the borrowers don't have bankruptcy records and are safe choice for loan approvals</a:t>
+            </a:r>
+          </a:p>
+          <a:p>
+            <a:pPr lvl="1"/>
+            <a:r>
+              <a:rPr lang="en-US" b="0" i="0" dirty="0">
+                <a:effectLst/>
+                <a:highlight>
+                  <a:srgbClr val="FFFFFF"/>
+                </a:highlight>
+                <a:latin typeface="system-ui"/>
+              </a:rPr>
+              <a:t>The Grade A which is lowest risk also has lowest DTI ratio which we can say that higher grade has lower rate of default</a:t>
+            </a:r>
+          </a:p>
+          <a:p>
+            <a:pPr lvl="1"/>
+            <a:r>
+              <a:rPr lang="en-US" b="0" i="0" dirty="0">
+                <a:effectLst/>
+                <a:highlight>
+                  <a:srgbClr val="FFFFFF"/>
+                </a:highlight>
+                <a:latin typeface="system-ui"/>
+              </a:rPr>
+              <a:t>The borrowers are mostly having no record of Public Recorded Bankruptcy and are safe choice for loan issue.</a:t>
+            </a:r>
+          </a:p>
+          <a:p>
+            <a:pPr marL="457200" lvl="1" indent="0">
+              <a:buNone/>
+            </a:pPr>
+            <a:endParaRPr lang="en-US" b="0" i="0" dirty="0">
+              <a:effectLst/>
+              <a:highlight>
+                <a:srgbClr val="FFFFFF"/>
+              </a:highlight>
+              <a:latin typeface="system-ui"/>
+            </a:endParaRPr>
+          </a:p>
+          <a:p>
+            <a:pPr marL="0" indent="0">
+              <a:buNone/>
+            </a:pPr>
+            <a:endParaRPr lang="en-IN" dirty="0"/>
+          </a:p>
+          <a:p>
+            <a:endParaRPr lang="en-US" dirty="0"/>
+          </a:p>
+          <a:p>
+            <a:endParaRPr lang="en-US" dirty="0"/>
+          </a:p>
+          <a:p>
+            <a:endParaRPr lang="en-US" dirty="0"/>
+          </a:p>
+          <a:p>
+            <a:endParaRPr lang="en-US" dirty="0"/>
+          </a:p>
+          <a:p>
+            <a:endParaRPr lang="en-IN" dirty="0"/>
+          </a:p>
+        </p:txBody>
+      </p:sp>
+    </p:spTree>
+    <p:extLst>
+      <p:ext uri="{BB962C8B-B14F-4D97-AF65-F5344CB8AC3E}">
+        <p14:creationId xmlns:p14="http://schemas.microsoft.com/office/powerpoint/2010/main" val="4176866561"/>
+      </p:ext>
+    </p:extLst>
+  </p:cSld>
+  <p:clrMapOvr>
+    <a:masterClrMapping/>
+  </p:clrMapOvr>
+</p:sld>
+</file>
+
+<file path=ppt/slides/slide31.xml><?xml version="1.0" encoding="utf-8"?>
+<p:sld xmlns:a="http://schemas.openxmlformats.org/drawingml/2006/main" xmlns:r="http://schemas.openxmlformats.org/officeDocument/2006/relationships" xmlns:p="http://schemas.openxmlformats.org/presentationml/2006/main">
+  <p:cSld>
+    <p:spTree>
+      <p:nvGrpSpPr>
+        <p:cNvPr id="1" name=""/>
+        <p:cNvGrpSpPr/>
+        <p:nvPr/>
+      </p:nvGrpSpPr>
+      <p:grpSpPr>
+        <a:xfrm>
+          <a:off x="0" y="0"/>
+          <a:ext cx="0" cy="0"/>
+          <a:chOff x="0" y="0"/>
+          <a:chExt cx="0" cy="0"/>
+        </a:xfrm>
+      </p:grpSpPr>
+      <p:sp>
+        <p:nvSpPr>
+          <p:cNvPr id="2" name="Title 1">
+            <a:extLst>
+              <a:ext uri="{FF2B5EF4-FFF2-40B4-BE49-F238E27FC236}">
+                <a16:creationId xmlns:a16="http://schemas.microsoft.com/office/drawing/2014/main" id="{3FBEDED4-628C-36AD-5EF5-2206E52E0D87}"/>
+              </a:ext>
+            </a:extLst>
+          </p:cNvPr>
+          <p:cNvSpPr>
+            <a:spLocks noGrp="1"/>
+          </p:cNvSpPr>
+          <p:nvPr>
+            <p:ph type="title"/>
+          </p:nvPr>
+        </p:nvSpPr>
+        <p:spPr/>
+        <p:txBody>
+          <a:bodyPr/>
+          <a:lstStyle/>
+          <a:p>
+            <a:r>
+              <a:rPr lang="en-US" dirty="0"/>
+              <a:t>Rationale</a:t>
+            </a:r>
+            <a:endParaRPr lang="en-IN" dirty="0"/>
+          </a:p>
+        </p:txBody>
+      </p:sp>
+      <p:sp>
+        <p:nvSpPr>
+          <p:cNvPr id="3" name="Content Placeholder 2">
+            <a:extLst>
+              <a:ext uri="{FF2B5EF4-FFF2-40B4-BE49-F238E27FC236}">
+                <a16:creationId xmlns:a16="http://schemas.microsoft.com/office/drawing/2014/main" id="{7B8F7E1E-0CC1-61CF-563A-584AFC254CFD}"/>
+              </a:ext>
+            </a:extLst>
+          </p:cNvPr>
+          <p:cNvSpPr>
+            <a:spLocks noGrp="1"/>
+          </p:cNvSpPr>
+          <p:nvPr>
+            <p:ph idx="1"/>
+          </p:nvPr>
+        </p:nvSpPr>
+        <p:spPr/>
+        <p:txBody>
+          <a:bodyPr>
+            <a:normAutofit fontScale="70000" lnSpcReduction="20000"/>
+          </a:bodyPr>
+          <a:lstStyle/>
+          <a:p>
+            <a:pPr marL="457200" lvl="1" indent="0">
+              <a:buNone/>
+            </a:pPr>
+            <a:endParaRPr lang="en-US" b="0" i="0" dirty="0">
+              <a:effectLst/>
+              <a:highlight>
+                <a:srgbClr val="FFFFFF"/>
+              </a:highlight>
+              <a:latin typeface="system-ui"/>
+            </a:endParaRPr>
+          </a:p>
+          <a:p>
+            <a:r>
+              <a:rPr lang="en-US" dirty="0"/>
+              <a:t>Borrowers having loans against debt consolidation and Credit Cards are more likely to get into debt trap with high interest rates complicating loan repayment and are likely to default</a:t>
+            </a:r>
+          </a:p>
+          <a:p>
+            <a:r>
+              <a:rPr lang="en-US" dirty="0"/>
+              <a:t>Borrowers with very high Debt to Income ratio are likely to default, additional due diligence needs to be carried out</a:t>
+            </a:r>
+          </a:p>
+          <a:p>
+            <a:r>
+              <a:rPr lang="en-US" dirty="0"/>
+              <a:t>Borrowers with highest grade A are safer compared to lower grades pose high risk</a:t>
+            </a:r>
+          </a:p>
+          <a:p>
+            <a:r>
+              <a:rPr lang="en-US" dirty="0"/>
+              <a:t>Borrowers having annual income less than ~50000 are likely to default more posing risk of repayment</a:t>
+            </a:r>
+          </a:p>
+          <a:p>
+            <a:r>
+              <a:rPr lang="en-US" dirty="0"/>
+              <a:t>Borrowers with Public Recorded Bankruptcies pose higher risk for loan repayment </a:t>
+            </a:r>
+          </a:p>
+          <a:p>
+            <a:r>
+              <a:rPr lang="en-US" dirty="0"/>
+              <a:t>Borrowers with Rented and Mortgaged Home Ownership carry more disk to default loans</a:t>
+            </a:r>
+          </a:p>
+          <a:p>
+            <a:r>
+              <a:rPr lang="en-US" dirty="0"/>
+              <a:t>Borrowers with high interest rates pose high risk to default</a:t>
+            </a:r>
+          </a:p>
+          <a:p>
+            <a:r>
+              <a:rPr lang="en-US" dirty="0"/>
+              <a:t>Even though borrowers with working experience of 10+ years are likely to fully pay, they also pose risk to default loans given the fact borrowers with 10+ years experience are high consumers of loans</a:t>
+            </a:r>
+            <a:endParaRPr lang="en-IN" dirty="0"/>
+          </a:p>
+          <a:p>
+            <a:endParaRPr lang="en-US" dirty="0"/>
+          </a:p>
+          <a:p>
+            <a:endParaRPr lang="en-US" dirty="0"/>
+          </a:p>
+          <a:p>
+            <a:endParaRPr lang="en-US" dirty="0"/>
+          </a:p>
+          <a:p>
+            <a:endParaRPr lang="en-US" dirty="0"/>
+          </a:p>
+          <a:p>
+            <a:endParaRPr lang="en-IN" dirty="0"/>
+          </a:p>
+        </p:txBody>
+      </p:sp>
+    </p:spTree>
+    <p:extLst>
+      <p:ext uri="{BB962C8B-B14F-4D97-AF65-F5344CB8AC3E}">
+        <p14:creationId xmlns:p14="http://schemas.microsoft.com/office/powerpoint/2010/main" val="4035679517"/>
       </p:ext>
     </p:extLst>
   </p:cSld>

--- a/Lending_Club_CaseStudy_Syed_Jereme.pptx
+++ b/Lending_Club_CaseStudy_Syed_Jereme.pptx
@@ -36,6 +36,7 @@
     <p:sldId id="289" r:id="rId30"/>
     <p:sldId id="290" r:id="rId31"/>
     <p:sldId id="291" r:id="rId32"/>
+    <p:sldId id="292" r:id="rId33"/>
   </p:sldIdLst>
   <p:sldSz cx="12192000" cy="6858000"/>
   <p:notesSz cx="6858000" cy="9144000"/>
@@ -6231,8 +6232,13 @@
           <a:lstStyle/>
           <a:p>
             <a:r>
-              <a:rPr lang="en-US" dirty="0"/>
-              <a:t>Rationale</a:t>
+              <a:rPr lang="en-IN" i="0" dirty="0">
+                <a:effectLst/>
+                <a:highlight>
+                  <a:srgbClr val="FFFFFF"/>
+                </a:highlight>
+              </a:rPr>
+              <a:t>Factors influencing loan defaulters</a:t>
             </a:r>
             <a:endParaRPr lang="en-IN" dirty="0"/>
           </a:p>
@@ -6257,7 +6263,7 @@
         <p:spPr/>
         <p:txBody>
           <a:bodyPr>
-            <a:normAutofit fontScale="70000" lnSpcReduction="20000"/>
+            <a:normAutofit lnSpcReduction="10000"/>
           </a:bodyPr>
           <a:lstStyle/>
           <a:p>
@@ -6275,54 +6281,54 @@
           <a:p>
             <a:r>
               <a:rPr lang="en-US" dirty="0"/>
-              <a:t>Borrowers having loans against debt consolidation and Credit Cards are more likely to get into debt trap with high interest rates complicating loan repayment and are likely to default</a:t>
-            </a:r>
-          </a:p>
-          <a:p>
-            <a:r>
-              <a:rPr lang="en-US" dirty="0"/>
-              <a:t>Borrowers with very high Debt to Income ratio are likely to default, additional due diligence needs to be carried out</a:t>
-            </a:r>
-          </a:p>
-          <a:p>
-            <a:r>
-              <a:rPr lang="en-US" dirty="0"/>
-              <a:t>Borrowers with highest grade A are safer compared to lower grades pose high risk</a:t>
-            </a:r>
-          </a:p>
-          <a:p>
-            <a:r>
-              <a:rPr lang="en-US" dirty="0"/>
-              <a:t>Borrowers having annual income less than ~50000 are likely to default more posing risk of repayment</a:t>
-            </a:r>
-          </a:p>
-          <a:p>
-            <a:r>
-              <a:rPr lang="en-US" dirty="0"/>
-              <a:t>Borrowers with Public Recorded Bankruptcies pose higher risk for loan repayment </a:t>
-            </a:r>
-          </a:p>
-          <a:p>
-            <a:r>
-              <a:rPr lang="en-US" dirty="0"/>
-              <a:t>Borrowers with Rented and Mortgaged Home Ownership carry more disk to default loans</a:t>
-            </a:r>
-          </a:p>
-          <a:p>
-            <a:r>
-              <a:rPr lang="en-US" dirty="0"/>
-              <a:t>Borrowers with high interest rates pose high risk to default</a:t>
-            </a:r>
-          </a:p>
-          <a:p>
-            <a:r>
-              <a:rPr lang="en-US" dirty="0"/>
-              <a:t>Even though borrowers with working experience of 10+ years are likely to fully pay, they also pose risk to default loans given the fact borrowers with 10+ years experience are high consumers of loans</a:t>
-            </a:r>
-            <a:endParaRPr lang="en-IN" dirty="0"/>
-          </a:p>
-          <a:p>
-            <a:endParaRPr lang="en-US" dirty="0"/>
+              <a:t>Loans against Debt Consolidation and Credit Card</a:t>
+            </a:r>
+          </a:p>
+          <a:p>
+            <a:r>
+              <a:rPr lang="en-US" dirty="0"/>
+              <a:t>Debt to Income factor </a:t>
+            </a:r>
+          </a:p>
+          <a:p>
+            <a:r>
+              <a:rPr lang="en-US" dirty="0"/>
+              <a:t>Grades</a:t>
+            </a:r>
+          </a:p>
+          <a:p>
+            <a:r>
+              <a:rPr lang="en-US" dirty="0"/>
+              <a:t>Annual income</a:t>
+            </a:r>
+          </a:p>
+          <a:p>
+            <a:r>
+              <a:rPr lang="en-US" dirty="0"/>
+              <a:t>Public Record Bankruptcies</a:t>
+            </a:r>
+          </a:p>
+          <a:p>
+            <a:r>
+              <a:rPr lang="en-US" dirty="0"/>
+              <a:t>Home Ownership</a:t>
+            </a:r>
+          </a:p>
+          <a:p>
+            <a:r>
+              <a:rPr lang="en-US" dirty="0"/>
+              <a:t>Higher Interest rates</a:t>
+            </a:r>
+          </a:p>
+          <a:p>
+            <a:r>
+              <a:rPr lang="en-US"/>
+              <a:t>Length of </a:t>
+            </a:r>
+            <a:r>
+              <a:rPr lang="en-US" dirty="0"/>
+              <a:t>the Employment</a:t>
+            </a:r>
           </a:p>
           <a:p>
             <a:endParaRPr lang="en-US" dirty="0"/>
@@ -6342,6 +6348,165 @@
     <p:extLst>
       <p:ext uri="{BB962C8B-B14F-4D97-AF65-F5344CB8AC3E}">
         <p14:creationId xmlns:p14="http://schemas.microsoft.com/office/powerpoint/2010/main" val="4035679517"/>
+      </p:ext>
+    </p:extLst>
+  </p:cSld>
+  <p:clrMapOvr>
+    <a:masterClrMapping/>
+  </p:clrMapOvr>
+</p:sld>
+</file>
+
+<file path=ppt/slides/slide32.xml><?xml version="1.0" encoding="utf-8"?>
+<p:sld xmlns:a="http://schemas.openxmlformats.org/drawingml/2006/main" xmlns:r="http://schemas.openxmlformats.org/officeDocument/2006/relationships" xmlns:p="http://schemas.openxmlformats.org/presentationml/2006/main">
+  <p:cSld>
+    <p:spTree>
+      <p:nvGrpSpPr>
+        <p:cNvPr id="1" name=""/>
+        <p:cNvGrpSpPr/>
+        <p:nvPr/>
+      </p:nvGrpSpPr>
+      <p:grpSpPr>
+        <a:xfrm>
+          <a:off x="0" y="0"/>
+          <a:ext cx="0" cy="0"/>
+          <a:chOff x="0" y="0"/>
+          <a:chExt cx="0" cy="0"/>
+        </a:xfrm>
+      </p:grpSpPr>
+      <p:sp>
+        <p:nvSpPr>
+          <p:cNvPr id="2" name="Title 1">
+            <a:extLst>
+              <a:ext uri="{FF2B5EF4-FFF2-40B4-BE49-F238E27FC236}">
+                <a16:creationId xmlns:a16="http://schemas.microsoft.com/office/drawing/2014/main" id="{3FBEDED4-628C-36AD-5EF5-2206E52E0D87}"/>
+              </a:ext>
+            </a:extLst>
+          </p:cNvPr>
+          <p:cNvSpPr>
+            <a:spLocks noGrp="1"/>
+          </p:cNvSpPr>
+          <p:nvPr>
+            <p:ph type="title"/>
+          </p:nvPr>
+        </p:nvSpPr>
+        <p:spPr/>
+        <p:txBody>
+          <a:bodyPr/>
+          <a:lstStyle/>
+          <a:p>
+            <a:r>
+              <a:rPr lang="en-US" dirty="0"/>
+              <a:t>Rationale</a:t>
+            </a:r>
+            <a:endParaRPr lang="en-IN" dirty="0"/>
+          </a:p>
+        </p:txBody>
+      </p:sp>
+      <p:sp>
+        <p:nvSpPr>
+          <p:cNvPr id="3" name="Content Placeholder 2">
+            <a:extLst>
+              <a:ext uri="{FF2B5EF4-FFF2-40B4-BE49-F238E27FC236}">
+                <a16:creationId xmlns:a16="http://schemas.microsoft.com/office/drawing/2014/main" id="{7B8F7E1E-0CC1-61CF-563A-584AFC254CFD}"/>
+              </a:ext>
+            </a:extLst>
+          </p:cNvPr>
+          <p:cNvSpPr>
+            <a:spLocks noGrp="1"/>
+          </p:cNvSpPr>
+          <p:nvPr>
+            <p:ph idx="1"/>
+          </p:nvPr>
+        </p:nvSpPr>
+        <p:spPr/>
+        <p:txBody>
+          <a:bodyPr>
+            <a:normAutofit fontScale="70000" lnSpcReduction="20000"/>
+          </a:bodyPr>
+          <a:lstStyle/>
+          <a:p>
+            <a:pPr marL="457200" lvl="1" indent="0">
+              <a:buNone/>
+            </a:pPr>
+            <a:endParaRPr lang="en-US" b="0" i="0" dirty="0">
+              <a:effectLst/>
+              <a:highlight>
+                <a:srgbClr val="FFFFFF"/>
+              </a:highlight>
+              <a:latin typeface="system-ui"/>
+            </a:endParaRPr>
+          </a:p>
+          <a:p>
+            <a:r>
+              <a:rPr lang="en-US" dirty="0"/>
+              <a:t>Borrowers having loans against debt consolidation and Credit Cards are more likely to get into debt trap with high interest rates complicating loan repayment and are likely to default</a:t>
+            </a:r>
+          </a:p>
+          <a:p>
+            <a:r>
+              <a:rPr lang="en-US" dirty="0"/>
+              <a:t>Borrowers with very high Debt to Income ratio are likely to default, additional due diligence needs to be carried out</a:t>
+            </a:r>
+          </a:p>
+          <a:p>
+            <a:r>
+              <a:rPr lang="en-US" dirty="0"/>
+              <a:t>Borrowers with highest grade A are safer compared to lower grades pose high risk</a:t>
+            </a:r>
+          </a:p>
+          <a:p>
+            <a:r>
+              <a:rPr lang="en-US" dirty="0"/>
+              <a:t>Borrowers having annual income less than ~50000 are likely to default more posing risk of repayment</a:t>
+            </a:r>
+          </a:p>
+          <a:p>
+            <a:r>
+              <a:rPr lang="en-US" dirty="0"/>
+              <a:t>Borrowers with Public Recorded Bankruptcies pose higher risk for loan repayment </a:t>
+            </a:r>
+          </a:p>
+          <a:p>
+            <a:r>
+              <a:rPr lang="en-US" dirty="0"/>
+              <a:t>Borrowers with Rented and Mortgaged Home Ownership carry more disk to default loans</a:t>
+            </a:r>
+          </a:p>
+          <a:p>
+            <a:r>
+              <a:rPr lang="en-US" dirty="0"/>
+              <a:t>Borrowers with high interest rates pose high risk to default</a:t>
+            </a:r>
+          </a:p>
+          <a:p>
+            <a:r>
+              <a:rPr lang="en-US" dirty="0"/>
+              <a:t>Even though borrowers with working experience of 10+ years are likely to fully pay, they also pose risk to default loans given the fact borrowers with 10+ years experience are high consumers of loans</a:t>
+            </a:r>
+            <a:endParaRPr lang="en-IN" dirty="0"/>
+          </a:p>
+          <a:p>
+            <a:endParaRPr lang="en-US" dirty="0"/>
+          </a:p>
+          <a:p>
+            <a:endParaRPr lang="en-US" dirty="0"/>
+          </a:p>
+          <a:p>
+            <a:endParaRPr lang="en-US" dirty="0"/>
+          </a:p>
+          <a:p>
+            <a:endParaRPr lang="en-US" dirty="0"/>
+          </a:p>
+          <a:p>
+            <a:endParaRPr lang="en-IN" dirty="0"/>
+          </a:p>
+        </p:txBody>
+      </p:sp>
+    </p:spTree>
+    <p:extLst>
+      <p:ext uri="{BB962C8B-B14F-4D97-AF65-F5344CB8AC3E}">
+        <p14:creationId xmlns:p14="http://schemas.microsoft.com/office/powerpoint/2010/main" val="3891299672"/>
       </p:ext>
     </p:extLst>
   </p:cSld>

--- a/Lending_Club_CaseStudy_Syed_Jereme.pptx
+++ b/Lending_Club_CaseStudy_Syed_Jereme.pptx
@@ -30,13 +30,12 @@
     <p:sldId id="284" r:id="rId24"/>
     <p:sldId id="285" r:id="rId25"/>
     <p:sldId id="286" r:id="rId26"/>
-    <p:sldId id="287" r:id="rId27"/>
-    <p:sldId id="288" r:id="rId28"/>
-    <p:sldId id="266" r:id="rId29"/>
-    <p:sldId id="289" r:id="rId30"/>
-    <p:sldId id="290" r:id="rId31"/>
-    <p:sldId id="291" r:id="rId32"/>
-    <p:sldId id="292" r:id="rId33"/>
+    <p:sldId id="288" r:id="rId27"/>
+    <p:sldId id="266" r:id="rId28"/>
+    <p:sldId id="289" r:id="rId29"/>
+    <p:sldId id="290" r:id="rId30"/>
+    <p:sldId id="291" r:id="rId31"/>
+    <p:sldId id="292" r:id="rId32"/>
   </p:sldIdLst>
   <p:sldSz cx="12192000" cy="6858000"/>
   <p:notesSz cx="6858000" cy="9144000"/>
@@ -3648,6 +3647,42 @@
           </a:xfrm>
         </p:spPr>
       </p:pic>
+      <p:sp>
+        <p:nvSpPr>
+          <p:cNvPr id="3" name="TextBox 2">
+            <a:extLst>
+              <a:ext uri="{FF2B5EF4-FFF2-40B4-BE49-F238E27FC236}">
+                <a16:creationId xmlns:a16="http://schemas.microsoft.com/office/drawing/2014/main" id="{C60EF61B-AE10-C60F-89A2-BBA47CB47A43}"/>
+              </a:ext>
+            </a:extLst>
+          </p:cNvPr>
+          <p:cNvSpPr txBox="1"/>
+          <p:nvPr/>
+        </p:nvSpPr>
+        <p:spPr>
+          <a:xfrm>
+            <a:off x="2695100" y="5843016"/>
+            <a:ext cx="6960964" cy="369332"/>
+          </a:xfrm>
+          <a:prstGeom prst="rect">
+            <a:avLst/>
+          </a:prstGeom>
+          <a:noFill/>
+        </p:spPr>
+        <p:txBody>
+          <a:bodyPr wrap="square" rtlCol="0">
+            <a:spAutoFit/>
+          </a:bodyPr>
+          <a:lstStyle/>
+          <a:p>
+            <a:r>
+              <a:rPr lang="en-US" dirty="0"/>
+              <a:t>Most of the customers has debt to income ratio between 8 - 20</a:t>
+            </a:r>
+            <a:endParaRPr lang="en-IN" dirty="0"/>
+          </a:p>
+        </p:txBody>
+      </p:sp>
     </p:spTree>
     <p:extLst>
       <p:ext uri="{BB962C8B-B14F-4D97-AF65-F5344CB8AC3E}">
@@ -4203,10 +4238,10 @@
       </p:sp>
       <p:pic>
         <p:nvPicPr>
-          <p:cNvPr id="9" name="Content Placeholder 8">
-            <a:extLst>
-              <a:ext uri="{FF2B5EF4-FFF2-40B4-BE49-F238E27FC236}">
-                <a16:creationId xmlns:a16="http://schemas.microsoft.com/office/drawing/2014/main" id="{F0D6F0B0-718D-EB4C-722D-DFBD4453086F}"/>
+          <p:cNvPr id="8" name="Content Placeholder 7">
+            <a:extLst>
+              <a:ext uri="{FF2B5EF4-FFF2-40B4-BE49-F238E27FC236}">
+                <a16:creationId xmlns:a16="http://schemas.microsoft.com/office/drawing/2014/main" id="{AAE3DB9D-5CAA-744F-EED4-58B0B00B1FD4}"/>
               </a:ext>
             </a:extLst>
           </p:cNvPr>
@@ -4225,11 +4260,53 @@
         </p:blipFill>
         <p:spPr>
           <a:xfrm>
-            <a:off x="1627439" y="1825625"/>
-            <a:ext cx="8937122" cy="4351338"/>
+            <a:off x="2732253" y="1825625"/>
+            <a:ext cx="6727494" cy="4351338"/>
           </a:xfrm>
         </p:spPr>
       </p:pic>
+      <p:sp>
+        <p:nvSpPr>
+          <p:cNvPr id="10" name="TextBox 9">
+            <a:extLst>
+              <a:ext uri="{FF2B5EF4-FFF2-40B4-BE49-F238E27FC236}">
+                <a16:creationId xmlns:a16="http://schemas.microsoft.com/office/drawing/2014/main" id="{CC4B5AAD-7945-35F5-5102-2D6DB0A2CD9B}"/>
+              </a:ext>
+            </a:extLst>
+          </p:cNvPr>
+          <p:cNvSpPr txBox="1"/>
+          <p:nvPr/>
+        </p:nvSpPr>
+        <p:spPr>
+          <a:xfrm>
+            <a:off x="1499616" y="6176963"/>
+            <a:ext cx="10213848" cy="369332"/>
+          </a:xfrm>
+          <a:prstGeom prst="rect">
+            <a:avLst/>
+          </a:prstGeom>
+          <a:noFill/>
+        </p:spPr>
+        <p:txBody>
+          <a:bodyPr wrap="square" rtlCol="0">
+            <a:spAutoFit/>
+          </a:bodyPr>
+          <a:lstStyle/>
+          <a:p>
+            <a:r>
+              <a:rPr lang="en-US" b="0" i="0" dirty="0">
+                <a:effectLst/>
+                <a:highlight>
+                  <a:srgbClr val="FFFFFF"/>
+                </a:highlight>
+                <a:latin typeface="system-ui"/>
+              </a:rPr>
+              <a:t>Volume of loans has vastly increased with each year, also indicates approvals have increased</a:t>
+            </a:r>
+            <a:endParaRPr lang="en-IN" dirty="0"/>
+          </a:p>
+        </p:txBody>
+      </p:sp>
     </p:spTree>
     <p:extLst>
       <p:ext uri="{BB962C8B-B14F-4D97-AF65-F5344CB8AC3E}">
@@ -4449,6 +4526,48 @@
           </a:xfrm>
         </p:spPr>
       </p:pic>
+      <p:sp>
+        <p:nvSpPr>
+          <p:cNvPr id="3" name="TextBox 2">
+            <a:extLst>
+              <a:ext uri="{FF2B5EF4-FFF2-40B4-BE49-F238E27FC236}">
+                <a16:creationId xmlns:a16="http://schemas.microsoft.com/office/drawing/2014/main" id="{D394A590-7537-5768-4FEA-445F38E62B08}"/>
+              </a:ext>
+            </a:extLst>
+          </p:cNvPr>
+          <p:cNvSpPr txBox="1"/>
+          <p:nvPr/>
+        </p:nvSpPr>
+        <p:spPr>
+          <a:xfrm>
+            <a:off x="2359152" y="6176963"/>
+            <a:ext cx="8677656" cy="369332"/>
+          </a:xfrm>
+          <a:prstGeom prst="rect">
+            <a:avLst/>
+          </a:prstGeom>
+          <a:noFill/>
+        </p:spPr>
+        <p:txBody>
+          <a:bodyPr wrap="square" rtlCol="0">
+            <a:spAutoFit/>
+          </a:bodyPr>
+          <a:lstStyle/>
+          <a:p>
+            <a:r>
+              <a:rPr lang="en-US" b="0" i="0" dirty="0">
+                <a:effectLst/>
+                <a:highlight>
+                  <a:srgbClr val="FFFFFF"/>
+                </a:highlight>
+                <a:latin typeface="system-ui"/>
+              </a:rPr>
+              <a:t>Borrowers below 50k have high almost half of the defaulters, this can be a risk factor</a:t>
+            </a:r>
+            <a:endParaRPr lang="en-IN" dirty="0"/>
+          </a:p>
+        </p:txBody>
+      </p:sp>
     </p:spTree>
     <p:extLst>
       <p:ext uri="{BB962C8B-B14F-4D97-AF65-F5344CB8AC3E}">
@@ -4537,6 +4656,48 @@
           </a:xfrm>
         </p:spPr>
       </p:pic>
+      <p:sp>
+        <p:nvSpPr>
+          <p:cNvPr id="3" name="TextBox 2">
+            <a:extLst>
+              <a:ext uri="{FF2B5EF4-FFF2-40B4-BE49-F238E27FC236}">
+                <a16:creationId xmlns:a16="http://schemas.microsoft.com/office/drawing/2014/main" id="{003665D3-0139-57FB-EF9B-0D07453001C2}"/>
+              </a:ext>
+            </a:extLst>
+          </p:cNvPr>
+          <p:cNvSpPr txBox="1"/>
+          <p:nvPr/>
+        </p:nvSpPr>
+        <p:spPr>
+          <a:xfrm>
+            <a:off x="1362456" y="6176963"/>
+            <a:ext cx="10113264" cy="646331"/>
+          </a:xfrm>
+          <a:prstGeom prst="rect">
+            <a:avLst/>
+          </a:prstGeom>
+          <a:noFill/>
+        </p:spPr>
+        <p:txBody>
+          <a:bodyPr wrap="square" rtlCol="0">
+            <a:spAutoFit/>
+          </a:bodyPr>
+          <a:lstStyle/>
+          <a:p>
+            <a:r>
+              <a:rPr lang="en-US" b="0" i="0" dirty="0">
+                <a:effectLst/>
+                <a:highlight>
+                  <a:srgbClr val="FFFFFF"/>
+                </a:highlight>
+                <a:latin typeface="system-ui"/>
+              </a:rPr>
+              <a:t>Borrowers with 10+ years have taken more loans and high number of fully paid, defaulters are also comparatively more</a:t>
+            </a:r>
+            <a:endParaRPr lang="en-IN" dirty="0"/>
+          </a:p>
+        </p:txBody>
+      </p:sp>
     </p:spTree>
     <p:extLst>
       <p:ext uri="{BB962C8B-B14F-4D97-AF65-F5344CB8AC3E}">
@@ -4722,6 +4883,48 @@
           </a:xfrm>
         </p:spPr>
       </p:pic>
+      <p:sp>
+        <p:nvSpPr>
+          <p:cNvPr id="3" name="TextBox 2">
+            <a:extLst>
+              <a:ext uri="{FF2B5EF4-FFF2-40B4-BE49-F238E27FC236}">
+                <a16:creationId xmlns:a16="http://schemas.microsoft.com/office/drawing/2014/main" id="{BA35D8FE-4BAC-B9C8-58F0-E2D81DCC0465}"/>
+              </a:ext>
+            </a:extLst>
+          </p:cNvPr>
+          <p:cNvSpPr txBox="1"/>
+          <p:nvPr/>
+        </p:nvSpPr>
+        <p:spPr>
+          <a:xfrm>
+            <a:off x="1481328" y="6173297"/>
+            <a:ext cx="10415016" cy="646331"/>
+          </a:xfrm>
+          <a:prstGeom prst="rect">
+            <a:avLst/>
+          </a:prstGeom>
+          <a:noFill/>
+        </p:spPr>
+        <p:txBody>
+          <a:bodyPr wrap="square" rtlCol="0">
+            <a:spAutoFit/>
+          </a:bodyPr>
+          <a:lstStyle/>
+          <a:p>
+            <a:r>
+              <a:rPr lang="en-US" b="0" i="0" dirty="0">
+                <a:effectLst/>
+                <a:highlight>
+                  <a:srgbClr val="FFFFFF"/>
+                </a:highlight>
+                <a:latin typeface="system-ui"/>
+              </a:rPr>
+              <a:t>The interest rate has increased till 16% and then dropped from 17% for defaulters. For Fully paid , there is drop near 10%</a:t>
+            </a:r>
+            <a:endParaRPr lang="en-IN" dirty="0"/>
+          </a:p>
+        </p:txBody>
+      </p:sp>
     </p:spTree>
     <p:extLst>
       <p:ext uri="{BB962C8B-B14F-4D97-AF65-F5344CB8AC3E}">
@@ -5058,6 +5261,48 @@
           </a:xfrm>
         </p:spPr>
       </p:pic>
+      <p:sp>
+        <p:nvSpPr>
+          <p:cNvPr id="3" name="TextBox 2">
+            <a:extLst>
+              <a:ext uri="{FF2B5EF4-FFF2-40B4-BE49-F238E27FC236}">
+                <a16:creationId xmlns:a16="http://schemas.microsoft.com/office/drawing/2014/main" id="{EBC4DCAC-2EA8-48A9-FB46-DDF896144D6E}"/>
+              </a:ext>
+            </a:extLst>
+          </p:cNvPr>
+          <p:cNvSpPr txBox="1"/>
+          <p:nvPr/>
+        </p:nvSpPr>
+        <p:spPr>
+          <a:xfrm>
+            <a:off x="1234440" y="5839875"/>
+            <a:ext cx="10195560" cy="369332"/>
+          </a:xfrm>
+          <a:prstGeom prst="rect">
+            <a:avLst/>
+          </a:prstGeom>
+          <a:noFill/>
+        </p:spPr>
+        <p:txBody>
+          <a:bodyPr wrap="square" rtlCol="0">
+            <a:spAutoFit/>
+          </a:bodyPr>
+          <a:lstStyle/>
+          <a:p>
+            <a:r>
+              <a:rPr lang="en-US" b="0" i="0" dirty="0">
+                <a:effectLst/>
+                <a:highlight>
+                  <a:srgbClr val="FFFFFF"/>
+                </a:highlight>
+                <a:latin typeface="system-ui"/>
+              </a:rPr>
+              <a:t>Defaulters with RENT and MORTGAGE Home Owners are most likely to default than with OWN homes</a:t>
+            </a:r>
+            <a:endParaRPr lang="en-IN" dirty="0"/>
+          </a:p>
+        </p:txBody>
+      </p:sp>
     </p:spTree>
     <p:extLst>
       <p:ext uri="{BB962C8B-B14F-4D97-AF65-F5344CB8AC3E}">
@@ -5146,6 +5391,68 @@
           </a:xfrm>
         </p:spPr>
       </p:pic>
+      <p:sp>
+        <p:nvSpPr>
+          <p:cNvPr id="3" name="TextBox 2">
+            <a:extLst>
+              <a:ext uri="{FF2B5EF4-FFF2-40B4-BE49-F238E27FC236}">
+                <a16:creationId xmlns:a16="http://schemas.microsoft.com/office/drawing/2014/main" id="{B4126ED1-14AE-DBBE-7700-2051EF6C6029}"/>
+              </a:ext>
+            </a:extLst>
+          </p:cNvPr>
+          <p:cNvSpPr txBox="1"/>
+          <p:nvPr/>
+        </p:nvSpPr>
+        <p:spPr>
+          <a:xfrm>
+            <a:off x="1697873" y="6053328"/>
+            <a:ext cx="9777847" cy="646331"/>
+          </a:xfrm>
+          <a:prstGeom prst="rect">
+            <a:avLst/>
+          </a:prstGeom>
+          <a:noFill/>
+        </p:spPr>
+        <p:txBody>
+          <a:bodyPr wrap="square" rtlCol="0">
+            <a:spAutoFit/>
+          </a:bodyPr>
+          <a:lstStyle/>
+          <a:p>
+            <a:r>
+              <a:rPr lang="en-US" b="0" i="0" dirty="0">
+                <a:effectLst/>
+                <a:highlight>
+                  <a:srgbClr val="FFFFFF"/>
+                </a:highlight>
+                <a:latin typeface="system-ui"/>
+              </a:rPr>
+              <a:t>The Loan Status varies with DTI ratio, we can see that the loans in DTI ratio 10-15 have higher number of defaulted loan but higher </a:t>
+            </a:r>
+            <a:r>
+              <a:rPr lang="en-US" b="0" i="0" dirty="0" err="1">
+                <a:effectLst/>
+                <a:highlight>
+                  <a:srgbClr val="FFFFFF"/>
+                </a:highlight>
+                <a:latin typeface="system-ui"/>
+              </a:rPr>
+              <a:t>dti</a:t>
+            </a:r>
+            <a:r>
+              <a:rPr lang="en-US" b="0" i="0" dirty="0">
+                <a:effectLst/>
+                <a:highlight>
+                  <a:srgbClr val="FFFFFF"/>
+                </a:highlight>
+                <a:latin typeface="system-ui"/>
+              </a:rPr>
+              <a:t> has higher chance of defaulting</a:t>
+            </a:r>
+            <a:endParaRPr lang="en-IN" dirty="0"/>
+          </a:p>
+        </p:txBody>
+      </p:sp>
     </p:spTree>
     <p:extLst>
       <p:ext uri="{BB962C8B-B14F-4D97-AF65-F5344CB8AC3E}">
@@ -5323,94 +5630,6 @@
           <a:p>
             <a:r>
               <a:rPr lang="en-US" dirty="0"/>
-              <a:t>Comparison of DTI Based On Grade For Loan Status</a:t>
-            </a:r>
-            <a:endParaRPr lang="en-IN" dirty="0"/>
-          </a:p>
-        </p:txBody>
-      </p:sp>
-      <p:pic>
-        <p:nvPicPr>
-          <p:cNvPr id="7" name="Content Placeholder 6">
-            <a:extLst>
-              <a:ext uri="{FF2B5EF4-FFF2-40B4-BE49-F238E27FC236}">
-                <a16:creationId xmlns:a16="http://schemas.microsoft.com/office/drawing/2014/main" id="{25E710ED-46E4-506F-A8D5-8DF342ADE195}"/>
-              </a:ext>
-            </a:extLst>
-          </p:cNvPr>
-          <p:cNvPicPr>
-            <a:picLocks noGrp="1" noChangeAspect="1"/>
-          </p:cNvPicPr>
-          <p:nvPr>
-            <p:ph idx="1"/>
-          </p:nvPr>
-        </p:nvPicPr>
-        <p:blipFill>
-          <a:blip r:embed="rId2"/>
-          <a:stretch>
-            <a:fillRect/>
-          </a:stretch>
-        </p:blipFill>
-        <p:spPr>
-          <a:xfrm>
-            <a:off x="1905123" y="1825625"/>
-            <a:ext cx="8381753" cy="4351338"/>
-          </a:xfrm>
-        </p:spPr>
-      </p:pic>
-    </p:spTree>
-    <p:extLst>
-      <p:ext uri="{BB962C8B-B14F-4D97-AF65-F5344CB8AC3E}">
-        <p14:creationId xmlns:p14="http://schemas.microsoft.com/office/powerpoint/2010/main" val="3624697492"/>
-      </p:ext>
-    </p:extLst>
-  </p:cSld>
-  <p:clrMapOvr>
-    <a:masterClrMapping/>
-  </p:clrMapOvr>
-</p:sld>
-</file>
-
-<file path=ppt/slides/slide27.xml><?xml version="1.0" encoding="utf-8"?>
-<p:sld xmlns:a="http://schemas.openxmlformats.org/drawingml/2006/main" xmlns:r="http://schemas.openxmlformats.org/officeDocument/2006/relationships" xmlns:p="http://schemas.openxmlformats.org/presentationml/2006/main">
-  <p:cSld>
-    <p:spTree>
-      <p:nvGrpSpPr>
-        <p:cNvPr id="1" name=""/>
-        <p:cNvGrpSpPr/>
-        <p:nvPr/>
-      </p:nvGrpSpPr>
-      <p:grpSpPr>
-        <a:xfrm>
-          <a:off x="0" y="0"/>
-          <a:ext cx="0" cy="0"/>
-          <a:chOff x="0" y="0"/>
-          <a:chExt cx="0" cy="0"/>
-        </a:xfrm>
-      </p:grpSpPr>
-      <p:sp>
-        <p:nvSpPr>
-          <p:cNvPr id="2" name="Title 1">
-            <a:extLst>
-              <a:ext uri="{FF2B5EF4-FFF2-40B4-BE49-F238E27FC236}">
-                <a16:creationId xmlns:a16="http://schemas.microsoft.com/office/drawing/2014/main" id="{3FBEDED4-628C-36AD-5EF5-2206E52E0D87}"/>
-              </a:ext>
-            </a:extLst>
-          </p:cNvPr>
-          <p:cNvSpPr>
-            <a:spLocks noGrp="1"/>
-          </p:cNvSpPr>
-          <p:nvPr>
-            <p:ph type="title"/>
-          </p:nvPr>
-        </p:nvSpPr>
-        <p:spPr/>
-        <p:txBody>
-          <a:bodyPr/>
-          <a:lstStyle/>
-          <a:p>
-            <a:r>
-              <a:rPr lang="en-US" dirty="0"/>
               <a:t>Correlation Heatmap Including Categorical Variables</a:t>
             </a:r>
             <a:endParaRPr lang="en-IN" dirty="0"/>
@@ -5459,6 +5678,206 @@
 </p:sld>
 </file>
 
+<file path=ppt/slides/slide27.xml><?xml version="1.0" encoding="utf-8"?>
+<p:sld xmlns:a="http://schemas.openxmlformats.org/drawingml/2006/main" xmlns:r="http://schemas.openxmlformats.org/officeDocument/2006/relationships" xmlns:p="http://schemas.openxmlformats.org/presentationml/2006/main">
+  <p:cSld>
+    <p:spTree>
+      <p:nvGrpSpPr>
+        <p:cNvPr id="1" name=""/>
+        <p:cNvGrpSpPr/>
+        <p:nvPr/>
+      </p:nvGrpSpPr>
+      <p:grpSpPr>
+        <a:xfrm>
+          <a:off x="0" y="0"/>
+          <a:ext cx="0" cy="0"/>
+          <a:chOff x="0" y="0"/>
+          <a:chExt cx="0" cy="0"/>
+        </a:xfrm>
+      </p:grpSpPr>
+      <p:sp>
+        <p:nvSpPr>
+          <p:cNvPr id="2" name="Title 1">
+            <a:extLst>
+              <a:ext uri="{FF2B5EF4-FFF2-40B4-BE49-F238E27FC236}">
+                <a16:creationId xmlns:a16="http://schemas.microsoft.com/office/drawing/2014/main" id="{3FBEDED4-628C-36AD-5EF5-2206E52E0D87}"/>
+              </a:ext>
+            </a:extLst>
+          </p:cNvPr>
+          <p:cNvSpPr>
+            <a:spLocks noGrp="1"/>
+          </p:cNvSpPr>
+          <p:nvPr>
+            <p:ph type="title"/>
+          </p:nvPr>
+        </p:nvSpPr>
+        <p:spPr/>
+        <p:txBody>
+          <a:bodyPr/>
+          <a:lstStyle/>
+          <a:p>
+            <a:r>
+              <a:rPr lang="en-US" dirty="0"/>
+              <a:t>Observations</a:t>
+            </a:r>
+            <a:endParaRPr lang="en-IN" dirty="0"/>
+          </a:p>
+        </p:txBody>
+      </p:sp>
+      <p:sp>
+        <p:nvSpPr>
+          <p:cNvPr id="3" name="Content Placeholder 2">
+            <a:extLst>
+              <a:ext uri="{FF2B5EF4-FFF2-40B4-BE49-F238E27FC236}">
+                <a16:creationId xmlns:a16="http://schemas.microsoft.com/office/drawing/2014/main" id="{7B8F7E1E-0CC1-61CF-563A-584AFC254CFD}"/>
+              </a:ext>
+            </a:extLst>
+          </p:cNvPr>
+          <p:cNvSpPr>
+            <a:spLocks noGrp="1"/>
+          </p:cNvSpPr>
+          <p:nvPr>
+            <p:ph idx="1"/>
+          </p:nvPr>
+        </p:nvSpPr>
+        <p:spPr>
+          <a:xfrm>
+            <a:off x="838200" y="1690688"/>
+            <a:ext cx="10515600" cy="4486275"/>
+          </a:xfrm>
+        </p:spPr>
+        <p:txBody>
+          <a:bodyPr>
+            <a:normAutofit/>
+          </a:bodyPr>
+          <a:lstStyle/>
+          <a:p>
+            <a:pPr algn="l"/>
+            <a:r>
+              <a:rPr lang="en-US" b="1" i="0" dirty="0">
+                <a:effectLst/>
+                <a:highlight>
+                  <a:srgbClr val="FFFFFF"/>
+                </a:highlight>
+                <a:latin typeface="system-ui"/>
+              </a:rPr>
+              <a:t>Univariate Analysis</a:t>
+            </a:r>
+          </a:p>
+          <a:p>
+            <a:pPr lvl="1"/>
+            <a:r>
+              <a:rPr lang="en-US" b="0" i="0" dirty="0">
+                <a:effectLst/>
+                <a:highlight>
+                  <a:srgbClr val="FFFFFF"/>
+                </a:highlight>
+                <a:latin typeface="system-ui"/>
+              </a:rPr>
+              <a:t>Defaulter's loans are lower in numbers compared to Non-Defaulters (Fully Paid)</a:t>
+            </a:r>
+          </a:p>
+          <a:p>
+            <a:pPr lvl="1"/>
+            <a:r>
+              <a:rPr lang="en-US" b="0" i="0" dirty="0">
+                <a:effectLst/>
+                <a:highlight>
+                  <a:srgbClr val="FFFFFF"/>
+                </a:highlight>
+                <a:latin typeface="system-ui"/>
+              </a:rPr>
+              <a:t>Loan amount has a range of loans from 500 to 35k with a mean of 9.8k</a:t>
+            </a:r>
+          </a:p>
+          <a:p>
+            <a:pPr lvl="1"/>
+            <a:r>
+              <a:rPr lang="en-US" b="0" i="0" dirty="0">
+                <a:effectLst/>
+                <a:highlight>
+                  <a:srgbClr val="FFFFFF"/>
+                </a:highlight>
+                <a:latin typeface="system-ui"/>
+              </a:rPr>
+              <a:t>The loans in 60 months term mostly consist of grade B, C and D loans whereas the loans in 36 months term majorly consist of grade A and B loans</a:t>
+            </a:r>
+          </a:p>
+          <a:p>
+            <a:pPr lvl="1"/>
+            <a:r>
+              <a:rPr lang="en-US" b="0" i="0" dirty="0">
+                <a:effectLst/>
+                <a:highlight>
+                  <a:srgbClr val="FFFFFF"/>
+                </a:highlight>
+                <a:latin typeface="system-ui"/>
+              </a:rPr>
+              <a:t>More than half of the loan taken has term of 36 months compared to 60 months</a:t>
+            </a:r>
+          </a:p>
+          <a:p>
+            <a:pPr lvl="1"/>
+            <a:r>
+              <a:rPr lang="en-US" b="0" i="0" dirty="0">
+                <a:effectLst/>
+                <a:highlight>
+                  <a:srgbClr val="FFFFFF"/>
+                </a:highlight>
+                <a:latin typeface="system-ui"/>
+              </a:rPr>
+              <a:t>Interest rate is more crowded between 5-10 and 10-15 along with a drop near 10%</a:t>
+            </a:r>
+          </a:p>
+          <a:p>
+            <a:pPr lvl="1"/>
+            <a:r>
+              <a:rPr lang="en-US" b="0" i="0" dirty="0">
+                <a:effectLst/>
+                <a:highlight>
+                  <a:srgbClr val="FFFFFF"/>
+                </a:highlight>
+                <a:latin typeface="system-ui"/>
+              </a:rPr>
+              <a:t>Lot of loans are in Grade A and Grade B, meaning loans are approved more for higher grades</a:t>
+            </a:r>
+          </a:p>
+          <a:p>
+            <a:pPr marL="0" indent="0">
+              <a:buNone/>
+            </a:pPr>
+            <a:endParaRPr lang="en-IN" dirty="0"/>
+          </a:p>
+          <a:p>
+            <a:endParaRPr lang="en-US" dirty="0"/>
+          </a:p>
+          <a:p>
+            <a:endParaRPr lang="en-US" dirty="0"/>
+          </a:p>
+          <a:p>
+            <a:endParaRPr lang="en-US" dirty="0"/>
+          </a:p>
+          <a:p>
+            <a:endParaRPr lang="en-US" dirty="0"/>
+          </a:p>
+          <a:p>
+            <a:endParaRPr lang="en-IN" dirty="0"/>
+          </a:p>
+        </p:txBody>
+      </p:sp>
+    </p:spTree>
+    <p:extLst>
+      <p:ext uri="{BB962C8B-B14F-4D97-AF65-F5344CB8AC3E}">
+        <p14:creationId xmlns:p14="http://schemas.microsoft.com/office/powerpoint/2010/main" val="2205630649"/>
+      </p:ext>
+    </p:extLst>
+  </p:cSld>
+  <p:clrMapOvr>
+    <a:masterClrMapping/>
+  </p:clrMapOvr>
+</p:sld>
+</file>
+
 <file path=ppt/slides/slide28.xml><?xml version="1.0" encoding="utf-8"?>
 <p:sld xmlns:a="http://schemas.openxmlformats.org/drawingml/2006/main" xmlns:r="http://schemas.openxmlformats.org/officeDocument/2006/relationships" xmlns:p="http://schemas.openxmlformats.org/presentationml/2006/main">
   <p:cSld>
@@ -5499,7 +5918,7 @@
           <a:p>
             <a:r>
               <a:rPr lang="en-US" dirty="0"/>
-              <a:t>Conclusion</a:t>
+              <a:t>Observations</a:t>
             </a:r>
             <a:endParaRPr lang="en-IN" dirty="0"/>
           </a:p>
@@ -5521,15 +5940,10 @@
             <p:ph idx="1"/>
           </p:nvPr>
         </p:nvSpPr>
-        <p:spPr>
-          <a:xfrm>
-            <a:off x="838200" y="1690688"/>
-            <a:ext cx="10515600" cy="4486275"/>
-          </a:xfrm>
-        </p:spPr>
+        <p:spPr/>
         <p:txBody>
           <a:bodyPr>
-            <a:normAutofit/>
+            <a:normAutofit fontScale="85000" lnSpcReduction="20000"/>
           </a:bodyPr>
           <a:lstStyle/>
           <a:p>
@@ -5542,7 +5956,7 @@
                 </a:highlight>
                 <a:latin typeface="system-ui"/>
               </a:rPr>
-              <a:t>Univariate Analysis</a:t>
+              <a:t>Segmented Univariate Analysis</a:t>
             </a:r>
           </a:p>
           <a:p>
@@ -5555,7 +5969,7 @@
                 </a:highlight>
                 <a:latin typeface="system-ui"/>
               </a:rPr>
-              <a:t>Defaulter's loans are lower in numbers compared to Non-Defaulters (Fully Paid)</a:t>
+              <a:t>High number of loans are issued in 12th months and year 2011</a:t>
             </a:r>
           </a:p>
           <a:p>
@@ -5568,7 +5982,7 @@
                 </a:highlight>
                 <a:latin typeface="system-ui"/>
               </a:rPr>
-              <a:t>Loan amount has a range of loans from 500 to 35k with a mean of 9.8k</a:t>
+              <a:t>Borrowers below 50k have high almost half of the defaulters, this can be a risk factor</a:t>
             </a:r>
           </a:p>
           <a:p>
@@ -5581,7 +5995,7 @@
                 </a:highlight>
                 <a:latin typeface="system-ui"/>
               </a:rPr>
-              <a:t>The loans in 60 months term mostly consist of grade B, C and D loans whereas the loans in 36 months term majorly consist of grade A and B loans</a:t>
+              <a:t>Volume of loans has vastly increased with each year, also indicates approvals have increased</a:t>
             </a:r>
           </a:p>
           <a:p>
@@ -5594,7 +6008,7 @@
                 </a:highlight>
                 <a:latin typeface="system-ui"/>
               </a:rPr>
-              <a:t>More than half of the loan taken has term of 36 months compared to 60 months</a:t>
+              <a:t>Borrowers with 10+ years have taken more loans and high number of fully paid, defaulters are also comparatively more</a:t>
             </a:r>
           </a:p>
           <a:p>
@@ -5607,7 +6021,7 @@
                 </a:highlight>
                 <a:latin typeface="system-ui"/>
               </a:rPr>
-              <a:t>Interest rate is more crowded between 5-10 and 10-15 along with a drop near 10%</a:t>
+              <a:t>The interest rate has increased till 16% and then dropped from 17% for defaulters. For Fully paid, there is drop near 10%</a:t>
             </a:r>
           </a:p>
           <a:p>
@@ -5620,8 +6034,59 @@
                 </a:highlight>
                 <a:latin typeface="system-ui"/>
               </a:rPr>
-              <a:t>Lot of loans are in Grade A and Grade B, meaning loans are approved more for higher grades</a:t>
-            </a:r>
+              <a:t>Defaulters with RENT and MORTGAGE Home Owners are most likely to default than wit OWN homes</a:t>
+            </a:r>
+          </a:p>
+          <a:p>
+            <a:pPr lvl="1"/>
+            <a:r>
+              <a:rPr lang="en-US" b="0" i="0" dirty="0">
+                <a:effectLst/>
+                <a:highlight>
+                  <a:srgbClr val="FFFFFF"/>
+                </a:highlight>
+                <a:latin typeface="system-ui"/>
+              </a:rPr>
+              <a:t>The Loan Status varies with DTI ratio; we can see that the loans in DTI of 10-15% have higher number of defaulted loan, higher the DTI more chance of defaulting.</a:t>
+            </a:r>
+          </a:p>
+          <a:p>
+            <a:pPr lvl="1"/>
+            <a:r>
+              <a:rPr lang="en-US" b="0" i="0" dirty="0">
+                <a:effectLst/>
+                <a:highlight>
+                  <a:srgbClr val="FFFFFF"/>
+                </a:highlight>
+                <a:latin typeface="system-ui"/>
+              </a:rPr>
+              <a:t>A high percentage of loans are taken for the purpose of debt consolidation followed by credit card</a:t>
+            </a:r>
+          </a:p>
+          <a:p>
+            <a:pPr lvl="1"/>
+            <a:r>
+              <a:rPr lang="en-US" b="0" i="0" dirty="0">
+                <a:effectLst/>
+                <a:highlight>
+                  <a:srgbClr val="FFFFFF"/>
+                </a:highlight>
+                <a:latin typeface="system-ui"/>
+              </a:rPr>
+              <a:t>Compared to Sub grades of A, more numbers of defaulters are in Sub Grade of B &amp; C, this us a risk factor</a:t>
+            </a:r>
+          </a:p>
+          <a:p>
+            <a:pPr marL="0" indent="0">
+              <a:buNone/>
+            </a:pPr>
+            <a:endParaRPr lang="en-US" b="0" i="0" dirty="0">
+              <a:effectLst/>
+              <a:highlight>
+                <a:srgbClr val="FFFFFF"/>
+              </a:highlight>
+              <a:latin typeface="system-ui"/>
+            </a:endParaRPr>
           </a:p>
           <a:p>
             <a:pPr marL="0" indent="0">
@@ -5649,7 +6114,7 @@
     </p:spTree>
     <p:extLst>
       <p:ext uri="{BB962C8B-B14F-4D97-AF65-F5344CB8AC3E}">
-        <p14:creationId xmlns:p14="http://schemas.microsoft.com/office/powerpoint/2010/main" val="2205630649"/>
+        <p14:creationId xmlns:p14="http://schemas.microsoft.com/office/powerpoint/2010/main" val="2996578205"/>
       </p:ext>
     </p:extLst>
   </p:cSld>
@@ -5699,7 +6164,7 @@
           <a:p>
             <a:r>
               <a:rPr lang="en-US" dirty="0"/>
-              <a:t>Conclusion</a:t>
+              <a:t>Observations</a:t>
             </a:r>
             <a:endParaRPr lang="en-IN" dirty="0"/>
           </a:p>
@@ -5724,7 +6189,7 @@
         <p:spPr/>
         <p:txBody>
           <a:bodyPr>
-            <a:normAutofit fontScale="85000" lnSpcReduction="20000"/>
+            <a:normAutofit/>
           </a:bodyPr>
           <a:lstStyle/>
           <a:p>
@@ -5737,7 +6202,7 @@
                 </a:highlight>
                 <a:latin typeface="system-ui"/>
               </a:rPr>
-              <a:t>Segmented Univariate Analysis</a:t>
+              <a:t>Bivariate Analysis</a:t>
             </a:r>
           </a:p>
           <a:p>
@@ -5750,7 +6215,7 @@
                 </a:highlight>
                 <a:latin typeface="system-ui"/>
               </a:rPr>
-              <a:t>High number of loans are issued in 12th months and year 2011</a:t>
+              <a:t>The rate of interest is inversely proportional to Grades meaning higher the grade, lower is the interest rate. Grade is a risk factor.</a:t>
             </a:r>
           </a:p>
           <a:p>
@@ -5763,7 +6228,7 @@
                 </a:highlight>
                 <a:latin typeface="system-ui"/>
               </a:rPr>
-              <a:t>Borrowers below 50k have high almost half of the defaulters, this can be a risk factor</a:t>
+              <a:t>Most of the borrowers don't have bankruptcy records and are safe choice for loan approvals</a:t>
             </a:r>
           </a:p>
           <a:p>
@@ -5776,7 +6241,7 @@
                 </a:highlight>
                 <a:latin typeface="system-ui"/>
               </a:rPr>
-              <a:t>Volume of loans has vastly increased with each year, also indicates approvals have increased</a:t>
+              <a:t>The Grade A which is lowest risk also has lowest DTI ratio which we can say that higher grade has lower rate of default</a:t>
             </a:r>
           </a:p>
           <a:p>
@@ -5789,76 +6254,11 @@
                 </a:highlight>
                 <a:latin typeface="system-ui"/>
               </a:rPr>
-              <a:t>Borrowers with 10+ years have taken more loans and high number of fully paid, defaulters are also comparatively more</a:t>
-            </a:r>
-          </a:p>
-          <a:p>
-            <a:pPr lvl="1"/>
-            <a:r>
-              <a:rPr lang="en-US" b="0" i="0" dirty="0">
-                <a:effectLst/>
-                <a:highlight>
-                  <a:srgbClr val="FFFFFF"/>
-                </a:highlight>
-                <a:latin typeface="system-ui"/>
-              </a:rPr>
-              <a:t>The interest rate has increased till 16% and then dropped from 17% for defaulters. For Fully paid, there is drop near 10%</a:t>
-            </a:r>
-          </a:p>
-          <a:p>
-            <a:pPr lvl="1"/>
-            <a:r>
-              <a:rPr lang="en-US" b="0" i="0" dirty="0">
-                <a:effectLst/>
-                <a:highlight>
-                  <a:srgbClr val="FFFFFF"/>
-                </a:highlight>
-                <a:latin typeface="system-ui"/>
-              </a:rPr>
-              <a:t>Defaulters with RENT and MORTGAGE Home Owners are most likely to default than wit OWN homes</a:t>
-            </a:r>
-          </a:p>
-          <a:p>
-            <a:pPr lvl="1"/>
-            <a:r>
-              <a:rPr lang="en-US" b="0" i="0" dirty="0">
-                <a:effectLst/>
-                <a:highlight>
-                  <a:srgbClr val="FFFFFF"/>
-                </a:highlight>
-                <a:latin typeface="system-ui"/>
-              </a:rPr>
-              <a:t>The Loan Status varies with DTI ratio; we can see that the loans in DTI of 10-15% have higher number of defaulted loan, higher the DTI more chance of defaulting.</a:t>
-            </a:r>
-          </a:p>
-          <a:p>
-            <a:pPr lvl="1"/>
-            <a:r>
-              <a:rPr lang="en-US" b="0" i="0" dirty="0">
-                <a:effectLst/>
-                <a:highlight>
-                  <a:srgbClr val="FFFFFF"/>
-                </a:highlight>
-                <a:latin typeface="system-ui"/>
-              </a:rPr>
-              <a:t>A high percentage of loans are taken for the purpose of debt consolidation followed by credit card</a:t>
-            </a:r>
-          </a:p>
-          <a:p>
-            <a:pPr lvl="1"/>
-            <a:r>
-              <a:rPr lang="en-US" b="0" i="0" dirty="0">
-                <a:effectLst/>
-                <a:highlight>
-                  <a:srgbClr val="FFFFFF"/>
-                </a:highlight>
-                <a:latin typeface="system-ui"/>
-              </a:rPr>
-              <a:t>Compared to Sub grades of A, more numbers of defaulters are in Sub Grade of B &amp; C, this us a risk factor</a:t>
-            </a:r>
-          </a:p>
-          <a:p>
-            <a:pPr marL="0" indent="0">
+              <a:t>The borrowers are mostly having no record of Public Recorded Bankruptcy and are safe choice for loan issue.</a:t>
+            </a:r>
+          </a:p>
+          <a:p>
+            <a:pPr marL="457200" lvl="1" indent="0">
               <a:buNone/>
             </a:pPr>
             <a:endParaRPr lang="en-US" b="0" i="0" dirty="0">
@@ -5895,7 +6295,7 @@
     </p:spTree>
     <p:extLst>
       <p:ext uri="{BB962C8B-B14F-4D97-AF65-F5344CB8AC3E}">
-        <p14:creationId xmlns:p14="http://schemas.microsoft.com/office/powerpoint/2010/main" val="2996578205"/>
+        <p14:creationId xmlns:p14="http://schemas.microsoft.com/office/powerpoint/2010/main" val="4176866561"/>
       </p:ext>
     </p:extLst>
   </p:cSld>
@@ -6051,187 +6451,6 @@
           <a:lstStyle/>
           <a:p>
             <a:r>
-              <a:rPr lang="en-US" dirty="0"/>
-              <a:t>Conclusion</a:t>
-            </a:r>
-            <a:endParaRPr lang="en-IN" dirty="0"/>
-          </a:p>
-        </p:txBody>
-      </p:sp>
-      <p:sp>
-        <p:nvSpPr>
-          <p:cNvPr id="3" name="Content Placeholder 2">
-            <a:extLst>
-              <a:ext uri="{FF2B5EF4-FFF2-40B4-BE49-F238E27FC236}">
-                <a16:creationId xmlns:a16="http://schemas.microsoft.com/office/drawing/2014/main" id="{7B8F7E1E-0CC1-61CF-563A-584AFC254CFD}"/>
-              </a:ext>
-            </a:extLst>
-          </p:cNvPr>
-          <p:cNvSpPr>
-            <a:spLocks noGrp="1"/>
-          </p:cNvSpPr>
-          <p:nvPr>
-            <p:ph idx="1"/>
-          </p:nvPr>
-        </p:nvSpPr>
-        <p:spPr/>
-        <p:txBody>
-          <a:bodyPr>
-            <a:normAutofit/>
-          </a:bodyPr>
-          <a:lstStyle/>
-          <a:p>
-            <a:pPr algn="l"/>
-            <a:r>
-              <a:rPr lang="en-US" b="1" i="0" dirty="0">
-                <a:effectLst/>
-                <a:highlight>
-                  <a:srgbClr val="FFFFFF"/>
-                </a:highlight>
-                <a:latin typeface="system-ui"/>
-              </a:rPr>
-              <a:t>Bivariate Analysis</a:t>
-            </a:r>
-          </a:p>
-          <a:p>
-            <a:pPr lvl="1"/>
-            <a:r>
-              <a:rPr lang="en-US" b="0" i="0" dirty="0">
-                <a:effectLst/>
-                <a:highlight>
-                  <a:srgbClr val="FFFFFF"/>
-                </a:highlight>
-                <a:latin typeface="system-ui"/>
-              </a:rPr>
-              <a:t>The rate of interest is inversely proportional to Grades meaning higher the grade, lower is the interest rate. Grade is a risk factor.</a:t>
-            </a:r>
-          </a:p>
-          <a:p>
-            <a:pPr lvl="1"/>
-            <a:r>
-              <a:rPr lang="en-US" b="0" i="0" dirty="0">
-                <a:effectLst/>
-                <a:highlight>
-                  <a:srgbClr val="FFFFFF"/>
-                </a:highlight>
-                <a:latin typeface="system-ui"/>
-              </a:rPr>
-              <a:t>Most of the borrowers don't have bankruptcy records and are safe choice for loan approvals</a:t>
-            </a:r>
-          </a:p>
-          <a:p>
-            <a:pPr lvl="1"/>
-            <a:r>
-              <a:rPr lang="en-US" b="0" i="0" dirty="0">
-                <a:effectLst/>
-                <a:highlight>
-                  <a:srgbClr val="FFFFFF"/>
-                </a:highlight>
-                <a:latin typeface="system-ui"/>
-              </a:rPr>
-              <a:t>The Grade A which is lowest risk also has lowest DTI ratio which we can say that higher grade has lower rate of default</a:t>
-            </a:r>
-          </a:p>
-          <a:p>
-            <a:pPr lvl="1"/>
-            <a:r>
-              <a:rPr lang="en-US" b="0" i="0" dirty="0">
-                <a:effectLst/>
-                <a:highlight>
-                  <a:srgbClr val="FFFFFF"/>
-                </a:highlight>
-                <a:latin typeface="system-ui"/>
-              </a:rPr>
-              <a:t>The borrowers are mostly having no record of Public Recorded Bankruptcy and are safe choice for loan issue.</a:t>
-            </a:r>
-          </a:p>
-          <a:p>
-            <a:pPr marL="457200" lvl="1" indent="0">
-              <a:buNone/>
-            </a:pPr>
-            <a:endParaRPr lang="en-US" b="0" i="0" dirty="0">
-              <a:effectLst/>
-              <a:highlight>
-                <a:srgbClr val="FFFFFF"/>
-              </a:highlight>
-              <a:latin typeface="system-ui"/>
-            </a:endParaRPr>
-          </a:p>
-          <a:p>
-            <a:pPr marL="0" indent="0">
-              <a:buNone/>
-            </a:pPr>
-            <a:endParaRPr lang="en-IN" dirty="0"/>
-          </a:p>
-          <a:p>
-            <a:endParaRPr lang="en-US" dirty="0"/>
-          </a:p>
-          <a:p>
-            <a:endParaRPr lang="en-US" dirty="0"/>
-          </a:p>
-          <a:p>
-            <a:endParaRPr lang="en-US" dirty="0"/>
-          </a:p>
-          <a:p>
-            <a:endParaRPr lang="en-US" dirty="0"/>
-          </a:p>
-          <a:p>
-            <a:endParaRPr lang="en-IN" dirty="0"/>
-          </a:p>
-        </p:txBody>
-      </p:sp>
-    </p:spTree>
-    <p:extLst>
-      <p:ext uri="{BB962C8B-B14F-4D97-AF65-F5344CB8AC3E}">
-        <p14:creationId xmlns:p14="http://schemas.microsoft.com/office/powerpoint/2010/main" val="4176866561"/>
-      </p:ext>
-    </p:extLst>
-  </p:cSld>
-  <p:clrMapOvr>
-    <a:masterClrMapping/>
-  </p:clrMapOvr>
-</p:sld>
-</file>
-
-<file path=ppt/slides/slide31.xml><?xml version="1.0" encoding="utf-8"?>
-<p:sld xmlns:a="http://schemas.openxmlformats.org/drawingml/2006/main" xmlns:r="http://schemas.openxmlformats.org/officeDocument/2006/relationships" xmlns:p="http://schemas.openxmlformats.org/presentationml/2006/main">
-  <p:cSld>
-    <p:spTree>
-      <p:nvGrpSpPr>
-        <p:cNvPr id="1" name=""/>
-        <p:cNvGrpSpPr/>
-        <p:nvPr/>
-      </p:nvGrpSpPr>
-      <p:grpSpPr>
-        <a:xfrm>
-          <a:off x="0" y="0"/>
-          <a:ext cx="0" cy="0"/>
-          <a:chOff x="0" y="0"/>
-          <a:chExt cx="0" cy="0"/>
-        </a:xfrm>
-      </p:grpSpPr>
-      <p:sp>
-        <p:nvSpPr>
-          <p:cNvPr id="2" name="Title 1">
-            <a:extLst>
-              <a:ext uri="{FF2B5EF4-FFF2-40B4-BE49-F238E27FC236}">
-                <a16:creationId xmlns:a16="http://schemas.microsoft.com/office/drawing/2014/main" id="{3FBEDED4-628C-36AD-5EF5-2206E52E0D87}"/>
-              </a:ext>
-            </a:extLst>
-          </p:cNvPr>
-          <p:cNvSpPr>
-            <a:spLocks noGrp="1"/>
-          </p:cNvSpPr>
-          <p:nvPr>
-            <p:ph type="title"/>
-          </p:nvPr>
-        </p:nvSpPr>
-        <p:spPr/>
-        <p:txBody>
-          <a:bodyPr/>
-          <a:lstStyle/>
-          <a:p>
-            <a:r>
               <a:rPr lang="en-IN" i="0" dirty="0">
                 <a:effectLst/>
                 <a:highlight>
@@ -6357,7 +6576,7 @@
 </p:sld>
 </file>
 
-<file path=ppt/slides/slide32.xml><?xml version="1.0" encoding="utf-8"?>
+<file path=ppt/slides/slide31.xml><?xml version="1.0" encoding="utf-8"?>
 <p:sld xmlns:a="http://schemas.openxmlformats.org/drawingml/2006/main" xmlns:r="http://schemas.openxmlformats.org/officeDocument/2006/relationships" xmlns:p="http://schemas.openxmlformats.org/presentationml/2006/main">
   <p:cSld>
     <p:spTree>

--- a/Lending_Club_CaseStudy_Syed_Jereme.pptx
+++ b/Lending_Club_CaseStudy_Syed_Jereme.pptx
@@ -30,12 +30,14 @@
     <p:sldId id="284" r:id="rId24"/>
     <p:sldId id="285" r:id="rId25"/>
     <p:sldId id="286" r:id="rId26"/>
-    <p:sldId id="288" r:id="rId27"/>
-    <p:sldId id="266" r:id="rId28"/>
-    <p:sldId id="289" r:id="rId29"/>
-    <p:sldId id="290" r:id="rId30"/>
-    <p:sldId id="291" r:id="rId31"/>
-    <p:sldId id="292" r:id="rId32"/>
+    <p:sldId id="293" r:id="rId27"/>
+    <p:sldId id="294" r:id="rId28"/>
+    <p:sldId id="288" r:id="rId29"/>
+    <p:sldId id="266" r:id="rId30"/>
+    <p:sldId id="289" r:id="rId31"/>
+    <p:sldId id="290" r:id="rId32"/>
+    <p:sldId id="291" r:id="rId33"/>
+    <p:sldId id="292" r:id="rId34"/>
   </p:sldIdLst>
   <p:sldSz cx="12192000" cy="6858000"/>
   <p:notesSz cx="6858000" cy="9144000"/>
@@ -5167,7 +5169,7 @@
           <a:p>
             <a:r>
               <a:rPr lang="en-US" dirty="0"/>
-              <a:t>Customers who have public record of Bankruptcies tend to default more</a:t>
+              <a:t>Most of the borrowers don't have bankruptcy records and are safe choice for loan approval</a:t>
             </a:r>
             <a:endParaRPr lang="en-IN" dirty="0"/>
           </a:p>
@@ -5629,6 +5631,265 @@
           <a:lstStyle/>
           <a:p>
             <a:r>
+              <a:rPr lang="en-IN" dirty="0"/>
+              <a:t>Distribution of Purpose</a:t>
+            </a:r>
+          </a:p>
+        </p:txBody>
+      </p:sp>
+      <p:sp>
+        <p:nvSpPr>
+          <p:cNvPr id="9" name="TextBox 8">
+            <a:extLst>
+              <a:ext uri="{FF2B5EF4-FFF2-40B4-BE49-F238E27FC236}">
+                <a16:creationId xmlns:a16="http://schemas.microsoft.com/office/drawing/2014/main" id="{FCE37641-5065-9C52-7B05-E7D5A89BE76D}"/>
+              </a:ext>
+            </a:extLst>
+          </p:cNvPr>
+          <p:cNvSpPr txBox="1"/>
+          <p:nvPr/>
+        </p:nvSpPr>
+        <p:spPr>
+          <a:xfrm>
+            <a:off x="1929384" y="6211669"/>
+            <a:ext cx="9738360" cy="369332"/>
+          </a:xfrm>
+          <a:prstGeom prst="rect">
+            <a:avLst/>
+          </a:prstGeom>
+          <a:noFill/>
+        </p:spPr>
+        <p:txBody>
+          <a:bodyPr wrap="square" rtlCol="0">
+            <a:spAutoFit/>
+          </a:bodyPr>
+          <a:lstStyle/>
+          <a:p>
+            <a:r>
+              <a:rPr lang="en-US" b="0" i="0" dirty="0">
+                <a:effectLst/>
+                <a:highlight>
+                  <a:srgbClr val="FFFFFF"/>
+                </a:highlight>
+                <a:latin typeface="system-ui"/>
+              </a:rPr>
+              <a:t>A high percentage of loans are taken for the purpose of debt consolidation followed by credit card</a:t>
+            </a:r>
+            <a:endParaRPr lang="en-IN" dirty="0"/>
+          </a:p>
+        </p:txBody>
+      </p:sp>
+      <p:pic>
+        <p:nvPicPr>
+          <p:cNvPr id="11" name="Content Placeholder 10">
+            <a:extLst>
+              <a:ext uri="{FF2B5EF4-FFF2-40B4-BE49-F238E27FC236}">
+                <a16:creationId xmlns:a16="http://schemas.microsoft.com/office/drawing/2014/main" id="{1DBF107C-8CE1-CFB3-02D4-0815B4809772}"/>
+              </a:ext>
+            </a:extLst>
+          </p:cNvPr>
+          <p:cNvPicPr>
+            <a:picLocks noGrp="1" noChangeAspect="1"/>
+          </p:cNvPicPr>
+          <p:nvPr>
+            <p:ph idx="1"/>
+          </p:nvPr>
+        </p:nvPicPr>
+        <p:blipFill>
+          <a:blip r:embed="rId2"/>
+          <a:stretch>
+            <a:fillRect/>
+          </a:stretch>
+        </p:blipFill>
+        <p:spPr>
+          <a:xfrm>
+            <a:off x="1732941" y="2010291"/>
+            <a:ext cx="8726118" cy="3982006"/>
+          </a:xfrm>
+        </p:spPr>
+      </p:pic>
+    </p:spTree>
+    <p:extLst>
+      <p:ext uri="{BB962C8B-B14F-4D97-AF65-F5344CB8AC3E}">
+        <p14:creationId xmlns:p14="http://schemas.microsoft.com/office/powerpoint/2010/main" val="2747636276"/>
+      </p:ext>
+    </p:extLst>
+  </p:cSld>
+  <p:clrMapOvr>
+    <a:masterClrMapping/>
+  </p:clrMapOvr>
+</p:sld>
+</file>
+
+<file path=ppt/slides/slide27.xml><?xml version="1.0" encoding="utf-8"?>
+<p:sld xmlns:a="http://schemas.openxmlformats.org/drawingml/2006/main" xmlns:r="http://schemas.openxmlformats.org/officeDocument/2006/relationships" xmlns:p="http://schemas.openxmlformats.org/presentationml/2006/main">
+  <p:cSld>
+    <p:spTree>
+      <p:nvGrpSpPr>
+        <p:cNvPr id="1" name=""/>
+        <p:cNvGrpSpPr/>
+        <p:nvPr/>
+      </p:nvGrpSpPr>
+      <p:grpSpPr>
+        <a:xfrm>
+          <a:off x="0" y="0"/>
+          <a:ext cx="0" cy="0"/>
+          <a:chOff x="0" y="0"/>
+          <a:chExt cx="0" cy="0"/>
+        </a:xfrm>
+      </p:grpSpPr>
+      <p:sp>
+        <p:nvSpPr>
+          <p:cNvPr id="2" name="Title 1">
+            <a:extLst>
+              <a:ext uri="{FF2B5EF4-FFF2-40B4-BE49-F238E27FC236}">
+                <a16:creationId xmlns:a16="http://schemas.microsoft.com/office/drawing/2014/main" id="{3FBEDED4-628C-36AD-5EF5-2206E52E0D87}"/>
+              </a:ext>
+            </a:extLst>
+          </p:cNvPr>
+          <p:cNvSpPr>
+            <a:spLocks noGrp="1"/>
+          </p:cNvSpPr>
+          <p:nvPr>
+            <p:ph type="title"/>
+          </p:nvPr>
+        </p:nvSpPr>
+        <p:spPr/>
+        <p:txBody>
+          <a:bodyPr/>
+          <a:lstStyle/>
+          <a:p>
+            <a:r>
+              <a:rPr lang="en-US" dirty="0"/>
+              <a:t>Count of Loan Status by Sub Grade</a:t>
+            </a:r>
+            <a:endParaRPr lang="en-IN" dirty="0"/>
+          </a:p>
+        </p:txBody>
+      </p:sp>
+      <p:sp>
+        <p:nvSpPr>
+          <p:cNvPr id="9" name="TextBox 8">
+            <a:extLst>
+              <a:ext uri="{FF2B5EF4-FFF2-40B4-BE49-F238E27FC236}">
+                <a16:creationId xmlns:a16="http://schemas.microsoft.com/office/drawing/2014/main" id="{FCE37641-5065-9C52-7B05-E7D5A89BE76D}"/>
+              </a:ext>
+            </a:extLst>
+          </p:cNvPr>
+          <p:cNvSpPr txBox="1"/>
+          <p:nvPr/>
+        </p:nvSpPr>
+        <p:spPr>
+          <a:xfrm>
+            <a:off x="1929384" y="6211669"/>
+            <a:ext cx="9738360" cy="646331"/>
+          </a:xfrm>
+          <a:prstGeom prst="rect">
+            <a:avLst/>
+          </a:prstGeom>
+          <a:noFill/>
+        </p:spPr>
+        <p:txBody>
+          <a:bodyPr wrap="square" rtlCol="0">
+            <a:spAutoFit/>
+          </a:bodyPr>
+          <a:lstStyle/>
+          <a:p>
+            <a:r>
+              <a:rPr lang="en-US" b="0" i="0" dirty="0">
+                <a:effectLst/>
+                <a:highlight>
+                  <a:srgbClr val="FFFFFF"/>
+                </a:highlight>
+                <a:latin typeface="system-ui"/>
+              </a:rPr>
+              <a:t>Compared to Sub grades of A , more numbers of defaulters are in Sub Grades of B &amp; C, this is a risk factor</a:t>
+            </a:r>
+            <a:endParaRPr lang="en-IN" dirty="0"/>
+          </a:p>
+        </p:txBody>
+      </p:sp>
+      <p:pic>
+        <p:nvPicPr>
+          <p:cNvPr id="6" name="Content Placeholder 5">
+            <a:extLst>
+              <a:ext uri="{FF2B5EF4-FFF2-40B4-BE49-F238E27FC236}">
+                <a16:creationId xmlns:a16="http://schemas.microsoft.com/office/drawing/2014/main" id="{134BA706-3634-799C-75F3-85D58F11EAE3}"/>
+              </a:ext>
+            </a:extLst>
+          </p:cNvPr>
+          <p:cNvPicPr>
+            <a:picLocks noGrp="1" noChangeAspect="1"/>
+          </p:cNvPicPr>
+          <p:nvPr>
+            <p:ph idx="1"/>
+          </p:nvPr>
+        </p:nvPicPr>
+        <p:blipFill>
+          <a:blip r:embed="rId2"/>
+          <a:stretch>
+            <a:fillRect/>
+          </a:stretch>
+        </p:blipFill>
+        <p:spPr>
+          <a:xfrm>
+            <a:off x="3446221" y="1825625"/>
+            <a:ext cx="5299557" cy="4351338"/>
+          </a:xfrm>
+        </p:spPr>
+      </p:pic>
+    </p:spTree>
+    <p:extLst>
+      <p:ext uri="{BB962C8B-B14F-4D97-AF65-F5344CB8AC3E}">
+        <p14:creationId xmlns:p14="http://schemas.microsoft.com/office/powerpoint/2010/main" val="2371509064"/>
+      </p:ext>
+    </p:extLst>
+  </p:cSld>
+  <p:clrMapOvr>
+    <a:masterClrMapping/>
+  </p:clrMapOvr>
+</p:sld>
+</file>
+
+<file path=ppt/slides/slide28.xml><?xml version="1.0" encoding="utf-8"?>
+<p:sld xmlns:a="http://schemas.openxmlformats.org/drawingml/2006/main" xmlns:r="http://schemas.openxmlformats.org/officeDocument/2006/relationships" xmlns:p="http://schemas.openxmlformats.org/presentationml/2006/main">
+  <p:cSld>
+    <p:spTree>
+      <p:nvGrpSpPr>
+        <p:cNvPr id="1" name=""/>
+        <p:cNvGrpSpPr/>
+        <p:nvPr/>
+      </p:nvGrpSpPr>
+      <p:grpSpPr>
+        <a:xfrm>
+          <a:off x="0" y="0"/>
+          <a:ext cx="0" cy="0"/>
+          <a:chOff x="0" y="0"/>
+          <a:chExt cx="0" cy="0"/>
+        </a:xfrm>
+      </p:grpSpPr>
+      <p:sp>
+        <p:nvSpPr>
+          <p:cNvPr id="2" name="Title 1">
+            <a:extLst>
+              <a:ext uri="{FF2B5EF4-FFF2-40B4-BE49-F238E27FC236}">
+                <a16:creationId xmlns:a16="http://schemas.microsoft.com/office/drawing/2014/main" id="{3FBEDED4-628C-36AD-5EF5-2206E52E0D87}"/>
+              </a:ext>
+            </a:extLst>
+          </p:cNvPr>
+          <p:cNvSpPr>
+            <a:spLocks noGrp="1"/>
+          </p:cNvSpPr>
+          <p:nvPr>
+            <p:ph type="title"/>
+          </p:nvPr>
+        </p:nvSpPr>
+        <p:spPr/>
+        <p:txBody>
+          <a:bodyPr/>
+          <a:lstStyle/>
+          <a:p>
+            <a:r>
               <a:rPr lang="en-US" dirty="0"/>
               <a:t>Correlation Heatmap Including Categorical Variables</a:t>
             </a:r>
@@ -5678,452 +5939,6 @@
 </p:sld>
 </file>
 
-<file path=ppt/slides/slide27.xml><?xml version="1.0" encoding="utf-8"?>
-<p:sld xmlns:a="http://schemas.openxmlformats.org/drawingml/2006/main" xmlns:r="http://schemas.openxmlformats.org/officeDocument/2006/relationships" xmlns:p="http://schemas.openxmlformats.org/presentationml/2006/main">
-  <p:cSld>
-    <p:spTree>
-      <p:nvGrpSpPr>
-        <p:cNvPr id="1" name=""/>
-        <p:cNvGrpSpPr/>
-        <p:nvPr/>
-      </p:nvGrpSpPr>
-      <p:grpSpPr>
-        <a:xfrm>
-          <a:off x="0" y="0"/>
-          <a:ext cx="0" cy="0"/>
-          <a:chOff x="0" y="0"/>
-          <a:chExt cx="0" cy="0"/>
-        </a:xfrm>
-      </p:grpSpPr>
-      <p:sp>
-        <p:nvSpPr>
-          <p:cNvPr id="2" name="Title 1">
-            <a:extLst>
-              <a:ext uri="{FF2B5EF4-FFF2-40B4-BE49-F238E27FC236}">
-                <a16:creationId xmlns:a16="http://schemas.microsoft.com/office/drawing/2014/main" id="{3FBEDED4-628C-36AD-5EF5-2206E52E0D87}"/>
-              </a:ext>
-            </a:extLst>
-          </p:cNvPr>
-          <p:cNvSpPr>
-            <a:spLocks noGrp="1"/>
-          </p:cNvSpPr>
-          <p:nvPr>
-            <p:ph type="title"/>
-          </p:nvPr>
-        </p:nvSpPr>
-        <p:spPr/>
-        <p:txBody>
-          <a:bodyPr/>
-          <a:lstStyle/>
-          <a:p>
-            <a:r>
-              <a:rPr lang="en-US" dirty="0"/>
-              <a:t>Observations</a:t>
-            </a:r>
-            <a:endParaRPr lang="en-IN" dirty="0"/>
-          </a:p>
-        </p:txBody>
-      </p:sp>
-      <p:sp>
-        <p:nvSpPr>
-          <p:cNvPr id="3" name="Content Placeholder 2">
-            <a:extLst>
-              <a:ext uri="{FF2B5EF4-FFF2-40B4-BE49-F238E27FC236}">
-                <a16:creationId xmlns:a16="http://schemas.microsoft.com/office/drawing/2014/main" id="{7B8F7E1E-0CC1-61CF-563A-584AFC254CFD}"/>
-              </a:ext>
-            </a:extLst>
-          </p:cNvPr>
-          <p:cNvSpPr>
-            <a:spLocks noGrp="1"/>
-          </p:cNvSpPr>
-          <p:nvPr>
-            <p:ph idx="1"/>
-          </p:nvPr>
-        </p:nvSpPr>
-        <p:spPr>
-          <a:xfrm>
-            <a:off x="838200" y="1690688"/>
-            <a:ext cx="10515600" cy="4486275"/>
-          </a:xfrm>
-        </p:spPr>
-        <p:txBody>
-          <a:bodyPr>
-            <a:normAutofit/>
-          </a:bodyPr>
-          <a:lstStyle/>
-          <a:p>
-            <a:pPr algn="l"/>
-            <a:r>
-              <a:rPr lang="en-US" b="1" i="0" dirty="0">
-                <a:effectLst/>
-                <a:highlight>
-                  <a:srgbClr val="FFFFFF"/>
-                </a:highlight>
-                <a:latin typeface="system-ui"/>
-              </a:rPr>
-              <a:t>Univariate Analysis</a:t>
-            </a:r>
-          </a:p>
-          <a:p>
-            <a:pPr lvl="1"/>
-            <a:r>
-              <a:rPr lang="en-US" b="0" i="0" dirty="0">
-                <a:effectLst/>
-                <a:highlight>
-                  <a:srgbClr val="FFFFFF"/>
-                </a:highlight>
-                <a:latin typeface="system-ui"/>
-              </a:rPr>
-              <a:t>Defaulter's loans are lower in numbers compared to Non-Defaulters (Fully Paid)</a:t>
-            </a:r>
-          </a:p>
-          <a:p>
-            <a:pPr lvl="1"/>
-            <a:r>
-              <a:rPr lang="en-US" b="0" i="0" dirty="0">
-                <a:effectLst/>
-                <a:highlight>
-                  <a:srgbClr val="FFFFFF"/>
-                </a:highlight>
-                <a:latin typeface="system-ui"/>
-              </a:rPr>
-              <a:t>Loan amount has a range of loans from 500 to 35k with a mean of 9.8k</a:t>
-            </a:r>
-          </a:p>
-          <a:p>
-            <a:pPr lvl="1"/>
-            <a:r>
-              <a:rPr lang="en-US" b="0" i="0" dirty="0">
-                <a:effectLst/>
-                <a:highlight>
-                  <a:srgbClr val="FFFFFF"/>
-                </a:highlight>
-                <a:latin typeface="system-ui"/>
-              </a:rPr>
-              <a:t>The loans in 60 months term mostly consist of grade B, C and D loans whereas the loans in 36 months term majorly consist of grade A and B loans</a:t>
-            </a:r>
-          </a:p>
-          <a:p>
-            <a:pPr lvl="1"/>
-            <a:r>
-              <a:rPr lang="en-US" b="0" i="0" dirty="0">
-                <a:effectLst/>
-                <a:highlight>
-                  <a:srgbClr val="FFFFFF"/>
-                </a:highlight>
-                <a:latin typeface="system-ui"/>
-              </a:rPr>
-              <a:t>More than half of the loan taken has term of 36 months compared to 60 months</a:t>
-            </a:r>
-          </a:p>
-          <a:p>
-            <a:pPr lvl="1"/>
-            <a:r>
-              <a:rPr lang="en-US" b="0" i="0" dirty="0">
-                <a:effectLst/>
-                <a:highlight>
-                  <a:srgbClr val="FFFFFF"/>
-                </a:highlight>
-                <a:latin typeface="system-ui"/>
-              </a:rPr>
-              <a:t>Interest rate is more crowded between 5-10 and 10-15 along with a drop near 10%</a:t>
-            </a:r>
-          </a:p>
-          <a:p>
-            <a:pPr lvl="1"/>
-            <a:r>
-              <a:rPr lang="en-US" b="0" i="0" dirty="0">
-                <a:effectLst/>
-                <a:highlight>
-                  <a:srgbClr val="FFFFFF"/>
-                </a:highlight>
-                <a:latin typeface="system-ui"/>
-              </a:rPr>
-              <a:t>Lot of loans are in Grade A and Grade B, meaning loans are approved more for higher grades</a:t>
-            </a:r>
-          </a:p>
-          <a:p>
-            <a:pPr marL="0" indent="0">
-              <a:buNone/>
-            </a:pPr>
-            <a:endParaRPr lang="en-IN" dirty="0"/>
-          </a:p>
-          <a:p>
-            <a:endParaRPr lang="en-US" dirty="0"/>
-          </a:p>
-          <a:p>
-            <a:endParaRPr lang="en-US" dirty="0"/>
-          </a:p>
-          <a:p>
-            <a:endParaRPr lang="en-US" dirty="0"/>
-          </a:p>
-          <a:p>
-            <a:endParaRPr lang="en-US" dirty="0"/>
-          </a:p>
-          <a:p>
-            <a:endParaRPr lang="en-IN" dirty="0"/>
-          </a:p>
-        </p:txBody>
-      </p:sp>
-    </p:spTree>
-    <p:extLst>
-      <p:ext uri="{BB962C8B-B14F-4D97-AF65-F5344CB8AC3E}">
-        <p14:creationId xmlns:p14="http://schemas.microsoft.com/office/powerpoint/2010/main" val="2205630649"/>
-      </p:ext>
-    </p:extLst>
-  </p:cSld>
-  <p:clrMapOvr>
-    <a:masterClrMapping/>
-  </p:clrMapOvr>
-</p:sld>
-</file>
-
-<file path=ppt/slides/slide28.xml><?xml version="1.0" encoding="utf-8"?>
-<p:sld xmlns:a="http://schemas.openxmlformats.org/drawingml/2006/main" xmlns:r="http://schemas.openxmlformats.org/officeDocument/2006/relationships" xmlns:p="http://schemas.openxmlformats.org/presentationml/2006/main">
-  <p:cSld>
-    <p:spTree>
-      <p:nvGrpSpPr>
-        <p:cNvPr id="1" name=""/>
-        <p:cNvGrpSpPr/>
-        <p:nvPr/>
-      </p:nvGrpSpPr>
-      <p:grpSpPr>
-        <a:xfrm>
-          <a:off x="0" y="0"/>
-          <a:ext cx="0" cy="0"/>
-          <a:chOff x="0" y="0"/>
-          <a:chExt cx="0" cy="0"/>
-        </a:xfrm>
-      </p:grpSpPr>
-      <p:sp>
-        <p:nvSpPr>
-          <p:cNvPr id="2" name="Title 1">
-            <a:extLst>
-              <a:ext uri="{FF2B5EF4-FFF2-40B4-BE49-F238E27FC236}">
-                <a16:creationId xmlns:a16="http://schemas.microsoft.com/office/drawing/2014/main" id="{3FBEDED4-628C-36AD-5EF5-2206E52E0D87}"/>
-              </a:ext>
-            </a:extLst>
-          </p:cNvPr>
-          <p:cNvSpPr>
-            <a:spLocks noGrp="1"/>
-          </p:cNvSpPr>
-          <p:nvPr>
-            <p:ph type="title"/>
-          </p:nvPr>
-        </p:nvSpPr>
-        <p:spPr/>
-        <p:txBody>
-          <a:bodyPr/>
-          <a:lstStyle/>
-          <a:p>
-            <a:r>
-              <a:rPr lang="en-US" dirty="0"/>
-              <a:t>Observations</a:t>
-            </a:r>
-            <a:endParaRPr lang="en-IN" dirty="0"/>
-          </a:p>
-        </p:txBody>
-      </p:sp>
-      <p:sp>
-        <p:nvSpPr>
-          <p:cNvPr id="3" name="Content Placeholder 2">
-            <a:extLst>
-              <a:ext uri="{FF2B5EF4-FFF2-40B4-BE49-F238E27FC236}">
-                <a16:creationId xmlns:a16="http://schemas.microsoft.com/office/drawing/2014/main" id="{7B8F7E1E-0CC1-61CF-563A-584AFC254CFD}"/>
-              </a:ext>
-            </a:extLst>
-          </p:cNvPr>
-          <p:cNvSpPr>
-            <a:spLocks noGrp="1"/>
-          </p:cNvSpPr>
-          <p:nvPr>
-            <p:ph idx="1"/>
-          </p:nvPr>
-        </p:nvSpPr>
-        <p:spPr/>
-        <p:txBody>
-          <a:bodyPr>
-            <a:normAutofit fontScale="85000" lnSpcReduction="20000"/>
-          </a:bodyPr>
-          <a:lstStyle/>
-          <a:p>
-            <a:pPr algn="l"/>
-            <a:r>
-              <a:rPr lang="en-US" b="1" i="0" dirty="0">
-                <a:effectLst/>
-                <a:highlight>
-                  <a:srgbClr val="FFFFFF"/>
-                </a:highlight>
-                <a:latin typeface="system-ui"/>
-              </a:rPr>
-              <a:t>Segmented Univariate Analysis</a:t>
-            </a:r>
-          </a:p>
-          <a:p>
-            <a:pPr lvl="1"/>
-            <a:r>
-              <a:rPr lang="en-US" b="0" i="0" dirty="0">
-                <a:effectLst/>
-                <a:highlight>
-                  <a:srgbClr val="FFFFFF"/>
-                </a:highlight>
-                <a:latin typeface="system-ui"/>
-              </a:rPr>
-              <a:t>High number of loans are issued in 12th months and year 2011</a:t>
-            </a:r>
-          </a:p>
-          <a:p>
-            <a:pPr lvl="1"/>
-            <a:r>
-              <a:rPr lang="en-US" b="0" i="0" dirty="0">
-                <a:effectLst/>
-                <a:highlight>
-                  <a:srgbClr val="FFFFFF"/>
-                </a:highlight>
-                <a:latin typeface="system-ui"/>
-              </a:rPr>
-              <a:t>Borrowers below 50k have high almost half of the defaulters, this can be a risk factor</a:t>
-            </a:r>
-          </a:p>
-          <a:p>
-            <a:pPr lvl="1"/>
-            <a:r>
-              <a:rPr lang="en-US" b="0" i="0" dirty="0">
-                <a:effectLst/>
-                <a:highlight>
-                  <a:srgbClr val="FFFFFF"/>
-                </a:highlight>
-                <a:latin typeface="system-ui"/>
-              </a:rPr>
-              <a:t>Volume of loans has vastly increased with each year, also indicates approvals have increased</a:t>
-            </a:r>
-          </a:p>
-          <a:p>
-            <a:pPr lvl="1"/>
-            <a:r>
-              <a:rPr lang="en-US" b="0" i="0" dirty="0">
-                <a:effectLst/>
-                <a:highlight>
-                  <a:srgbClr val="FFFFFF"/>
-                </a:highlight>
-                <a:latin typeface="system-ui"/>
-              </a:rPr>
-              <a:t>Borrowers with 10+ years have taken more loans and high number of fully paid, defaulters are also comparatively more</a:t>
-            </a:r>
-          </a:p>
-          <a:p>
-            <a:pPr lvl="1"/>
-            <a:r>
-              <a:rPr lang="en-US" b="0" i="0" dirty="0">
-                <a:effectLst/>
-                <a:highlight>
-                  <a:srgbClr val="FFFFFF"/>
-                </a:highlight>
-                <a:latin typeface="system-ui"/>
-              </a:rPr>
-              <a:t>The interest rate has increased till 16% and then dropped from 17% for defaulters. For Fully paid, there is drop near 10%</a:t>
-            </a:r>
-          </a:p>
-          <a:p>
-            <a:pPr lvl="1"/>
-            <a:r>
-              <a:rPr lang="en-US" b="0" i="0" dirty="0">
-                <a:effectLst/>
-                <a:highlight>
-                  <a:srgbClr val="FFFFFF"/>
-                </a:highlight>
-                <a:latin typeface="system-ui"/>
-              </a:rPr>
-              <a:t>Defaulters with RENT and MORTGAGE Home Owners are most likely to default than wit OWN homes</a:t>
-            </a:r>
-          </a:p>
-          <a:p>
-            <a:pPr lvl="1"/>
-            <a:r>
-              <a:rPr lang="en-US" b="0" i="0" dirty="0">
-                <a:effectLst/>
-                <a:highlight>
-                  <a:srgbClr val="FFFFFF"/>
-                </a:highlight>
-                <a:latin typeface="system-ui"/>
-              </a:rPr>
-              <a:t>The Loan Status varies with DTI ratio; we can see that the loans in DTI of 10-15% have higher number of defaulted loan, higher the DTI more chance of defaulting.</a:t>
-            </a:r>
-          </a:p>
-          <a:p>
-            <a:pPr lvl="1"/>
-            <a:r>
-              <a:rPr lang="en-US" b="0" i="0" dirty="0">
-                <a:effectLst/>
-                <a:highlight>
-                  <a:srgbClr val="FFFFFF"/>
-                </a:highlight>
-                <a:latin typeface="system-ui"/>
-              </a:rPr>
-              <a:t>A high percentage of loans are taken for the purpose of debt consolidation followed by credit card</a:t>
-            </a:r>
-          </a:p>
-          <a:p>
-            <a:pPr lvl="1"/>
-            <a:r>
-              <a:rPr lang="en-US" b="0" i="0" dirty="0">
-                <a:effectLst/>
-                <a:highlight>
-                  <a:srgbClr val="FFFFFF"/>
-                </a:highlight>
-                <a:latin typeface="system-ui"/>
-              </a:rPr>
-              <a:t>Compared to Sub grades of A, more numbers of defaulters are in Sub Grade of B &amp; C, this us a risk factor</a:t>
-            </a:r>
-          </a:p>
-          <a:p>
-            <a:pPr marL="0" indent="0">
-              <a:buNone/>
-            </a:pPr>
-            <a:endParaRPr lang="en-US" b="0" i="0" dirty="0">
-              <a:effectLst/>
-              <a:highlight>
-                <a:srgbClr val="FFFFFF"/>
-              </a:highlight>
-              <a:latin typeface="system-ui"/>
-            </a:endParaRPr>
-          </a:p>
-          <a:p>
-            <a:pPr marL="0" indent="0">
-              <a:buNone/>
-            </a:pPr>
-            <a:endParaRPr lang="en-IN" dirty="0"/>
-          </a:p>
-          <a:p>
-            <a:endParaRPr lang="en-US" dirty="0"/>
-          </a:p>
-          <a:p>
-            <a:endParaRPr lang="en-US" dirty="0"/>
-          </a:p>
-          <a:p>
-            <a:endParaRPr lang="en-US" dirty="0"/>
-          </a:p>
-          <a:p>
-            <a:endParaRPr lang="en-US" dirty="0"/>
-          </a:p>
-          <a:p>
-            <a:endParaRPr lang="en-IN" dirty="0"/>
-          </a:p>
-        </p:txBody>
-      </p:sp>
-    </p:spTree>
-    <p:extLst>
-      <p:ext uri="{BB962C8B-B14F-4D97-AF65-F5344CB8AC3E}">
-        <p14:creationId xmlns:p14="http://schemas.microsoft.com/office/powerpoint/2010/main" val="2996578205"/>
-      </p:ext>
-    </p:extLst>
-  </p:cSld>
-  <p:clrMapOvr>
-    <a:masterClrMapping/>
-  </p:clrMapOvr>
-</p:sld>
-</file>
-
 <file path=ppt/slides/slide29.xml><?xml version="1.0" encoding="utf-8"?>
 <p:sld xmlns:a="http://schemas.openxmlformats.org/drawingml/2006/main" xmlns:r="http://schemas.openxmlformats.org/officeDocument/2006/relationships" xmlns:p="http://schemas.openxmlformats.org/presentationml/2006/main">
   <p:cSld>
@@ -6186,7 +6001,12 @@
             <p:ph idx="1"/>
           </p:nvPr>
         </p:nvSpPr>
-        <p:spPr/>
+        <p:spPr>
+          <a:xfrm>
+            <a:off x="838200" y="1690688"/>
+            <a:ext cx="10515600" cy="4486275"/>
+          </a:xfrm>
+        </p:spPr>
         <p:txBody>
           <a:bodyPr>
             <a:normAutofit/>
@@ -6202,7 +6022,7 @@
                 </a:highlight>
                 <a:latin typeface="system-ui"/>
               </a:rPr>
-              <a:t>Bivariate Analysis</a:t>
+              <a:t>Univariate Analysis</a:t>
             </a:r>
           </a:p>
           <a:p>
@@ -6215,7 +6035,7 @@
                 </a:highlight>
                 <a:latin typeface="system-ui"/>
               </a:rPr>
-              <a:t>The rate of interest is inversely proportional to Grades meaning higher the grade, lower is the interest rate. Grade is a risk factor.</a:t>
+              <a:t>Defaulter's loans are lower in numbers compared to Non-Defaulters (Fully Paid)</a:t>
             </a:r>
           </a:p>
           <a:p>
@@ -6228,7 +6048,7 @@
                 </a:highlight>
                 <a:latin typeface="system-ui"/>
               </a:rPr>
-              <a:t>Most of the borrowers don't have bankruptcy records and are safe choice for loan approvals</a:t>
+              <a:t>Loan amount has a range of loans from 500 to 35k with a mean of 9.8k</a:t>
             </a:r>
           </a:p>
           <a:p>
@@ -6241,7 +6061,7 @@
                 </a:highlight>
                 <a:latin typeface="system-ui"/>
               </a:rPr>
-              <a:t>The Grade A which is lowest risk also has lowest DTI ratio which we can say that higher grade has lower rate of default</a:t>
+              <a:t>The loans in 60 months term mostly consist of grade B, C and D loans whereas the loans in 36 months term majorly consist of grade A and B loans</a:t>
             </a:r>
           </a:p>
           <a:p>
@@ -6254,20 +6074,34 @@
                 </a:highlight>
                 <a:latin typeface="system-ui"/>
               </a:rPr>
-              <a:t>The borrowers are mostly having no record of Public Recorded Bankruptcy and are safe choice for loan issue.</a:t>
-            </a:r>
-          </a:p>
-          <a:p>
-            <a:pPr marL="457200" lvl="1" indent="0">
-              <a:buNone/>
-            </a:pPr>
-            <a:endParaRPr lang="en-US" b="0" i="0" dirty="0">
-              <a:effectLst/>
-              <a:highlight>
-                <a:srgbClr val="FFFFFF"/>
-              </a:highlight>
-              <a:latin typeface="system-ui"/>
-            </a:endParaRPr>
+              <a:t>More than half of the loan taken has term of 36 months compared to 60 months</a:t>
+            </a:r>
+          </a:p>
+          <a:p>
+            <a:pPr lvl="1"/>
+            <a:r>
+              <a:rPr lang="en-US" b="0" i="0" dirty="0">
+                <a:effectLst/>
+                <a:highlight>
+                  <a:srgbClr val="FFFFFF"/>
+                </a:highlight>
+                <a:latin typeface="system-ui"/>
+              </a:rPr>
+              <a:t>Interest rate is more crowded between 5-10 and 10-15 along with a drop near 10%</a:t>
+            </a:r>
+          </a:p>
+          <a:p>
+            <a:pPr lvl="1"/>
+            <a:r>
+              <a:rPr lang="en-US" b="0" i="0" dirty="0">
+                <a:effectLst/>
+                <a:highlight>
+                  <a:srgbClr val="FFFFFF"/>
+                </a:highlight>
+                <a:latin typeface="system-ui"/>
+              </a:rPr>
+              <a:t>Lot of loans are in Grade A and Grade B, meaning loans are approved more for higher grades</a:t>
+            </a:r>
           </a:p>
           <a:p>
             <a:pPr marL="0" indent="0">
@@ -6295,7 +6129,7 @@
     </p:spTree>
     <p:extLst>
       <p:ext uri="{BB962C8B-B14F-4D97-AF65-F5344CB8AC3E}">
-        <p14:creationId xmlns:p14="http://schemas.microsoft.com/office/powerpoint/2010/main" val="4176866561"/>
+        <p14:creationId xmlns:p14="http://schemas.microsoft.com/office/powerpoint/2010/main" val="2205630649"/>
       </p:ext>
     </p:extLst>
   </p:cSld>
@@ -6451,6 +6285,433 @@
           <a:lstStyle/>
           <a:p>
             <a:r>
+              <a:rPr lang="en-US" dirty="0"/>
+              <a:t>Observations</a:t>
+            </a:r>
+            <a:endParaRPr lang="en-IN" dirty="0"/>
+          </a:p>
+        </p:txBody>
+      </p:sp>
+      <p:sp>
+        <p:nvSpPr>
+          <p:cNvPr id="3" name="Content Placeholder 2">
+            <a:extLst>
+              <a:ext uri="{FF2B5EF4-FFF2-40B4-BE49-F238E27FC236}">
+                <a16:creationId xmlns:a16="http://schemas.microsoft.com/office/drawing/2014/main" id="{7B8F7E1E-0CC1-61CF-563A-584AFC254CFD}"/>
+              </a:ext>
+            </a:extLst>
+          </p:cNvPr>
+          <p:cNvSpPr>
+            <a:spLocks noGrp="1"/>
+          </p:cNvSpPr>
+          <p:nvPr>
+            <p:ph idx="1"/>
+          </p:nvPr>
+        </p:nvSpPr>
+        <p:spPr/>
+        <p:txBody>
+          <a:bodyPr>
+            <a:normAutofit fontScale="85000" lnSpcReduction="20000"/>
+          </a:bodyPr>
+          <a:lstStyle/>
+          <a:p>
+            <a:pPr algn="l"/>
+            <a:r>
+              <a:rPr lang="en-US" b="1" i="0" dirty="0">
+                <a:effectLst/>
+                <a:highlight>
+                  <a:srgbClr val="FFFFFF"/>
+                </a:highlight>
+                <a:latin typeface="system-ui"/>
+              </a:rPr>
+              <a:t>Segmented Univariate Analysis</a:t>
+            </a:r>
+          </a:p>
+          <a:p>
+            <a:pPr lvl="1"/>
+            <a:r>
+              <a:rPr lang="en-US" b="0" i="0" dirty="0">
+                <a:effectLst/>
+                <a:highlight>
+                  <a:srgbClr val="FFFFFF"/>
+                </a:highlight>
+                <a:latin typeface="system-ui"/>
+              </a:rPr>
+              <a:t>High number of loans are issued in 12th months and year 2011</a:t>
+            </a:r>
+          </a:p>
+          <a:p>
+            <a:pPr lvl="1"/>
+            <a:r>
+              <a:rPr lang="en-US" b="0" i="0" dirty="0">
+                <a:effectLst/>
+                <a:highlight>
+                  <a:srgbClr val="FFFFFF"/>
+                </a:highlight>
+                <a:latin typeface="system-ui"/>
+              </a:rPr>
+              <a:t>Borrowers below 50k have high almost half of the defaulters, this can be a risk factor</a:t>
+            </a:r>
+          </a:p>
+          <a:p>
+            <a:pPr lvl="1"/>
+            <a:r>
+              <a:rPr lang="en-US" b="0" i="0" dirty="0">
+                <a:effectLst/>
+                <a:highlight>
+                  <a:srgbClr val="FFFFFF"/>
+                </a:highlight>
+                <a:latin typeface="system-ui"/>
+              </a:rPr>
+              <a:t>Volume of loans has vastly increased with each year, also indicates approvals have increased</a:t>
+            </a:r>
+          </a:p>
+          <a:p>
+            <a:pPr lvl="1"/>
+            <a:r>
+              <a:rPr lang="en-US" b="0" i="0" dirty="0">
+                <a:effectLst/>
+                <a:highlight>
+                  <a:srgbClr val="FFFFFF"/>
+                </a:highlight>
+                <a:latin typeface="system-ui"/>
+              </a:rPr>
+              <a:t>Borrowers with 10+ years have taken more loans and high number of fully paid, defaulters are also comparatively more</a:t>
+            </a:r>
+          </a:p>
+          <a:p>
+            <a:pPr lvl="1"/>
+            <a:r>
+              <a:rPr lang="en-US" b="0" i="0" dirty="0">
+                <a:effectLst/>
+                <a:highlight>
+                  <a:srgbClr val="FFFFFF"/>
+                </a:highlight>
+                <a:latin typeface="system-ui"/>
+              </a:rPr>
+              <a:t>The interest rate has increased till 16% and then dropped from 17% for defaulters. For Fully paid, there is drop near 10%</a:t>
+            </a:r>
+          </a:p>
+          <a:p>
+            <a:pPr lvl="1"/>
+            <a:r>
+              <a:rPr lang="en-US" b="0" i="0" dirty="0">
+                <a:effectLst/>
+                <a:highlight>
+                  <a:srgbClr val="FFFFFF"/>
+                </a:highlight>
+                <a:latin typeface="system-ui"/>
+              </a:rPr>
+              <a:t>Defaulters with RENT and MORTGAGE Home Owners are most likely to default than wit OWN homes</a:t>
+            </a:r>
+          </a:p>
+          <a:p>
+            <a:pPr lvl="1"/>
+            <a:r>
+              <a:rPr lang="en-US" b="0" i="0" dirty="0">
+                <a:effectLst/>
+                <a:highlight>
+                  <a:srgbClr val="FFFFFF"/>
+                </a:highlight>
+                <a:latin typeface="system-ui"/>
+              </a:rPr>
+              <a:t>The Loan Status varies with DTI ratio; we can see that the loans in DTI of 10-15% have higher number of defaulted loan, higher the DTI more chance of defaulting.</a:t>
+            </a:r>
+          </a:p>
+          <a:p>
+            <a:pPr lvl="1"/>
+            <a:r>
+              <a:rPr lang="en-US" b="0" i="0" dirty="0">
+                <a:effectLst/>
+                <a:highlight>
+                  <a:srgbClr val="FFFFFF"/>
+                </a:highlight>
+                <a:latin typeface="system-ui"/>
+              </a:rPr>
+              <a:t>A high percentage of loans are taken for the purpose of debt consolidation followed by credit card</a:t>
+            </a:r>
+          </a:p>
+          <a:p>
+            <a:pPr lvl="1"/>
+            <a:r>
+              <a:rPr lang="en-US" b="0" i="0" dirty="0">
+                <a:effectLst/>
+                <a:highlight>
+                  <a:srgbClr val="FFFFFF"/>
+                </a:highlight>
+                <a:latin typeface="system-ui"/>
+              </a:rPr>
+              <a:t>Compared to Sub grades of A, more numbers of defaulters are in Sub Grade of B &amp; C, this us a risk factor</a:t>
+            </a:r>
+          </a:p>
+          <a:p>
+            <a:pPr marL="0" indent="0">
+              <a:buNone/>
+            </a:pPr>
+            <a:endParaRPr lang="en-US" b="0" i="0" dirty="0">
+              <a:effectLst/>
+              <a:highlight>
+                <a:srgbClr val="FFFFFF"/>
+              </a:highlight>
+              <a:latin typeface="system-ui"/>
+            </a:endParaRPr>
+          </a:p>
+          <a:p>
+            <a:pPr marL="0" indent="0">
+              <a:buNone/>
+            </a:pPr>
+            <a:endParaRPr lang="en-IN" dirty="0"/>
+          </a:p>
+          <a:p>
+            <a:endParaRPr lang="en-US" dirty="0"/>
+          </a:p>
+          <a:p>
+            <a:endParaRPr lang="en-US" dirty="0"/>
+          </a:p>
+          <a:p>
+            <a:endParaRPr lang="en-US" dirty="0"/>
+          </a:p>
+          <a:p>
+            <a:endParaRPr lang="en-US" dirty="0"/>
+          </a:p>
+          <a:p>
+            <a:endParaRPr lang="en-IN" dirty="0"/>
+          </a:p>
+        </p:txBody>
+      </p:sp>
+    </p:spTree>
+    <p:extLst>
+      <p:ext uri="{BB962C8B-B14F-4D97-AF65-F5344CB8AC3E}">
+        <p14:creationId xmlns:p14="http://schemas.microsoft.com/office/powerpoint/2010/main" val="2996578205"/>
+      </p:ext>
+    </p:extLst>
+  </p:cSld>
+  <p:clrMapOvr>
+    <a:masterClrMapping/>
+  </p:clrMapOvr>
+</p:sld>
+</file>
+
+<file path=ppt/slides/slide31.xml><?xml version="1.0" encoding="utf-8"?>
+<p:sld xmlns:a="http://schemas.openxmlformats.org/drawingml/2006/main" xmlns:r="http://schemas.openxmlformats.org/officeDocument/2006/relationships" xmlns:p="http://schemas.openxmlformats.org/presentationml/2006/main">
+  <p:cSld>
+    <p:spTree>
+      <p:nvGrpSpPr>
+        <p:cNvPr id="1" name=""/>
+        <p:cNvGrpSpPr/>
+        <p:nvPr/>
+      </p:nvGrpSpPr>
+      <p:grpSpPr>
+        <a:xfrm>
+          <a:off x="0" y="0"/>
+          <a:ext cx="0" cy="0"/>
+          <a:chOff x="0" y="0"/>
+          <a:chExt cx="0" cy="0"/>
+        </a:xfrm>
+      </p:grpSpPr>
+      <p:sp>
+        <p:nvSpPr>
+          <p:cNvPr id="2" name="Title 1">
+            <a:extLst>
+              <a:ext uri="{FF2B5EF4-FFF2-40B4-BE49-F238E27FC236}">
+                <a16:creationId xmlns:a16="http://schemas.microsoft.com/office/drawing/2014/main" id="{3FBEDED4-628C-36AD-5EF5-2206E52E0D87}"/>
+              </a:ext>
+            </a:extLst>
+          </p:cNvPr>
+          <p:cNvSpPr>
+            <a:spLocks noGrp="1"/>
+          </p:cNvSpPr>
+          <p:nvPr>
+            <p:ph type="title"/>
+          </p:nvPr>
+        </p:nvSpPr>
+        <p:spPr/>
+        <p:txBody>
+          <a:bodyPr/>
+          <a:lstStyle/>
+          <a:p>
+            <a:r>
+              <a:rPr lang="en-US" dirty="0"/>
+              <a:t>Observations</a:t>
+            </a:r>
+            <a:endParaRPr lang="en-IN" dirty="0"/>
+          </a:p>
+        </p:txBody>
+      </p:sp>
+      <p:sp>
+        <p:nvSpPr>
+          <p:cNvPr id="3" name="Content Placeholder 2">
+            <a:extLst>
+              <a:ext uri="{FF2B5EF4-FFF2-40B4-BE49-F238E27FC236}">
+                <a16:creationId xmlns:a16="http://schemas.microsoft.com/office/drawing/2014/main" id="{7B8F7E1E-0CC1-61CF-563A-584AFC254CFD}"/>
+              </a:ext>
+            </a:extLst>
+          </p:cNvPr>
+          <p:cNvSpPr>
+            <a:spLocks noGrp="1"/>
+          </p:cNvSpPr>
+          <p:nvPr>
+            <p:ph idx="1"/>
+          </p:nvPr>
+        </p:nvSpPr>
+        <p:spPr/>
+        <p:txBody>
+          <a:bodyPr>
+            <a:normAutofit/>
+          </a:bodyPr>
+          <a:lstStyle/>
+          <a:p>
+            <a:pPr algn="l"/>
+            <a:r>
+              <a:rPr lang="en-US" b="1" i="0" dirty="0">
+                <a:effectLst/>
+                <a:highlight>
+                  <a:srgbClr val="FFFFFF"/>
+                </a:highlight>
+                <a:latin typeface="system-ui"/>
+              </a:rPr>
+              <a:t>Bivariate Analysis</a:t>
+            </a:r>
+          </a:p>
+          <a:p>
+            <a:pPr lvl="1"/>
+            <a:r>
+              <a:rPr lang="en-US" b="0" i="0" dirty="0">
+                <a:effectLst/>
+                <a:highlight>
+                  <a:srgbClr val="FFFFFF"/>
+                </a:highlight>
+                <a:latin typeface="system-ui"/>
+              </a:rPr>
+              <a:t>The rate of interest is inversely proportional to Grades meaning higher the grade, lower is the interest rate. Grade is a risk factor.</a:t>
+            </a:r>
+          </a:p>
+          <a:p>
+            <a:pPr lvl="1"/>
+            <a:r>
+              <a:rPr lang="en-US" b="0" i="0" dirty="0">
+                <a:effectLst/>
+                <a:highlight>
+                  <a:srgbClr val="FFFFFF"/>
+                </a:highlight>
+                <a:latin typeface="system-ui"/>
+              </a:rPr>
+              <a:t>Most of the borrowers don't have bankruptcy records and are safe choice for loan approvals</a:t>
+            </a:r>
+          </a:p>
+          <a:p>
+            <a:pPr lvl="1"/>
+            <a:r>
+              <a:rPr lang="en-US" b="0" i="0" dirty="0">
+                <a:effectLst/>
+                <a:highlight>
+                  <a:srgbClr val="FFFFFF"/>
+                </a:highlight>
+                <a:latin typeface="system-ui"/>
+              </a:rPr>
+              <a:t>The Grade A which is lowest risk also has lowest DTI ratio which we can say that higher grade has lower rate of default</a:t>
+            </a:r>
+          </a:p>
+          <a:p>
+            <a:pPr lvl="1"/>
+            <a:r>
+              <a:rPr lang="en-US" b="0" i="0" dirty="0">
+                <a:effectLst/>
+                <a:highlight>
+                  <a:srgbClr val="FFFFFF"/>
+                </a:highlight>
+                <a:latin typeface="system-ui"/>
+              </a:rPr>
+              <a:t>The borrowers are mostly having no record of Public Recorded Bankruptcy and are safe choice for loan issue.</a:t>
+            </a:r>
+          </a:p>
+          <a:p>
+            <a:pPr marL="457200" lvl="1" indent="0">
+              <a:buNone/>
+            </a:pPr>
+            <a:endParaRPr lang="en-US" b="0" i="0" dirty="0">
+              <a:effectLst/>
+              <a:highlight>
+                <a:srgbClr val="FFFFFF"/>
+              </a:highlight>
+              <a:latin typeface="system-ui"/>
+            </a:endParaRPr>
+          </a:p>
+          <a:p>
+            <a:pPr marL="0" indent="0">
+              <a:buNone/>
+            </a:pPr>
+            <a:endParaRPr lang="en-IN" dirty="0"/>
+          </a:p>
+          <a:p>
+            <a:endParaRPr lang="en-US" dirty="0"/>
+          </a:p>
+          <a:p>
+            <a:endParaRPr lang="en-US" dirty="0"/>
+          </a:p>
+          <a:p>
+            <a:endParaRPr lang="en-US" dirty="0"/>
+          </a:p>
+          <a:p>
+            <a:endParaRPr lang="en-US" dirty="0"/>
+          </a:p>
+          <a:p>
+            <a:endParaRPr lang="en-IN" dirty="0"/>
+          </a:p>
+        </p:txBody>
+      </p:sp>
+    </p:spTree>
+    <p:extLst>
+      <p:ext uri="{BB962C8B-B14F-4D97-AF65-F5344CB8AC3E}">
+        <p14:creationId xmlns:p14="http://schemas.microsoft.com/office/powerpoint/2010/main" val="4176866561"/>
+      </p:ext>
+    </p:extLst>
+  </p:cSld>
+  <p:clrMapOvr>
+    <a:masterClrMapping/>
+  </p:clrMapOvr>
+</p:sld>
+</file>
+
+<file path=ppt/slides/slide32.xml><?xml version="1.0" encoding="utf-8"?>
+<p:sld xmlns:a="http://schemas.openxmlformats.org/drawingml/2006/main" xmlns:r="http://schemas.openxmlformats.org/officeDocument/2006/relationships" xmlns:p="http://schemas.openxmlformats.org/presentationml/2006/main">
+  <p:cSld>
+    <p:spTree>
+      <p:nvGrpSpPr>
+        <p:cNvPr id="1" name=""/>
+        <p:cNvGrpSpPr/>
+        <p:nvPr/>
+      </p:nvGrpSpPr>
+      <p:grpSpPr>
+        <a:xfrm>
+          <a:off x="0" y="0"/>
+          <a:ext cx="0" cy="0"/>
+          <a:chOff x="0" y="0"/>
+          <a:chExt cx="0" cy="0"/>
+        </a:xfrm>
+      </p:grpSpPr>
+      <p:sp>
+        <p:nvSpPr>
+          <p:cNvPr id="2" name="Title 1">
+            <a:extLst>
+              <a:ext uri="{FF2B5EF4-FFF2-40B4-BE49-F238E27FC236}">
+                <a16:creationId xmlns:a16="http://schemas.microsoft.com/office/drawing/2014/main" id="{3FBEDED4-628C-36AD-5EF5-2206E52E0D87}"/>
+              </a:ext>
+            </a:extLst>
+          </p:cNvPr>
+          <p:cNvSpPr>
+            <a:spLocks noGrp="1"/>
+          </p:cNvSpPr>
+          <p:nvPr>
+            <p:ph type="title"/>
+          </p:nvPr>
+        </p:nvSpPr>
+        <p:spPr/>
+        <p:txBody>
+          <a:bodyPr/>
+          <a:lstStyle/>
+          <a:p>
+            <a:r>
               <a:rPr lang="en-IN" i="0" dirty="0">
                 <a:effectLst/>
                 <a:highlight>
@@ -6576,7 +6837,7 @@
 </p:sld>
 </file>
 
-<file path=ppt/slides/slide31.xml><?xml version="1.0" encoding="utf-8"?>
+<file path=ppt/slides/slide33.xml><?xml version="1.0" encoding="utf-8"?>
 <p:sld xmlns:a="http://schemas.openxmlformats.org/drawingml/2006/main" xmlns:r="http://schemas.openxmlformats.org/officeDocument/2006/relationships" xmlns:p="http://schemas.openxmlformats.org/presentationml/2006/main">
   <p:cSld>
     <p:spTree>

--- a/Lending_Club_CaseStudy_Syed_Jereme.pptx
+++ b/Lending_Club_CaseStudy_Syed_Jereme.pptx
@@ -6877,7 +6877,7 @@
           <a:p>
             <a:r>
               <a:rPr lang="en-US" dirty="0"/>
-              <a:t>Rationale</a:t>
+              <a:t>Recommendations</a:t>
             </a:r>
             <a:endParaRPr lang="en-IN" dirty="0"/>
           </a:p>
